--- a/asset/Learn_ja/OASE-zabbix_lecture_ja.pptx
+++ b/asset/Learn_ja/OASE-zabbix_lecture_ja.pptx
@@ -293,7 +293,7 @@
               <a:rPr kumimoji="1" lang="ja-JP" altLang="en-US" smtClean="0">
                 <a:ea typeface="メイリオ" panose="020B0604030504040204" pitchFamily="50" charset="-128"/>
               </a:rPr>
-              <a:t>2021/8/31</a:t>
+              <a:t>2021/9/1</a:t>
             </a:fld>
             <a:endParaRPr kumimoji="1" lang="ja-JP" altLang="en-US" dirty="0">
               <a:ea typeface="メイリオ" panose="020B0604030504040204" pitchFamily="50" charset="-128"/>
@@ -439,7 +439,7 @@
             <a:fld id="{4B26993D-C081-44EB-B0F5-A9F467792B62}" type="datetimeFigureOut">
               <a:rPr lang="ja-JP" altLang="en-US" smtClean="0"/>
               <a:pPr/>
-              <a:t>2021/8/31</a:t>
+              <a:t>2021/9/1</a:t>
             </a:fld>
             <a:endParaRPr lang="ja-JP" altLang="en-US" dirty="0"/>
           </a:p>
@@ -4003,12 +4003,12 @@
           <a:lstStyle/>
           <a:p>
             <a:r>
-              <a:rPr lang="en-US" altLang="ja-JP" sz="6000" b="1" dirty="0" smtClean="0"/>
+              <a:rPr lang="en-US" altLang="ja-JP" sz="6000" b="1" dirty="0" err="1" smtClean="0"/>
               <a:t>Zabbix</a:t>
             </a:r>
             <a:r>
               <a:rPr lang="ja-JP" altLang="en-US" sz="6000" b="1" dirty="0" smtClean="0"/>
-              <a:t>連携編</a:t>
+              <a:t>連携</a:t>
             </a:r>
             <a:r>
               <a:rPr lang="en-US" altLang="ja-JP" sz="6000" b="1" dirty="0" smtClean="0"/>
@@ -13846,7 +13846,7 @@
               <a:t>　</a:t>
             </a:r>
             <a:r>
-              <a:rPr lang="en-US" altLang="ja-JP" sz="1600" dirty="0" smtClean="0">
+              <a:rPr lang="en-US" altLang="ja-JP" sz="1600" dirty="0" err="1" smtClean="0">
                 <a:latin typeface="+mn-ea"/>
               </a:rPr>
               <a:t>Zabbix</a:t>
@@ -13855,7 +13855,7 @@
               <a:rPr lang="ja-JP" altLang="en-US" sz="1600" dirty="0" smtClean="0">
                 <a:latin typeface="+mn-ea"/>
               </a:rPr>
-              <a:t>連携編</a:t>
+              <a:t>連携</a:t>
             </a:r>
             <a:r>
               <a:rPr lang="en-US" altLang="ja-JP" sz="1600" dirty="0" smtClean="0">
@@ -14118,12 +14118,12 @@
               <a:t>　</a:t>
             </a:r>
             <a:r>
-              <a:rPr lang="en-US" altLang="ja-JP" dirty="0"/>
+              <a:rPr lang="en-US" altLang="ja-JP" dirty="0" err="1" smtClean="0"/>
               <a:t>Zabbix</a:t>
             </a:r>
             <a:r>
               <a:rPr lang="ja-JP" altLang="en-US" dirty="0" smtClean="0"/>
-              <a:t>連携編</a:t>
+              <a:t>連携</a:t>
             </a:r>
             <a:r>
               <a:rPr lang="en-US" altLang="ja-JP" dirty="0" smtClean="0"/>
@@ -14242,14 +14242,18 @@
             </a:r>
             <a:r>
               <a:rPr lang="en-US" altLang="ja-JP" dirty="0"/>
-              <a:t> OASE Zabbix</a:t>
-            </a:r>
-            <a:r>
-              <a:rPr lang="ja-JP" altLang="en-US" dirty="0"/>
-              <a:t>連携編</a:t>
-            </a:r>
-            <a:r>
-              <a:rPr lang="en-US" altLang="ja-JP" dirty="0"/>
+              <a:t> OASE </a:t>
+            </a:r>
+            <a:r>
+              <a:rPr lang="en-US" altLang="ja-JP" dirty="0" err="1" smtClean="0"/>
+              <a:t>Zabbix</a:t>
+            </a:r>
+            <a:r>
+              <a:rPr lang="ja-JP" altLang="en-US" dirty="0" smtClean="0"/>
+              <a:t>連携</a:t>
+            </a:r>
+            <a:r>
+              <a:rPr lang="en-US" altLang="ja-JP" dirty="0" smtClean="0"/>
               <a:t>【</a:t>
             </a:r>
             <a:r>
@@ -14391,12 +14395,12 @@
               <a:t>　</a:t>
             </a:r>
             <a:r>
-              <a:rPr lang="en-US" altLang="ja-JP" dirty="0"/>
+              <a:rPr lang="en-US" altLang="ja-JP" dirty="0" err="1" smtClean="0"/>
               <a:t>Zabbix</a:t>
             </a:r>
             <a:r>
               <a:rPr lang="ja-JP" altLang="en-US" dirty="0" smtClean="0"/>
-              <a:t>連携編</a:t>
+              <a:t>連携</a:t>
             </a:r>
             <a:r>
               <a:rPr lang="en-US" altLang="ja-JP" dirty="0" smtClean="0"/>
@@ -14450,12 +14454,12 @@
           <a:lstStyle/>
           <a:p>
             <a:r>
-              <a:rPr lang="en-US" altLang="ja-JP" dirty="0"/>
+              <a:rPr lang="en-US" altLang="ja-JP" dirty="0" err="1" smtClean="0"/>
               <a:t>Zabbix</a:t>
             </a:r>
             <a:r>
-              <a:rPr lang="ja-JP" altLang="en-US" dirty="0"/>
-              <a:t>連携編は</a:t>
+              <a:rPr lang="ja-JP" altLang="en-US" dirty="0" smtClean="0"/>
+              <a:t>連携は</a:t>
             </a:r>
             <a:r>
               <a:rPr lang="en-US" altLang="ja-JP" dirty="0"/>
@@ -15821,12 +15825,12 @@
               <a:t>「</a:t>
             </a:r>
             <a:r>
-              <a:rPr kumimoji="1" lang="en-US" altLang="ja-JP" dirty="0" smtClean="0"/>
+              <a:rPr kumimoji="1" lang="en-US" altLang="ja-JP" dirty="0" err="1" smtClean="0"/>
               <a:t>Zabbix</a:t>
             </a:r>
             <a:r>
               <a:rPr kumimoji="1" lang="ja-JP" altLang="en-US" dirty="0" smtClean="0"/>
-              <a:t>連携編</a:t>
+              <a:t>連携</a:t>
             </a:r>
             <a:r>
               <a:rPr kumimoji="1" lang="en-US" altLang="ja-JP" dirty="0" smtClean="0"/>
@@ -20772,15 +20776,23 @@
             </a:r>
             <a:r>
               <a:rPr lang="ja-JP" altLang="en-US" dirty="0" smtClean="0"/>
-              <a:t>コマンド）を行っていたが、「</a:t>
-            </a:r>
-            <a:r>
-              <a:rPr lang="en-US" altLang="ja-JP" dirty="0" smtClean="0"/>
+              <a:t>コマンド）を行っていたが、</a:t>
+            </a:r>
+            <a:r>
+              <a:rPr lang="ja-JP" altLang="en-US" dirty="0" smtClean="0"/>
+              <a:t>「</a:t>
+            </a:r>
+            <a:r>
+              <a:rPr lang="en-US" altLang="ja-JP" dirty="0" err="1" smtClean="0"/>
               <a:t>Zabbix</a:t>
             </a:r>
             <a:r>
               <a:rPr lang="ja-JP" altLang="en-US" dirty="0" smtClean="0"/>
-              <a:t>連携編」では</a:t>
+              <a:t>連携」</a:t>
+            </a:r>
+            <a:r>
+              <a:rPr lang="ja-JP" altLang="en-US" dirty="0" smtClean="0"/>
+              <a:t>では</a:t>
             </a:r>
             <a:r>
               <a:rPr lang="en-US" altLang="ja-JP" dirty="0" smtClean="0"/>

--- a/asset/Learn_ja/OASE-zabbix_lecture_ja.pptx
+++ b/asset/Learn_ja/OASE-zabbix_lecture_ja.pptx
@@ -293,7 +293,7 @@
               <a:rPr kumimoji="1" lang="ja-JP" altLang="en-US" smtClean="0">
                 <a:ea typeface="メイリオ" panose="020B0604030504040204" pitchFamily="50" charset="-128"/>
               </a:rPr>
-              <a:t>2021/9/1</a:t>
+              <a:t>2021/12/20</a:t>
             </a:fld>
             <a:endParaRPr kumimoji="1" lang="ja-JP" altLang="en-US" dirty="0">
               <a:ea typeface="メイリオ" panose="020B0604030504040204" pitchFamily="50" charset="-128"/>
@@ -439,7 +439,7 @@
             <a:fld id="{4B26993D-C081-44EB-B0F5-A9F467792B62}" type="datetimeFigureOut">
               <a:rPr lang="ja-JP" altLang="en-US" smtClean="0"/>
               <a:pPr/>
-              <a:t>2021/9/1</a:t>
+              <a:t>2021/12/20</a:t>
             </a:fld>
             <a:endParaRPr lang="ja-JP" altLang="en-US" dirty="0"/>
           </a:p>
@@ -541,7 +541,7 @@
           <a:p>
             <a:pPr lvl="0"/>
             <a:r>
-              <a:rPr kumimoji="1" lang="ja-JP" altLang="en-US" dirty="0" smtClean="0"/>
+              <a:rPr kumimoji="1" lang="ja-JP" altLang="en-US" dirty="0"/>
               <a:t>マスター テキストの書式設定</a:t>
             </a:r>
           </a:p>
@@ -730,10 +730,9 @@
           </a:lstStyle>
           <a:p>
             <a:r>
-              <a:rPr kumimoji="1" lang="ja-JP" altLang="en-US" dirty="0" smtClean="0"/>
+              <a:rPr kumimoji="1" lang="ja-JP" altLang="en-US" dirty="0"/>
               <a:t>タイトルを入力</a:t>
             </a:r>
-            <a:endParaRPr kumimoji="1" lang="ja-JP" altLang="en-US" dirty="0"/>
           </a:p>
         </p:txBody>
       </p:sp>
@@ -765,10 +764,9 @@
           </a:lstStyle>
           <a:p>
             <a:r>
-              <a:rPr lang="ja-JP" altLang="en-US" dirty="0" smtClean="0"/>
+              <a:rPr lang="ja-JP" altLang="en-US" dirty="0"/>
               <a:t>宛先がある場合は入力</a:t>
             </a:r>
-            <a:endParaRPr lang="ja-JP" altLang="en-US" dirty="0"/>
           </a:p>
         </p:txBody>
       </p:sp>
@@ -837,10 +835,9 @@
           <a:p>
             <a:pPr lvl="0"/>
             <a:r>
-              <a:rPr kumimoji="1" lang="ja-JP" altLang="en-US" dirty="0" smtClean="0"/>
+              <a:rPr kumimoji="1" lang="ja-JP" altLang="en-US" dirty="0"/>
               <a:t>年月　部署名　氏名など　適宜改行</a:t>
             </a:r>
-            <a:endParaRPr kumimoji="1" lang="ja-JP" altLang="en-US" dirty="0"/>
           </a:p>
         </p:txBody>
       </p:sp>
@@ -854,13 +851,6 @@
   <p:clrMapOvr>
     <a:masterClrMapping/>
   </p:clrMapOvr>
-  <p:timing>
-    <p:tnLst>
-      <p:par>
-        <p:cTn id="1" dur="indefinite" restart="never" nodeType="tmRoot"/>
-      </p:par>
-    </p:tnLst>
-  </p:timing>
 </p:sldLayout>
 </file>
 
@@ -921,13 +911,6 @@
   <p:clrMapOvr>
     <a:masterClrMapping/>
   </p:clrMapOvr>
-  <p:timing>
-    <p:tnLst>
-      <p:par>
-        <p:cTn id="1" dur="indefinite" restart="never" nodeType="tmRoot"/>
-      </p:par>
-    </p:tnLst>
-  </p:timing>
 </p:sldLayout>
 </file>
 
@@ -979,10 +962,9 @@
           </a:lstStyle>
           <a:p>
             <a:r>
-              <a:rPr kumimoji="1" lang="ja-JP" altLang="en-US" dirty="0" smtClean="0"/>
+              <a:rPr kumimoji="1" lang="ja-JP" altLang="en-US" dirty="0"/>
               <a:t>タイトルを入力</a:t>
             </a:r>
-            <a:endParaRPr kumimoji="1" lang="ja-JP" altLang="en-US" dirty="0"/>
           </a:p>
         </p:txBody>
       </p:sp>
@@ -996,13 +978,6 @@
   <p:clrMapOvr>
     <a:masterClrMapping/>
   </p:clrMapOvr>
-  <p:timing>
-    <p:tnLst>
-      <p:par>
-        <p:cTn id="1" dur="indefinite" restart="never" nodeType="tmRoot"/>
-      </p:par>
-    </p:tnLst>
-  </p:timing>
 </p:sldLayout>
 </file>
 
@@ -1055,10 +1030,9 @@
           <a:p>
             <a:pPr lvl="0"/>
             <a:r>
-              <a:rPr kumimoji="1" lang="ja-JP" altLang="en-US" dirty="0" smtClean="0"/>
+              <a:rPr kumimoji="1" lang="ja-JP" altLang="en-US" dirty="0"/>
               <a:t>タイトルを入力</a:t>
             </a:r>
-            <a:endParaRPr kumimoji="1" lang="ja-JP" altLang="en-US" dirty="0"/>
           </a:p>
         </p:txBody>
       </p:sp>
@@ -1111,7 +1085,7 @@
           <a:p>
             <a:pPr lvl="0"/>
             <a:r>
-              <a:rPr kumimoji="1" lang="ja-JP" altLang="en-US" sz="2000" b="0" i="0" u="none" strike="noStrike" kern="0" cap="none" spc="0" normalizeH="0" baseline="0" noProof="0" dirty="0" smtClean="0">
+              <a:rPr kumimoji="1" lang="ja-JP" altLang="en-US" sz="2000" b="0" i="0" u="none" strike="noStrike" kern="0" cap="none" spc="0" normalizeH="0" baseline="0" noProof="0" dirty="0">
                 <a:ln>
                   <a:noFill/>
                 </a:ln>
@@ -1131,7 +1105,7 @@
           <a:p>
             <a:pPr lvl="1"/>
             <a:r>
-              <a:rPr kumimoji="1" lang="ja-JP" altLang="en-US" sz="1600" b="0" i="0" u="none" strike="noStrike" kern="0" cap="none" spc="0" normalizeH="0" baseline="0" noProof="0" dirty="0" smtClean="0">
+              <a:rPr kumimoji="1" lang="ja-JP" altLang="en-US" sz="1600" b="0" i="0" u="none" strike="noStrike" kern="0" cap="none" spc="0" normalizeH="0" baseline="0" noProof="0" dirty="0">
                 <a:ln>
                   <a:noFill/>
                 </a:ln>
@@ -1147,7 +1121,7 @@
               <a:t>第</a:t>
             </a:r>
             <a:r>
-              <a:rPr kumimoji="1" lang="en-US" altLang="ja-JP" sz="1600" b="0" i="0" u="none" strike="noStrike" kern="0" cap="none" spc="0" normalizeH="0" baseline="0" noProof="0" dirty="0" smtClean="0">
+              <a:rPr kumimoji="1" lang="en-US" altLang="ja-JP" sz="1600" b="0" i="0" u="none" strike="noStrike" kern="0" cap="none" spc="0" normalizeH="0" baseline="0" noProof="0" dirty="0">
                 <a:ln>
                   <a:noFill/>
                 </a:ln>
@@ -1163,7 +1137,7 @@
               <a:t>2</a:t>
             </a:r>
             <a:r>
-              <a:rPr kumimoji="1" lang="ja-JP" altLang="en-US" sz="1600" b="0" i="0" u="none" strike="noStrike" kern="0" cap="none" spc="0" normalizeH="0" baseline="0" noProof="0" dirty="0" smtClean="0">
+              <a:rPr kumimoji="1" lang="ja-JP" altLang="en-US" sz="1600" b="0" i="0" u="none" strike="noStrike" kern="0" cap="none" spc="0" normalizeH="0" baseline="0" noProof="0" dirty="0">
                 <a:ln>
                   <a:noFill/>
                 </a:ln>
@@ -1182,7 +1156,7 @@
           <a:p>
             <a:pPr lvl="2"/>
             <a:r>
-              <a:rPr kumimoji="1" lang="ja-JP" altLang="en-US" sz="1400" b="0" i="0" u="none" strike="noStrike" kern="0" cap="none" spc="0" normalizeH="0" baseline="0" noProof="0" dirty="0" smtClean="0">
+              <a:rPr kumimoji="1" lang="ja-JP" altLang="en-US" sz="1400" b="0" i="0" u="none" strike="noStrike" kern="0" cap="none" spc="0" normalizeH="0" baseline="0" noProof="0" dirty="0">
                 <a:ln>
                   <a:noFill/>
                 </a:ln>
@@ -1198,7 +1172,7 @@
               <a:t>第</a:t>
             </a:r>
             <a:r>
-              <a:rPr kumimoji="1" lang="en-US" altLang="ja-JP" sz="1400" b="0" i="0" u="none" strike="noStrike" kern="0" cap="none" spc="0" normalizeH="0" baseline="0" noProof="0" dirty="0" smtClean="0">
+              <a:rPr kumimoji="1" lang="en-US" altLang="ja-JP" sz="1400" b="0" i="0" u="none" strike="noStrike" kern="0" cap="none" spc="0" normalizeH="0" baseline="0" noProof="0" dirty="0">
                 <a:ln>
                   <a:noFill/>
                 </a:ln>
@@ -1214,7 +1188,7 @@
               <a:t>3</a:t>
             </a:r>
             <a:r>
-              <a:rPr kumimoji="1" lang="ja-JP" altLang="en-US" sz="1400" b="0" i="0" u="none" strike="noStrike" kern="0" cap="none" spc="0" normalizeH="0" baseline="0" noProof="0" dirty="0" smtClean="0">
+              <a:rPr kumimoji="1" lang="ja-JP" altLang="en-US" sz="1400" b="0" i="0" u="none" strike="noStrike" kern="0" cap="none" spc="0" normalizeH="0" baseline="0" noProof="0" dirty="0">
                 <a:ln>
                   <a:noFill/>
                 </a:ln>
@@ -1233,7 +1207,7 @@
           <a:p>
             <a:pPr lvl="3"/>
             <a:r>
-              <a:rPr kumimoji="1" lang="ja-JP" altLang="en-US" sz="1200" b="0" i="0" u="none" strike="noStrike" kern="0" cap="none" spc="0" normalizeH="0" baseline="0" noProof="0" dirty="0" smtClean="0">
+              <a:rPr kumimoji="1" lang="ja-JP" altLang="en-US" sz="1200" b="0" i="0" u="none" strike="noStrike" kern="0" cap="none" spc="0" normalizeH="0" baseline="0" noProof="0" dirty="0">
                 <a:ln>
                   <a:noFill/>
                 </a:ln>
@@ -1249,7 +1223,7 @@
               <a:t>第</a:t>
             </a:r>
             <a:r>
-              <a:rPr kumimoji="1" lang="en-US" altLang="ja-JP" sz="1200" b="0" i="0" u="none" strike="noStrike" kern="0" cap="none" spc="0" normalizeH="0" baseline="0" noProof="0" dirty="0" smtClean="0">
+              <a:rPr kumimoji="1" lang="en-US" altLang="ja-JP" sz="1200" b="0" i="0" u="none" strike="noStrike" kern="0" cap="none" spc="0" normalizeH="0" baseline="0" noProof="0" dirty="0">
                 <a:ln>
                   <a:noFill/>
                 </a:ln>
@@ -1265,7 +1239,7 @@
               <a:t>4</a:t>
             </a:r>
             <a:r>
-              <a:rPr kumimoji="1" lang="ja-JP" altLang="en-US" sz="1200" b="0" i="0" u="none" strike="noStrike" kern="0" cap="none" spc="0" normalizeH="0" baseline="0" noProof="0" dirty="0" smtClean="0">
+              <a:rPr kumimoji="1" lang="ja-JP" altLang="en-US" sz="1200" b="0" i="0" u="none" strike="noStrike" kern="0" cap="none" spc="0" normalizeH="0" baseline="0" noProof="0" dirty="0">
                 <a:ln>
                   <a:noFill/>
                 </a:ln>
@@ -1293,13 +1267,6 @@
   <p:clrMapOvr>
     <a:masterClrMapping/>
   </p:clrMapOvr>
-  <p:timing>
-    <p:tnLst>
-      <p:par>
-        <p:cTn id="1" dur="indefinite" restart="never" nodeType="tmRoot"/>
-      </p:par>
-    </p:tnLst>
-  </p:timing>
 </p:sldLayout>
 </file>
 
@@ -1352,10 +1319,9 @@
           <a:p>
             <a:pPr lvl="0"/>
             <a:r>
-              <a:rPr kumimoji="1" lang="ja-JP" altLang="en-US" dirty="0" smtClean="0"/>
+              <a:rPr kumimoji="1" lang="ja-JP" altLang="en-US" dirty="0"/>
               <a:t>タイトルを入力</a:t>
             </a:r>
-            <a:endParaRPr kumimoji="1" lang="ja-JP" altLang="en-US" dirty="0"/>
           </a:p>
         </p:txBody>
       </p:sp>
@@ -1431,18 +1397,17 @@
               <a:buNone/>
             </a:pPr>
             <a:r>
-              <a:rPr kumimoji="1" lang="ja-JP" altLang="en-US" dirty="0" smtClean="0"/>
+              <a:rPr kumimoji="1" lang="ja-JP" altLang="en-US" dirty="0"/>
               <a:t>リード文が</a:t>
             </a:r>
             <a:r>
-              <a:rPr kumimoji="1" lang="en-US" altLang="ja-JP" dirty="0" smtClean="0"/>
+              <a:rPr kumimoji="1" lang="en-US" altLang="ja-JP" dirty="0"/>
               <a:t>1</a:t>
             </a:r>
             <a:r>
-              <a:rPr kumimoji="1" lang="ja-JP" altLang="en-US" dirty="0" smtClean="0"/>
+              <a:rPr kumimoji="1" lang="ja-JP" altLang="en-US" dirty="0"/>
               <a:t>行でおさまる場合はこのレイアウトで入力</a:t>
             </a:r>
-            <a:endParaRPr kumimoji="1" lang="ja-JP" altLang="en-US" dirty="0"/>
           </a:p>
         </p:txBody>
       </p:sp>
@@ -1535,7 +1500,7 @@
           <a:p>
             <a:pPr lvl="0"/>
             <a:r>
-              <a:rPr kumimoji="1" lang="ja-JP" altLang="en-US" sz="2000" b="0" i="0" u="none" strike="noStrike" kern="0" cap="none" spc="0" normalizeH="0" baseline="0" noProof="0" dirty="0" smtClean="0">
+              <a:rPr kumimoji="1" lang="ja-JP" altLang="en-US" sz="2000" b="0" i="0" u="none" strike="noStrike" kern="0" cap="none" spc="0" normalizeH="0" baseline="0" noProof="0" dirty="0">
                 <a:ln>
                   <a:noFill/>
                 </a:ln>
@@ -1555,7 +1520,7 @@
           <a:p>
             <a:pPr lvl="1"/>
             <a:r>
-              <a:rPr kumimoji="1" lang="ja-JP" altLang="en-US" sz="1600" b="0" i="0" u="none" strike="noStrike" kern="0" cap="none" spc="0" normalizeH="0" baseline="0" noProof="0" dirty="0" smtClean="0">
+              <a:rPr kumimoji="1" lang="ja-JP" altLang="en-US" sz="1600" b="0" i="0" u="none" strike="noStrike" kern="0" cap="none" spc="0" normalizeH="0" baseline="0" noProof="0" dirty="0">
                 <a:ln>
                   <a:noFill/>
                 </a:ln>
@@ -1571,7 +1536,7 @@
               <a:t>第</a:t>
             </a:r>
             <a:r>
-              <a:rPr kumimoji="1" lang="en-US" altLang="ja-JP" sz="1600" b="0" i="0" u="none" strike="noStrike" kern="0" cap="none" spc="0" normalizeH="0" baseline="0" noProof="0" dirty="0" smtClean="0">
+              <a:rPr kumimoji="1" lang="en-US" altLang="ja-JP" sz="1600" b="0" i="0" u="none" strike="noStrike" kern="0" cap="none" spc="0" normalizeH="0" baseline="0" noProof="0" dirty="0">
                 <a:ln>
                   <a:noFill/>
                 </a:ln>
@@ -1587,7 +1552,7 @@
               <a:t>2</a:t>
             </a:r>
             <a:r>
-              <a:rPr kumimoji="1" lang="ja-JP" altLang="en-US" sz="1600" b="0" i="0" u="none" strike="noStrike" kern="0" cap="none" spc="0" normalizeH="0" baseline="0" noProof="0" dirty="0" smtClean="0">
+              <a:rPr kumimoji="1" lang="ja-JP" altLang="en-US" sz="1600" b="0" i="0" u="none" strike="noStrike" kern="0" cap="none" spc="0" normalizeH="0" baseline="0" noProof="0" dirty="0">
                 <a:ln>
                   <a:noFill/>
                 </a:ln>
@@ -1606,7 +1571,7 @@
           <a:p>
             <a:pPr lvl="2"/>
             <a:r>
-              <a:rPr kumimoji="1" lang="ja-JP" altLang="en-US" sz="1400" b="0" i="0" u="none" strike="noStrike" kern="0" cap="none" spc="0" normalizeH="0" baseline="0" noProof="0" dirty="0" smtClean="0">
+              <a:rPr kumimoji="1" lang="ja-JP" altLang="en-US" sz="1400" b="0" i="0" u="none" strike="noStrike" kern="0" cap="none" spc="0" normalizeH="0" baseline="0" noProof="0" dirty="0">
                 <a:ln>
                   <a:noFill/>
                 </a:ln>
@@ -1622,7 +1587,7 @@
               <a:t>第</a:t>
             </a:r>
             <a:r>
-              <a:rPr kumimoji="1" lang="en-US" altLang="ja-JP" sz="1400" b="0" i="0" u="none" strike="noStrike" kern="0" cap="none" spc="0" normalizeH="0" baseline="0" noProof="0" dirty="0" smtClean="0">
+              <a:rPr kumimoji="1" lang="en-US" altLang="ja-JP" sz="1400" b="0" i="0" u="none" strike="noStrike" kern="0" cap="none" spc="0" normalizeH="0" baseline="0" noProof="0" dirty="0">
                 <a:ln>
                   <a:noFill/>
                 </a:ln>
@@ -1638,7 +1603,7 @@
               <a:t>3</a:t>
             </a:r>
             <a:r>
-              <a:rPr kumimoji="1" lang="ja-JP" altLang="en-US" sz="1400" b="0" i="0" u="none" strike="noStrike" kern="0" cap="none" spc="0" normalizeH="0" baseline="0" noProof="0" dirty="0" smtClean="0">
+              <a:rPr kumimoji="1" lang="ja-JP" altLang="en-US" sz="1400" b="0" i="0" u="none" strike="noStrike" kern="0" cap="none" spc="0" normalizeH="0" baseline="0" noProof="0" dirty="0">
                 <a:ln>
                   <a:noFill/>
                 </a:ln>
@@ -1657,7 +1622,7 @@
           <a:p>
             <a:pPr lvl="3"/>
             <a:r>
-              <a:rPr kumimoji="1" lang="ja-JP" altLang="en-US" sz="1200" b="0" i="0" u="none" strike="noStrike" kern="0" cap="none" spc="0" normalizeH="0" baseline="0" noProof="0" dirty="0" smtClean="0">
+              <a:rPr kumimoji="1" lang="ja-JP" altLang="en-US" sz="1200" b="0" i="0" u="none" strike="noStrike" kern="0" cap="none" spc="0" normalizeH="0" baseline="0" noProof="0" dirty="0">
                 <a:ln>
                   <a:noFill/>
                 </a:ln>
@@ -1673,7 +1638,7 @@
               <a:t>第</a:t>
             </a:r>
             <a:r>
-              <a:rPr kumimoji="1" lang="en-US" altLang="ja-JP" sz="1200" b="0" i="0" u="none" strike="noStrike" kern="0" cap="none" spc="0" normalizeH="0" baseline="0" noProof="0" dirty="0" smtClean="0">
+              <a:rPr kumimoji="1" lang="en-US" altLang="ja-JP" sz="1200" b="0" i="0" u="none" strike="noStrike" kern="0" cap="none" spc="0" normalizeH="0" baseline="0" noProof="0" dirty="0">
                 <a:ln>
                   <a:noFill/>
                 </a:ln>
@@ -1689,7 +1654,7 @@
               <a:t>4</a:t>
             </a:r>
             <a:r>
-              <a:rPr kumimoji="1" lang="ja-JP" altLang="en-US" sz="1200" b="0" i="0" u="none" strike="noStrike" kern="0" cap="none" spc="0" normalizeH="0" baseline="0" noProof="0" dirty="0" smtClean="0">
+              <a:rPr kumimoji="1" lang="ja-JP" altLang="en-US" sz="1200" b="0" i="0" u="none" strike="noStrike" kern="0" cap="none" spc="0" normalizeH="0" baseline="0" noProof="0" dirty="0">
                 <a:ln>
                   <a:noFill/>
                 </a:ln>
@@ -1717,13 +1682,6 @@
   <p:clrMapOvr>
     <a:masterClrMapping/>
   </p:clrMapOvr>
-  <p:timing>
-    <p:tnLst>
-      <p:par>
-        <p:cTn id="1" dur="indefinite" restart="never" nodeType="tmRoot"/>
-      </p:par>
-    </p:tnLst>
-  </p:timing>
 </p:sldLayout>
 </file>
 
@@ -1776,10 +1734,9 @@
           <a:p>
             <a:pPr lvl="0"/>
             <a:r>
-              <a:rPr kumimoji="1" lang="ja-JP" altLang="en-US" dirty="0" smtClean="0"/>
+              <a:rPr kumimoji="1" lang="ja-JP" altLang="en-US" dirty="0"/>
               <a:t>タイトルを入力</a:t>
             </a:r>
-            <a:endParaRPr kumimoji="1" lang="ja-JP" altLang="en-US" dirty="0"/>
           </a:p>
         </p:txBody>
       </p:sp>
@@ -1855,29 +1812,24 @@
               <a:buNone/>
             </a:pPr>
             <a:r>
-              <a:rPr kumimoji="1" lang="ja-JP" altLang="en-US" dirty="0" smtClean="0"/>
+              <a:rPr kumimoji="1" lang="ja-JP" altLang="en-US" dirty="0"/>
               <a:t>リード文が</a:t>
             </a:r>
             <a:r>
-              <a:rPr kumimoji="1" lang="en-US" altLang="ja-JP" dirty="0" smtClean="0"/>
+              <a:rPr kumimoji="1" lang="en-US" altLang="ja-JP" dirty="0"/>
               <a:t>2</a:t>
             </a:r>
             <a:r>
-              <a:rPr kumimoji="1" lang="ja-JP" altLang="en-US" dirty="0" smtClean="0"/>
+              <a:rPr kumimoji="1" lang="ja-JP" altLang="en-US" dirty="0"/>
               <a:t>行にわたる場合は</a:t>
             </a:r>
-            <a:r>
-              <a:rPr kumimoji="1" lang="en-US" altLang="ja-JP" dirty="0" smtClean="0"/>
-              <a:t/>
-            </a:r>
             <a:br>
-              <a:rPr kumimoji="1" lang="en-US" altLang="ja-JP" dirty="0" smtClean="0"/>
+              <a:rPr kumimoji="1" lang="en-US" altLang="ja-JP" dirty="0"/>
             </a:br>
             <a:r>
-              <a:rPr kumimoji="1" lang="ja-JP" altLang="en-US" dirty="0" smtClean="0"/>
+              <a:rPr kumimoji="1" lang="ja-JP" altLang="en-US" dirty="0"/>
               <a:t>このレイアウトで入力</a:t>
             </a:r>
-            <a:endParaRPr kumimoji="1" lang="ja-JP" altLang="en-US" dirty="0"/>
           </a:p>
         </p:txBody>
       </p:sp>
@@ -1970,7 +1922,7 @@
           <a:p>
             <a:pPr lvl="0"/>
             <a:r>
-              <a:rPr kumimoji="1" lang="ja-JP" altLang="en-US" sz="2000" b="0" i="0" u="none" strike="noStrike" kern="0" cap="none" spc="0" normalizeH="0" baseline="0" noProof="0" dirty="0" smtClean="0">
+              <a:rPr kumimoji="1" lang="ja-JP" altLang="en-US" sz="2000" b="0" i="0" u="none" strike="noStrike" kern="0" cap="none" spc="0" normalizeH="0" baseline="0" noProof="0" dirty="0">
                 <a:ln>
                   <a:noFill/>
                 </a:ln>
@@ -1990,7 +1942,7 @@
           <a:p>
             <a:pPr lvl="1"/>
             <a:r>
-              <a:rPr kumimoji="1" lang="ja-JP" altLang="en-US" sz="1600" b="0" i="0" u="none" strike="noStrike" kern="0" cap="none" spc="0" normalizeH="0" baseline="0" noProof="0" dirty="0" smtClean="0">
+              <a:rPr kumimoji="1" lang="ja-JP" altLang="en-US" sz="1600" b="0" i="0" u="none" strike="noStrike" kern="0" cap="none" spc="0" normalizeH="0" baseline="0" noProof="0" dirty="0">
                 <a:ln>
                   <a:noFill/>
                 </a:ln>
@@ -2006,7 +1958,7 @@
               <a:t>第</a:t>
             </a:r>
             <a:r>
-              <a:rPr kumimoji="1" lang="en-US" altLang="ja-JP" sz="1600" b="0" i="0" u="none" strike="noStrike" kern="0" cap="none" spc="0" normalizeH="0" baseline="0" noProof="0" dirty="0" smtClean="0">
+              <a:rPr kumimoji="1" lang="en-US" altLang="ja-JP" sz="1600" b="0" i="0" u="none" strike="noStrike" kern="0" cap="none" spc="0" normalizeH="0" baseline="0" noProof="0" dirty="0">
                 <a:ln>
                   <a:noFill/>
                 </a:ln>
@@ -2022,7 +1974,7 @@
               <a:t>2</a:t>
             </a:r>
             <a:r>
-              <a:rPr kumimoji="1" lang="ja-JP" altLang="en-US" sz="1600" b="0" i="0" u="none" strike="noStrike" kern="0" cap="none" spc="0" normalizeH="0" baseline="0" noProof="0" dirty="0" smtClean="0">
+              <a:rPr kumimoji="1" lang="ja-JP" altLang="en-US" sz="1600" b="0" i="0" u="none" strike="noStrike" kern="0" cap="none" spc="0" normalizeH="0" baseline="0" noProof="0" dirty="0">
                 <a:ln>
                   <a:noFill/>
                 </a:ln>
@@ -2041,7 +1993,7 @@
           <a:p>
             <a:pPr lvl="2"/>
             <a:r>
-              <a:rPr kumimoji="1" lang="ja-JP" altLang="en-US" sz="1400" b="0" i="0" u="none" strike="noStrike" kern="0" cap="none" spc="0" normalizeH="0" baseline="0" noProof="0" dirty="0" smtClean="0">
+              <a:rPr kumimoji="1" lang="ja-JP" altLang="en-US" sz="1400" b="0" i="0" u="none" strike="noStrike" kern="0" cap="none" spc="0" normalizeH="0" baseline="0" noProof="0" dirty="0">
                 <a:ln>
                   <a:noFill/>
                 </a:ln>
@@ -2057,7 +2009,7 @@
               <a:t>第</a:t>
             </a:r>
             <a:r>
-              <a:rPr kumimoji="1" lang="en-US" altLang="ja-JP" sz="1400" b="0" i="0" u="none" strike="noStrike" kern="0" cap="none" spc="0" normalizeH="0" baseline="0" noProof="0" dirty="0" smtClean="0">
+              <a:rPr kumimoji="1" lang="en-US" altLang="ja-JP" sz="1400" b="0" i="0" u="none" strike="noStrike" kern="0" cap="none" spc="0" normalizeH="0" baseline="0" noProof="0" dirty="0">
                 <a:ln>
                   <a:noFill/>
                 </a:ln>
@@ -2073,7 +2025,7 @@
               <a:t>3</a:t>
             </a:r>
             <a:r>
-              <a:rPr kumimoji="1" lang="ja-JP" altLang="en-US" sz="1400" b="0" i="0" u="none" strike="noStrike" kern="0" cap="none" spc="0" normalizeH="0" baseline="0" noProof="0" dirty="0" smtClean="0">
+              <a:rPr kumimoji="1" lang="ja-JP" altLang="en-US" sz="1400" b="0" i="0" u="none" strike="noStrike" kern="0" cap="none" spc="0" normalizeH="0" baseline="0" noProof="0" dirty="0">
                 <a:ln>
                   <a:noFill/>
                 </a:ln>
@@ -2092,7 +2044,7 @@
           <a:p>
             <a:pPr lvl="3"/>
             <a:r>
-              <a:rPr kumimoji="1" lang="ja-JP" altLang="en-US" sz="1200" b="0" i="0" u="none" strike="noStrike" kern="0" cap="none" spc="0" normalizeH="0" baseline="0" noProof="0" dirty="0" smtClean="0">
+              <a:rPr kumimoji="1" lang="ja-JP" altLang="en-US" sz="1200" b="0" i="0" u="none" strike="noStrike" kern="0" cap="none" spc="0" normalizeH="0" baseline="0" noProof="0" dirty="0">
                 <a:ln>
                   <a:noFill/>
                 </a:ln>
@@ -2108,7 +2060,7 @@
               <a:t>第</a:t>
             </a:r>
             <a:r>
-              <a:rPr kumimoji="1" lang="en-US" altLang="ja-JP" sz="1200" b="0" i="0" u="none" strike="noStrike" kern="0" cap="none" spc="0" normalizeH="0" baseline="0" noProof="0" dirty="0" smtClean="0">
+              <a:rPr kumimoji="1" lang="en-US" altLang="ja-JP" sz="1200" b="0" i="0" u="none" strike="noStrike" kern="0" cap="none" spc="0" normalizeH="0" baseline="0" noProof="0" dirty="0">
                 <a:ln>
                   <a:noFill/>
                 </a:ln>
@@ -2124,7 +2076,7 @@
               <a:t>4</a:t>
             </a:r>
             <a:r>
-              <a:rPr kumimoji="1" lang="ja-JP" altLang="en-US" sz="1200" b="0" i="0" u="none" strike="noStrike" kern="0" cap="none" spc="0" normalizeH="0" baseline="0" noProof="0" dirty="0" smtClean="0">
+              <a:rPr kumimoji="1" lang="ja-JP" altLang="en-US" sz="1200" b="0" i="0" u="none" strike="noStrike" kern="0" cap="none" spc="0" normalizeH="0" baseline="0" noProof="0" dirty="0">
                 <a:ln>
                   <a:noFill/>
                 </a:ln>
@@ -2152,13 +2104,6 @@
   <p:clrMapOvr>
     <a:masterClrMapping/>
   </p:clrMapOvr>
-  <p:timing>
-    <p:tnLst>
-      <p:par>
-        <p:cTn id="1" dur="indefinite" restart="never" nodeType="tmRoot"/>
-      </p:par>
-    </p:tnLst>
-  </p:timing>
 </p:sldLayout>
 </file>
 
@@ -2211,10 +2156,9 @@
           <a:p>
             <a:pPr lvl="0"/>
             <a:r>
-              <a:rPr kumimoji="1" lang="ja-JP" altLang="en-US" dirty="0" smtClean="0"/>
+              <a:rPr kumimoji="1" lang="ja-JP" altLang="en-US" dirty="0"/>
               <a:t>タイトルを入力</a:t>
             </a:r>
-            <a:endParaRPr kumimoji="1" lang="ja-JP" altLang="en-US" dirty="0"/>
           </a:p>
         </p:txBody>
       </p:sp>
@@ -2307,14 +2251,14 @@
           <a:p>
             <a:pPr lvl="0"/>
             <a:r>
-              <a:rPr kumimoji="1" lang="ja-JP" altLang="en-US" dirty="0" smtClean="0"/>
+              <a:rPr kumimoji="1" lang="ja-JP" altLang="en-US" dirty="0"/>
               <a:t>本文を入力</a:t>
             </a:r>
           </a:p>
           <a:p>
             <a:pPr lvl="1"/>
             <a:r>
-              <a:rPr kumimoji="1" lang="ja-JP" altLang="en-US" sz="1600" b="0" i="0" u="none" strike="noStrike" kern="0" cap="none" spc="0" normalizeH="0" baseline="0" noProof="0" dirty="0" smtClean="0">
+              <a:rPr kumimoji="1" lang="ja-JP" altLang="en-US" sz="1600" b="0" i="0" u="none" strike="noStrike" kern="0" cap="none" spc="0" normalizeH="0" baseline="0" noProof="0" dirty="0">
                 <a:ln>
                   <a:noFill/>
                 </a:ln>
@@ -2330,7 +2274,7 @@
               <a:t>第</a:t>
             </a:r>
             <a:r>
-              <a:rPr kumimoji="1" lang="en-US" altLang="ja-JP" sz="1600" b="0" i="0" u="none" strike="noStrike" kern="0" cap="none" spc="0" normalizeH="0" baseline="0" noProof="0" dirty="0" smtClean="0">
+              <a:rPr kumimoji="1" lang="en-US" altLang="ja-JP" sz="1600" b="0" i="0" u="none" strike="noStrike" kern="0" cap="none" spc="0" normalizeH="0" baseline="0" noProof="0" dirty="0">
                 <a:ln>
                   <a:noFill/>
                 </a:ln>
@@ -2346,7 +2290,7 @@
               <a:t>2</a:t>
             </a:r>
             <a:r>
-              <a:rPr kumimoji="1" lang="ja-JP" altLang="en-US" sz="1600" b="0" i="0" u="none" strike="noStrike" kern="0" cap="none" spc="0" normalizeH="0" baseline="0" noProof="0" dirty="0" smtClean="0">
+              <a:rPr kumimoji="1" lang="ja-JP" altLang="en-US" sz="1600" b="0" i="0" u="none" strike="noStrike" kern="0" cap="none" spc="0" normalizeH="0" baseline="0" noProof="0" dirty="0">
                 <a:ln>
                   <a:noFill/>
                 </a:ln>
@@ -2365,7 +2309,7 @@
           <a:p>
             <a:pPr lvl="2"/>
             <a:r>
-              <a:rPr kumimoji="1" lang="ja-JP" altLang="en-US" sz="1400" b="0" i="0" u="none" strike="noStrike" kern="0" cap="none" spc="0" normalizeH="0" baseline="0" noProof="0" dirty="0" smtClean="0">
+              <a:rPr kumimoji="1" lang="ja-JP" altLang="en-US" sz="1400" b="0" i="0" u="none" strike="noStrike" kern="0" cap="none" spc="0" normalizeH="0" baseline="0" noProof="0" dirty="0">
                 <a:ln>
                   <a:noFill/>
                 </a:ln>
@@ -2381,7 +2325,7 @@
               <a:t>第</a:t>
             </a:r>
             <a:r>
-              <a:rPr kumimoji="1" lang="en-US" altLang="ja-JP" sz="1400" b="0" i="0" u="none" strike="noStrike" kern="0" cap="none" spc="0" normalizeH="0" baseline="0" noProof="0" dirty="0" smtClean="0">
+              <a:rPr kumimoji="1" lang="en-US" altLang="ja-JP" sz="1400" b="0" i="0" u="none" strike="noStrike" kern="0" cap="none" spc="0" normalizeH="0" baseline="0" noProof="0" dirty="0">
                 <a:ln>
                   <a:noFill/>
                 </a:ln>
@@ -2397,7 +2341,7 @@
               <a:t>3</a:t>
             </a:r>
             <a:r>
-              <a:rPr kumimoji="1" lang="ja-JP" altLang="en-US" sz="1400" b="0" i="0" u="none" strike="noStrike" kern="0" cap="none" spc="0" normalizeH="0" baseline="0" noProof="0" dirty="0" smtClean="0">
+              <a:rPr kumimoji="1" lang="ja-JP" altLang="en-US" sz="1400" b="0" i="0" u="none" strike="noStrike" kern="0" cap="none" spc="0" normalizeH="0" baseline="0" noProof="0" dirty="0">
                 <a:ln>
                   <a:noFill/>
                 </a:ln>
@@ -2416,7 +2360,7 @@
           <a:p>
             <a:pPr lvl="3"/>
             <a:r>
-              <a:rPr kumimoji="1" lang="ja-JP" altLang="en-US" sz="1200" b="0" i="0" u="none" strike="noStrike" kern="0" cap="none" spc="0" normalizeH="0" baseline="0" noProof="0" dirty="0" smtClean="0">
+              <a:rPr kumimoji="1" lang="ja-JP" altLang="en-US" sz="1200" b="0" i="0" u="none" strike="noStrike" kern="0" cap="none" spc="0" normalizeH="0" baseline="0" noProof="0" dirty="0">
                 <a:ln>
                   <a:noFill/>
                 </a:ln>
@@ -2432,7 +2376,7 @@
               <a:t>第</a:t>
             </a:r>
             <a:r>
-              <a:rPr kumimoji="1" lang="en-US" altLang="ja-JP" sz="1200" b="0" i="0" u="none" strike="noStrike" kern="0" cap="none" spc="0" normalizeH="0" baseline="0" noProof="0" dirty="0" smtClean="0">
+              <a:rPr kumimoji="1" lang="en-US" altLang="ja-JP" sz="1200" b="0" i="0" u="none" strike="noStrike" kern="0" cap="none" spc="0" normalizeH="0" baseline="0" noProof="0" dirty="0">
                 <a:ln>
                   <a:noFill/>
                 </a:ln>
@@ -2448,7 +2392,7 @@
               <a:t>4</a:t>
             </a:r>
             <a:r>
-              <a:rPr kumimoji="1" lang="ja-JP" altLang="en-US" sz="1200" b="0" i="0" u="none" strike="noStrike" kern="0" cap="none" spc="0" normalizeH="0" baseline="0" noProof="0" dirty="0" smtClean="0">
+              <a:rPr kumimoji="1" lang="ja-JP" altLang="en-US" sz="1200" b="0" i="0" u="none" strike="noStrike" kern="0" cap="none" spc="0" normalizeH="0" baseline="0" noProof="0" dirty="0">
                 <a:ln>
                   <a:noFill/>
                 </a:ln>
@@ -2555,14 +2499,14 @@
           <a:p>
             <a:pPr lvl="0"/>
             <a:r>
-              <a:rPr kumimoji="1" lang="ja-JP" altLang="en-US" dirty="0" smtClean="0"/>
+              <a:rPr kumimoji="1" lang="ja-JP" altLang="en-US" dirty="0"/>
               <a:t>本文を入力</a:t>
             </a:r>
           </a:p>
           <a:p>
             <a:pPr lvl="1"/>
             <a:r>
-              <a:rPr kumimoji="1" lang="ja-JP" altLang="en-US" sz="1600" b="0" i="0" u="none" strike="noStrike" kern="0" cap="none" spc="0" normalizeH="0" baseline="0" noProof="0" dirty="0" smtClean="0">
+              <a:rPr kumimoji="1" lang="ja-JP" altLang="en-US" sz="1600" b="0" i="0" u="none" strike="noStrike" kern="0" cap="none" spc="0" normalizeH="0" baseline="0" noProof="0" dirty="0">
                 <a:ln>
                   <a:noFill/>
                 </a:ln>
@@ -2578,7 +2522,7 @@
               <a:t>第</a:t>
             </a:r>
             <a:r>
-              <a:rPr kumimoji="1" lang="en-US" altLang="ja-JP" sz="1600" b="0" i="0" u="none" strike="noStrike" kern="0" cap="none" spc="0" normalizeH="0" baseline="0" noProof="0" dirty="0" smtClean="0">
+              <a:rPr kumimoji="1" lang="en-US" altLang="ja-JP" sz="1600" b="0" i="0" u="none" strike="noStrike" kern="0" cap="none" spc="0" normalizeH="0" baseline="0" noProof="0" dirty="0">
                 <a:ln>
                   <a:noFill/>
                 </a:ln>
@@ -2594,7 +2538,7 @@
               <a:t>2</a:t>
             </a:r>
             <a:r>
-              <a:rPr kumimoji="1" lang="ja-JP" altLang="en-US" sz="1600" b="0" i="0" u="none" strike="noStrike" kern="0" cap="none" spc="0" normalizeH="0" baseline="0" noProof="0" dirty="0" smtClean="0">
+              <a:rPr kumimoji="1" lang="ja-JP" altLang="en-US" sz="1600" b="0" i="0" u="none" strike="noStrike" kern="0" cap="none" spc="0" normalizeH="0" baseline="0" noProof="0" dirty="0">
                 <a:ln>
                   <a:noFill/>
                 </a:ln>
@@ -2613,7 +2557,7 @@
           <a:p>
             <a:pPr lvl="2"/>
             <a:r>
-              <a:rPr kumimoji="1" lang="ja-JP" altLang="en-US" sz="1400" b="0" i="0" u="none" strike="noStrike" kern="0" cap="none" spc="0" normalizeH="0" baseline="0" noProof="0" dirty="0" smtClean="0">
+              <a:rPr kumimoji="1" lang="ja-JP" altLang="en-US" sz="1400" b="0" i="0" u="none" strike="noStrike" kern="0" cap="none" spc="0" normalizeH="0" baseline="0" noProof="0" dirty="0">
                 <a:ln>
                   <a:noFill/>
                 </a:ln>
@@ -2629,7 +2573,7 @@
               <a:t>第</a:t>
             </a:r>
             <a:r>
-              <a:rPr kumimoji="1" lang="en-US" altLang="ja-JP" sz="1400" b="0" i="0" u="none" strike="noStrike" kern="0" cap="none" spc="0" normalizeH="0" baseline="0" noProof="0" dirty="0" smtClean="0">
+              <a:rPr kumimoji="1" lang="en-US" altLang="ja-JP" sz="1400" b="0" i="0" u="none" strike="noStrike" kern="0" cap="none" spc="0" normalizeH="0" baseline="0" noProof="0" dirty="0">
                 <a:ln>
                   <a:noFill/>
                 </a:ln>
@@ -2645,7 +2589,7 @@
               <a:t>3</a:t>
             </a:r>
             <a:r>
-              <a:rPr kumimoji="1" lang="ja-JP" altLang="en-US" sz="1400" b="0" i="0" u="none" strike="noStrike" kern="0" cap="none" spc="0" normalizeH="0" baseline="0" noProof="0" dirty="0" smtClean="0">
+              <a:rPr kumimoji="1" lang="ja-JP" altLang="en-US" sz="1400" b="0" i="0" u="none" strike="noStrike" kern="0" cap="none" spc="0" normalizeH="0" baseline="0" noProof="0" dirty="0">
                 <a:ln>
                   <a:noFill/>
                 </a:ln>
@@ -2664,7 +2608,7 @@
           <a:p>
             <a:pPr lvl="3"/>
             <a:r>
-              <a:rPr kumimoji="1" lang="ja-JP" altLang="en-US" sz="1200" b="0" i="0" u="none" strike="noStrike" kern="0" cap="none" spc="0" normalizeH="0" baseline="0" noProof="0" dirty="0" smtClean="0">
+              <a:rPr kumimoji="1" lang="ja-JP" altLang="en-US" sz="1200" b="0" i="0" u="none" strike="noStrike" kern="0" cap="none" spc="0" normalizeH="0" baseline="0" noProof="0" dirty="0">
                 <a:ln>
                   <a:noFill/>
                 </a:ln>
@@ -2680,7 +2624,7 @@
               <a:t>第</a:t>
             </a:r>
             <a:r>
-              <a:rPr kumimoji="1" lang="en-US" altLang="ja-JP" sz="1200" b="0" i="0" u="none" strike="noStrike" kern="0" cap="none" spc="0" normalizeH="0" baseline="0" noProof="0" dirty="0" smtClean="0">
+              <a:rPr kumimoji="1" lang="en-US" altLang="ja-JP" sz="1200" b="0" i="0" u="none" strike="noStrike" kern="0" cap="none" spc="0" normalizeH="0" baseline="0" noProof="0" dirty="0">
                 <a:ln>
                   <a:noFill/>
                 </a:ln>
@@ -2696,7 +2640,7 @@
               <a:t>4</a:t>
             </a:r>
             <a:r>
-              <a:rPr kumimoji="1" lang="ja-JP" altLang="en-US" sz="1200" b="0" i="0" u="none" strike="noStrike" kern="0" cap="none" spc="0" normalizeH="0" baseline="0" noProof="0" dirty="0" smtClean="0">
+              <a:rPr kumimoji="1" lang="ja-JP" altLang="en-US" sz="1200" b="0" i="0" u="none" strike="noStrike" kern="0" cap="none" spc="0" normalizeH="0" baseline="0" noProof="0" dirty="0">
                 <a:ln>
                   <a:noFill/>
                 </a:ln>
@@ -2724,13 +2668,6 @@
   <p:clrMapOvr>
     <a:masterClrMapping/>
   </p:clrMapOvr>
-  <p:timing>
-    <p:tnLst>
-      <p:par>
-        <p:cTn id="1" dur="indefinite" restart="never" nodeType="tmRoot"/>
-      </p:par>
-    </p:tnLst>
-  </p:timing>
 </p:sldLayout>
 </file>
 
@@ -2761,13 +2698,6 @@
   <p:clrMapOvr>
     <a:masterClrMapping/>
   </p:clrMapOvr>
-  <p:timing>
-    <p:tnLst>
-      <p:par>
-        <p:cTn id="1" dur="indefinite" restart="never" nodeType="tmRoot"/>
-      </p:par>
-    </p:tnLst>
-  </p:timing>
 </p:sldLayout>
 </file>
 
@@ -2849,10 +2779,9 @@
           </a:lstStyle>
           <a:p>
             <a:r>
-              <a:rPr kumimoji="1" lang="ja-JP" altLang="en-US" dirty="0" smtClean="0"/>
+              <a:rPr kumimoji="1" lang="ja-JP" altLang="en-US" dirty="0"/>
               <a:t>タイトルを入力</a:t>
             </a:r>
-            <a:endParaRPr kumimoji="1" lang="ja-JP" altLang="en-US" dirty="0"/>
           </a:p>
         </p:txBody>
       </p:sp>
@@ -2901,53 +2830,53 @@
           <a:p>
             <a:pPr lvl="0"/>
             <a:r>
-              <a:rPr kumimoji="1" lang="ja-JP" altLang="en-US" dirty="0" smtClean="0"/>
+              <a:rPr kumimoji="1" lang="ja-JP" altLang="en-US" dirty="0"/>
               <a:t>サブタイトルを入力</a:t>
             </a:r>
-            <a:endParaRPr kumimoji="1" lang="en-US" altLang="ja-JP" dirty="0" smtClean="0"/>
+            <a:endParaRPr kumimoji="1" lang="en-US" altLang="ja-JP" dirty="0"/>
           </a:p>
           <a:p>
             <a:pPr lvl="1"/>
             <a:r>
-              <a:rPr kumimoji="1" lang="ja-JP" altLang="en-US" dirty="0" smtClean="0"/>
+              <a:rPr kumimoji="1" lang="ja-JP" altLang="en-US" dirty="0"/>
               <a:t>第 </a:t>
             </a:r>
             <a:r>
-              <a:rPr kumimoji="1" lang="en-US" altLang="ja-JP" dirty="0" smtClean="0"/>
+              <a:rPr kumimoji="1" lang="en-US" altLang="ja-JP" dirty="0"/>
               <a:t>2 </a:t>
             </a:r>
             <a:r>
-              <a:rPr kumimoji="1" lang="ja-JP" altLang="en-US" dirty="0" smtClean="0"/>
+              <a:rPr kumimoji="1" lang="ja-JP" altLang="en-US" dirty="0"/>
               <a:t>レベル</a:t>
             </a:r>
           </a:p>
           <a:p>
             <a:pPr lvl="2"/>
             <a:r>
-              <a:rPr kumimoji="1" lang="ja-JP" altLang="en-US" dirty="0" smtClean="0"/>
+              <a:rPr kumimoji="1" lang="ja-JP" altLang="en-US" dirty="0"/>
               <a:t>第 </a:t>
             </a:r>
             <a:r>
-              <a:rPr kumimoji="1" lang="en-US" altLang="ja-JP" dirty="0" smtClean="0"/>
+              <a:rPr kumimoji="1" lang="en-US" altLang="ja-JP" dirty="0"/>
               <a:t>3 </a:t>
             </a:r>
             <a:r>
-              <a:rPr kumimoji="1" lang="ja-JP" altLang="en-US" dirty="0" smtClean="0"/>
+              <a:rPr kumimoji="1" lang="ja-JP" altLang="en-US" dirty="0"/>
               <a:t>レベル</a:t>
             </a:r>
           </a:p>
           <a:p>
             <a:pPr lvl="3"/>
             <a:r>
-              <a:rPr kumimoji="1" lang="ja-JP" altLang="en-US" dirty="0" smtClean="0"/>
+              <a:rPr kumimoji="1" lang="ja-JP" altLang="en-US" dirty="0"/>
               <a:t>第 </a:t>
             </a:r>
             <a:r>
-              <a:rPr kumimoji="1" lang="en-US" altLang="ja-JP" dirty="0" smtClean="0"/>
+              <a:rPr kumimoji="1" lang="en-US" altLang="ja-JP" dirty="0"/>
               <a:t>4 </a:t>
             </a:r>
             <a:r>
-              <a:rPr kumimoji="1" lang="ja-JP" altLang="en-US" dirty="0" smtClean="0"/>
+              <a:rPr kumimoji="1" lang="ja-JP" altLang="en-US" dirty="0"/>
               <a:t>レベル</a:t>
             </a:r>
           </a:p>
@@ -2963,13 +2892,6 @@
   <p:clrMapOvr>
     <a:masterClrMapping/>
   </p:clrMapOvr>
-  <p:timing>
-    <p:tnLst>
-      <p:par>
-        <p:cTn id="1" dur="indefinite" restart="never" nodeType="tmRoot"/>
-      </p:par>
-    </p:tnLst>
-  </p:timing>
 </p:sldLayout>
 </file>
 
@@ -3054,10 +2976,9 @@
           </a:lstStyle>
           <a:p>
             <a:r>
-              <a:rPr kumimoji="1" lang="ja-JP" altLang="en-US" dirty="0" smtClean="0"/>
+              <a:rPr kumimoji="1" lang="ja-JP" altLang="en-US" dirty="0"/>
               <a:t>目次 のタイトルを入力</a:t>
             </a:r>
-            <a:endParaRPr kumimoji="1" lang="ja-JP" altLang="en-US" dirty="0"/>
           </a:p>
         </p:txBody>
       </p:sp>
@@ -3146,53 +3067,53 @@
           <a:p>
             <a:pPr lvl="0"/>
             <a:r>
-              <a:rPr kumimoji="1" lang="ja-JP" altLang="en-US" dirty="0" smtClean="0"/>
+              <a:rPr kumimoji="1" lang="ja-JP" altLang="en-US" dirty="0"/>
               <a:t>項目を入力</a:t>
             </a:r>
-            <a:endParaRPr kumimoji="1" lang="en-US" altLang="ja-JP" dirty="0" smtClean="0"/>
+            <a:endParaRPr kumimoji="1" lang="en-US" altLang="ja-JP" dirty="0"/>
           </a:p>
           <a:p>
             <a:pPr lvl="1"/>
             <a:r>
-              <a:rPr kumimoji="1" lang="ja-JP" altLang="en-US" dirty="0" smtClean="0"/>
+              <a:rPr kumimoji="1" lang="ja-JP" altLang="en-US" dirty="0"/>
               <a:t>第</a:t>
             </a:r>
             <a:r>
-              <a:rPr kumimoji="1" lang="en-US" altLang="ja-JP" dirty="0" smtClean="0"/>
+              <a:rPr kumimoji="1" lang="en-US" altLang="ja-JP" dirty="0"/>
               <a:t>2</a:t>
             </a:r>
             <a:r>
-              <a:rPr kumimoji="1" lang="ja-JP" altLang="en-US" dirty="0" smtClean="0"/>
+              <a:rPr kumimoji="1" lang="ja-JP" altLang="en-US" dirty="0"/>
               <a:t>レベル</a:t>
             </a:r>
           </a:p>
           <a:p>
             <a:pPr lvl="2"/>
             <a:r>
-              <a:rPr kumimoji="1" lang="ja-JP" altLang="en-US" dirty="0" smtClean="0"/>
+              <a:rPr kumimoji="1" lang="ja-JP" altLang="en-US" dirty="0"/>
               <a:t>第</a:t>
             </a:r>
             <a:r>
-              <a:rPr kumimoji="1" lang="en-US" altLang="ja-JP" dirty="0" smtClean="0"/>
+              <a:rPr kumimoji="1" lang="en-US" altLang="ja-JP" dirty="0"/>
               <a:t>3</a:t>
             </a:r>
             <a:r>
-              <a:rPr kumimoji="1" lang="ja-JP" altLang="en-US" dirty="0" smtClean="0"/>
+              <a:rPr kumimoji="1" lang="ja-JP" altLang="en-US" dirty="0"/>
               <a:t>レベル</a:t>
             </a:r>
           </a:p>
           <a:p>
             <a:pPr lvl="3"/>
             <a:r>
-              <a:rPr kumimoji="1" lang="ja-JP" altLang="en-US" dirty="0" smtClean="0"/>
+              <a:rPr kumimoji="1" lang="ja-JP" altLang="en-US" dirty="0"/>
               <a:t>第</a:t>
             </a:r>
             <a:r>
-              <a:rPr kumimoji="1" lang="en-US" altLang="ja-JP" dirty="0" smtClean="0"/>
+              <a:rPr kumimoji="1" lang="en-US" altLang="ja-JP" dirty="0"/>
               <a:t>4</a:t>
             </a:r>
             <a:r>
-              <a:rPr kumimoji="1" lang="ja-JP" altLang="en-US" dirty="0" smtClean="0"/>
+              <a:rPr kumimoji="1" lang="ja-JP" altLang="en-US" dirty="0"/>
               <a:t>レベル</a:t>
             </a:r>
           </a:p>
@@ -3208,13 +3129,6 @@
   <p:clrMapOvr>
     <a:masterClrMapping/>
   </p:clrMapOvr>
-  <p:timing>
-    <p:tnLst>
-      <p:par>
-        <p:cTn id="1" dur="indefinite" restart="never" nodeType="tmRoot"/>
-      </p:par>
-    </p:tnLst>
-  </p:timing>
 </p:sldLayout>
 </file>
 
@@ -3299,10 +3213,9 @@
           <a:lstStyle/>
           <a:p>
             <a:r>
-              <a:rPr kumimoji="1" lang="ja-JP" altLang="en-US" dirty="0" smtClean="0"/>
+              <a:rPr kumimoji="1" lang="ja-JP" altLang="en-US" dirty="0"/>
               <a:t>マスター タイトルの書式設定</a:t>
             </a:r>
-            <a:endParaRPr kumimoji="1" lang="ja-JP" altLang="en-US" dirty="0"/>
           </a:p>
         </p:txBody>
       </p:sp>
@@ -3333,52 +3246,52 @@
           <a:p>
             <a:pPr lvl="0"/>
             <a:r>
-              <a:rPr kumimoji="1" lang="ja-JP" altLang="en-US" dirty="0" smtClean="0"/>
+              <a:rPr kumimoji="1" lang="ja-JP" altLang="en-US" dirty="0"/>
               <a:t>マスター テキストの書式設定</a:t>
             </a:r>
           </a:p>
           <a:p>
             <a:pPr lvl="1"/>
             <a:r>
-              <a:rPr kumimoji="1" lang="ja-JP" altLang="en-US" dirty="0" smtClean="0"/>
+              <a:rPr kumimoji="1" lang="ja-JP" altLang="en-US" dirty="0"/>
               <a:t>第</a:t>
             </a:r>
             <a:r>
-              <a:rPr kumimoji="1" lang="en-US" altLang="ja-JP" dirty="0" smtClean="0"/>
+              <a:rPr kumimoji="1" lang="en-US" altLang="ja-JP" dirty="0"/>
               <a:t>2</a:t>
             </a:r>
             <a:r>
-              <a:rPr kumimoji="1" lang="ja-JP" altLang="en-US" dirty="0" smtClean="0"/>
+              <a:rPr kumimoji="1" lang="ja-JP" altLang="en-US" dirty="0"/>
               <a:t>レベル</a:t>
             </a:r>
           </a:p>
           <a:p>
             <a:pPr lvl="2"/>
             <a:r>
-              <a:rPr kumimoji="1" lang="ja-JP" altLang="en-US" dirty="0" smtClean="0"/>
+              <a:rPr kumimoji="1" lang="ja-JP" altLang="en-US" dirty="0"/>
               <a:t>第</a:t>
             </a:r>
             <a:r>
-              <a:rPr kumimoji="1" lang="en-US" altLang="ja-JP" dirty="0" smtClean="0"/>
+              <a:rPr kumimoji="1" lang="en-US" altLang="ja-JP" dirty="0"/>
               <a:t>3</a:t>
             </a:r>
             <a:r>
-              <a:rPr kumimoji="1" lang="ja-JP" altLang="en-US" dirty="0" smtClean="0"/>
+              <a:rPr kumimoji="1" lang="ja-JP" altLang="en-US" dirty="0"/>
               <a:t>レベル</a:t>
             </a:r>
           </a:p>
           <a:p>
             <a:pPr lvl="3"/>
             <a:r>
-              <a:rPr kumimoji="1" lang="ja-JP" altLang="en-US" dirty="0" smtClean="0"/>
+              <a:rPr kumimoji="1" lang="ja-JP" altLang="en-US" dirty="0"/>
               <a:t>第</a:t>
             </a:r>
             <a:r>
-              <a:rPr kumimoji="1" lang="en-US" altLang="ja-JP" dirty="0" smtClean="0"/>
+              <a:rPr kumimoji="1" lang="en-US" altLang="ja-JP" dirty="0"/>
               <a:t>4</a:t>
             </a:r>
             <a:r>
-              <a:rPr kumimoji="1" lang="ja-JP" altLang="en-US" dirty="0" smtClean="0"/>
+              <a:rPr kumimoji="1" lang="ja-JP" altLang="en-US" dirty="0"/>
               <a:t>レベル</a:t>
             </a:r>
           </a:p>
@@ -3457,7 +3370,7 @@
               </a:pPr>
               <a:t>‹#›</a:t>
             </a:fld>
-            <a:endParaRPr kumimoji="1" lang="ja-JP" altLang="en-US" sz="1000" b="0" i="0" u="none" strike="noStrike" kern="1200" cap="none" spc="0" normalizeH="0" baseline="0" noProof="0" dirty="0" smtClean="0">
+            <a:endParaRPr kumimoji="1" lang="ja-JP" altLang="en-US" sz="1000" b="0" i="0" u="none" strike="noStrike" kern="1200" cap="none" spc="0" normalizeH="0" baseline="0" noProof="0" dirty="0">
               <a:ln>
                 <a:noFill/>
               </a:ln>
@@ -3514,7 +3427,7 @@
               <a:defRPr/>
             </a:pPr>
             <a:r>
-              <a:rPr kumimoji="1" lang="en-US" altLang="ja-JP" sz="800" b="0" i="0" u="none" strike="noStrike" kern="1200" cap="none" spc="0" normalizeH="0" baseline="0" noProof="0" dirty="0" smtClean="0">
+              <a:rPr kumimoji="1" lang="en-US" altLang="ja-JP" sz="800" b="0" i="0" u="none" strike="noStrike" kern="1200" cap="none" spc="0" normalizeH="0" baseline="0" noProof="0" dirty="0">
                 <a:ln>
                   <a:noFill/>
                 </a:ln>
@@ -3553,13 +3466,6 @@
     <p:sldLayoutId id="2147483701" r:id="rId9"/>
     <p:sldLayoutId id="2147483702" r:id="rId10"/>
   </p:sldLayoutIdLst>
-  <p:timing>
-    <p:tnLst>
-      <p:par>
-        <p:cTn id="1" dur="indefinite" restart="never" nodeType="tmRoot"/>
-      </p:par>
-    </p:tnLst>
-  </p:timing>
   <p:hf sldNum="0" hdr="0" ftr="0" dt="0"/>
   <p:txStyles>
     <p:titleStyle>
@@ -4003,23 +3909,23 @@
           <a:lstStyle/>
           <a:p>
             <a:r>
-              <a:rPr lang="en-US" altLang="ja-JP" sz="6000" b="1" dirty="0" err="1" smtClean="0"/>
+              <a:rPr lang="en-US" altLang="ja-JP" sz="6000" b="1" dirty="0" err="1"/>
               <a:t>Zabbix</a:t>
             </a:r>
             <a:r>
-              <a:rPr lang="ja-JP" altLang="en-US" sz="6000" b="1" dirty="0" smtClean="0"/>
+              <a:rPr lang="ja-JP" altLang="en-US" sz="6000" b="1" dirty="0"/>
               <a:t>連携</a:t>
             </a:r>
             <a:r>
-              <a:rPr lang="en-US" altLang="ja-JP" sz="6000" b="1" dirty="0" smtClean="0"/>
+              <a:rPr lang="en-US" altLang="ja-JP" sz="6000" b="1" dirty="0"/>
               <a:t>【</a:t>
             </a:r>
             <a:r>
-              <a:rPr lang="ja-JP" altLang="en-US" sz="6000" b="1" dirty="0" smtClean="0"/>
+              <a:rPr lang="ja-JP" altLang="en-US" sz="6000" b="1" dirty="0"/>
               <a:t>座学</a:t>
             </a:r>
             <a:r>
-              <a:rPr lang="en-US" altLang="ja-JP" sz="6000" b="1" dirty="0" smtClean="0"/>
+              <a:rPr lang="en-US" altLang="ja-JP" sz="6000" b="1" dirty="0"/>
               <a:t>】</a:t>
             </a:r>
             <a:endParaRPr lang="ja-JP" altLang="en-US" sz="6000" b="1" dirty="0"/>
@@ -4067,25 +3973,20 @@
           <a:p>
             <a:r>
               <a:rPr lang="en-US" altLang="ja-JP" dirty="0"/>
-              <a:t>Exastro Operation Autonomy Support Engine Version </a:t>
-            </a:r>
-            <a:r>
-              <a:rPr lang="en-US" altLang="ja-JP" dirty="0" smtClean="0"/>
-              <a:t>1.4</a:t>
-            </a:r>
-            <a:endParaRPr lang="en-US" altLang="ja-JP" dirty="0"/>
-          </a:p>
-          <a:p>
-            <a:r>
-              <a:rPr lang="en-US" altLang="ja-JP" dirty="0" smtClean="0"/>
+              <a:t>Exastro Operation Autonomy Support Engine Version 1.5</a:t>
+            </a:r>
+          </a:p>
+          <a:p>
+            <a:r>
+              <a:rPr lang="en-US" altLang="ja-JP" dirty="0"/>
               <a:t>Exastro</a:t>
             </a:r>
             <a:r>
-              <a:rPr lang="ja-JP" altLang="en-US" dirty="0" smtClean="0"/>
+              <a:rPr lang="ja-JP" altLang="en-US" dirty="0"/>
               <a:t> </a:t>
             </a:r>
             <a:r>
-              <a:rPr lang="en-US" altLang="ja-JP" dirty="0" smtClean="0"/>
+              <a:rPr lang="en-US" altLang="ja-JP" dirty="0"/>
               <a:t>developer</a:t>
             </a:r>
             <a:endParaRPr kumimoji="1" lang="ja-JP" altLang="en-US" dirty="0"/>
@@ -4297,7 +4198,7 @@
               <a:t>※</a:t>
             </a:r>
             <a:r>
-              <a:rPr lang="ja-JP" altLang="en-US" sz="1400" b="1" kern="0" dirty="0" smtClean="0">
+              <a:rPr lang="ja-JP" altLang="en-US" sz="1400" b="1" kern="0" dirty="0">
                 <a:solidFill>
                   <a:schemeClr val="tx2">
                     <a:lumMod val="75000"/>
@@ -4321,7 +4222,7 @@
               <a:t>Operation Autonomy Support Engine</a:t>
             </a:r>
             <a:r>
-              <a:rPr lang="ja-JP" altLang="en-US" sz="1400" b="1" kern="0" dirty="0" smtClean="0">
+              <a:rPr lang="ja-JP" altLang="en-US" sz="1400" b="1" kern="0" dirty="0">
                 <a:solidFill>
                   <a:schemeClr val="tx2">
                     <a:lumMod val="75000"/>
@@ -4333,7 +4234,7 @@
               <a:t>」を「</a:t>
             </a:r>
             <a:r>
-              <a:rPr lang="en-US" altLang="ja-JP" sz="1400" b="1" kern="0" dirty="0" smtClean="0">
+              <a:rPr lang="en-US" altLang="ja-JP" sz="1400" b="1" kern="0" dirty="0">
                 <a:solidFill>
                   <a:schemeClr val="tx2">
                     <a:lumMod val="75000"/>
@@ -4345,7 +4246,7 @@
               <a:t>OASE</a:t>
             </a:r>
             <a:r>
-              <a:rPr lang="ja-JP" altLang="en-US" sz="1400" b="1" kern="0" dirty="0" smtClean="0">
+              <a:rPr lang="ja-JP" altLang="en-US" sz="1400" b="1" kern="0" dirty="0">
                 <a:solidFill>
                   <a:schemeClr val="tx2">
                     <a:lumMod val="75000"/>
@@ -4354,19 +4255,7 @@
                 </a:solidFill>
                 <a:latin typeface="+mn-lt"/>
               </a:rPr>
-              <a:t>」として記載します</a:t>
-            </a:r>
-            <a:r>
-              <a:rPr lang="ja-JP" altLang="en-US" sz="1400" b="1" kern="0" dirty="0">
-                <a:solidFill>
-                  <a:schemeClr val="tx2">
-                    <a:lumMod val="75000"/>
-                    <a:lumOff val="25000"/>
-                  </a:schemeClr>
-                </a:solidFill>
-                <a:latin typeface="+mn-lt"/>
-              </a:rPr>
-              <a:t>。</a:t>
+              <a:t>」として記載します。</a:t>
             </a:r>
           </a:p>
         </p:txBody>
@@ -4381,13 +4270,6 @@
   <p:clrMapOvr>
     <a:masterClrMapping/>
   </p:clrMapOvr>
-  <p:timing>
-    <p:tnLst>
-      <p:par>
-        <p:cTn id="1" dur="indefinite" restart="never" nodeType="tmRoot"/>
-      </p:par>
-    </p:tnLst>
-  </p:timing>
 </p:sld>
 </file>
 
@@ -4424,14 +4306,13 @@
           <a:lstStyle/>
           <a:p>
             <a:r>
-              <a:rPr kumimoji="1" lang="en-US" altLang="ja-JP" dirty="0" smtClean="0"/>
+              <a:rPr kumimoji="1" lang="en-US" altLang="ja-JP" dirty="0"/>
               <a:t>2.2</a:t>
             </a:r>
             <a:r>
-              <a:rPr kumimoji="1" lang="ja-JP" altLang="en-US" dirty="0" smtClean="0"/>
+              <a:rPr kumimoji="1" lang="ja-JP" altLang="en-US" dirty="0"/>
               <a:t> 監視対象の設定</a:t>
             </a:r>
-            <a:endParaRPr kumimoji="1" lang="ja-JP" altLang="en-US" dirty="0"/>
           </a:p>
         </p:txBody>
       </p:sp>
@@ -4451,30 +4332,13 @@
           <a:lstStyle/>
           <a:p>
             <a:r>
-              <a:rPr lang="ja-JP" altLang="en-US" dirty="0" smtClean="0"/>
-              <a:t>監視対象のサーバ</a:t>
-            </a:r>
-            <a:r>
               <a:rPr lang="ja-JP" altLang="en-US" dirty="0"/>
-              <a:t>に</a:t>
-            </a:r>
-            <a:r>
-              <a:rPr lang="ja-JP" altLang="en-US" dirty="0" smtClean="0"/>
-              <a:t>ログファイル</a:t>
-            </a:r>
-            <a:r>
-              <a:rPr lang="ja-JP" altLang="en-US" dirty="0"/>
-              <a:t>を</a:t>
-            </a:r>
-            <a:r>
-              <a:rPr lang="ja-JP" altLang="en-US" dirty="0" smtClean="0"/>
-              <a:t>用意</a:t>
-            </a:r>
-            <a:endParaRPr lang="ja-JP" altLang="en-US" dirty="0"/>
+              <a:t>監視対象のサーバにログファイルを用意</a:t>
+            </a:r>
           </a:p>
           <a:p>
             <a:pPr lvl="1"/>
-            <a:endParaRPr lang="en-US" altLang="ja-JP" dirty="0" smtClean="0"/>
+            <a:endParaRPr lang="en-US" altLang="ja-JP" dirty="0"/>
           </a:p>
           <a:p>
             <a:pPr lvl="1"/>
@@ -4499,54 +4363,37 @@
               <a:t>」配下に「</a:t>
             </a:r>
             <a:r>
-              <a:rPr lang="en-US" altLang="ja-JP" dirty="0" err="1" smtClean="0"/>
+              <a:rPr lang="en-US" altLang="ja-JP" dirty="0" err="1"/>
               <a:t>test_logs</a:t>
             </a:r>
             <a:r>
-              <a:rPr lang="ja-JP" altLang="en-US" dirty="0" smtClean="0"/>
-              <a:t>」</a:t>
-            </a:r>
-            <a:r>
               <a:rPr lang="ja-JP" altLang="en-US" dirty="0"/>
-              <a:t>ディレクトリを</a:t>
-            </a:r>
-            <a:r>
-              <a:rPr lang="ja-JP" altLang="en-US" dirty="0" smtClean="0"/>
-              <a:t>作成しログファイル「</a:t>
-            </a:r>
-            <a:r>
-              <a:rPr lang="en-US" altLang="ja-JP" dirty="0" smtClean="0"/>
+              <a:t>」ディレクトリを作成しログファイル「</a:t>
+            </a:r>
+            <a:r>
+              <a:rPr lang="en-US" altLang="ja-JP" dirty="0"/>
               <a:t>test.log</a:t>
             </a:r>
             <a:r>
-              <a:rPr lang="ja-JP" altLang="en-US" dirty="0" smtClean="0"/>
+              <a:rPr lang="ja-JP" altLang="en-US" dirty="0"/>
               <a:t>」を用意する</a:t>
             </a:r>
-            <a:endParaRPr lang="en-US" altLang="ja-JP" dirty="0" smtClean="0"/>
+            <a:endParaRPr lang="en-US" altLang="ja-JP" dirty="0"/>
           </a:p>
           <a:p>
             <a:pPr lvl="1"/>
             <a:r>
-              <a:rPr lang="ja-JP" altLang="en-US" dirty="0" smtClean="0"/>
-              <a:t>ログ</a:t>
-            </a:r>
-            <a:r>
               <a:rPr lang="ja-JP" altLang="en-US" dirty="0"/>
-              <a:t>ファイル</a:t>
-            </a:r>
-            <a:r>
-              <a:rPr lang="ja-JP" altLang="en-US" dirty="0" smtClean="0"/>
-              <a:t>に</a:t>
-            </a:r>
-            <a:r>
-              <a:rPr lang="en-US" altLang="ja-JP" dirty="0" smtClean="0"/>
+              <a:t>ログファイルに</a:t>
+            </a:r>
+            <a:r>
+              <a:rPr lang="en-US" altLang="ja-JP" dirty="0"/>
               <a:t>echo</a:t>
             </a:r>
             <a:r>
-              <a:rPr lang="ja-JP" altLang="en-US" dirty="0" smtClean="0"/>
+              <a:rPr lang="ja-JP" altLang="en-US" dirty="0"/>
               <a:t>でログを追記する</a:t>
             </a:r>
-            <a:endParaRPr lang="ja-JP" altLang="en-US" dirty="0"/>
           </a:p>
           <a:p>
             <a:pPr marL="0" indent="0">
@@ -4608,7 +4455,7 @@
                 <a:t> echo " </a:t>
               </a:r>
               <a:r>
-                <a:rPr lang="ja-JP" altLang="en-US" sz="1300" dirty="0" smtClean="0">
+                <a:rPr lang="ja-JP" altLang="en-US" sz="1300" dirty="0">
                   <a:solidFill>
                     <a:schemeClr val="bg1"/>
                   </a:solidFill>
@@ -4624,7 +4471,7 @@
                 <a:t>2020-01-01 01:02:03</a:t>
               </a:r>
               <a:r>
-                <a:rPr lang="ja-JP" altLang="en-US" sz="1300" dirty="0" smtClean="0">
+                <a:rPr lang="ja-JP" altLang="en-US" sz="1300" dirty="0">
                   <a:solidFill>
                     <a:schemeClr val="bg1"/>
                   </a:solidFill>
@@ -4632,7 +4479,7 @@
                 <a:t>] </a:t>
               </a:r>
               <a:r>
-                <a:rPr lang="en-US" altLang="ja-JP" sz="1300" dirty="0" smtClean="0">
+                <a:rPr lang="en-US" altLang="ja-JP" sz="1300" dirty="0">
                   <a:solidFill>
                     <a:schemeClr val="bg1"/>
                   </a:solidFill>
@@ -4640,36 +4487,12 @@
                 <a:t>INFO</a:t>
               </a:r>
               <a:r>
-                <a:rPr lang="ja-JP" altLang="en-US" sz="1300" dirty="0" smtClean="0">
-                  <a:solidFill>
-                    <a:schemeClr val="bg1"/>
-                  </a:solidFill>
-                </a:rPr>
-                <a:t> </a:t>
-              </a:r>
-              <a:r>
                 <a:rPr lang="ja-JP" altLang="en-US" sz="1300" dirty="0">
                   <a:solidFill>
                     <a:schemeClr val="bg1"/>
                   </a:solidFill>
                 </a:rPr>
-                <a:t>: DB</a:t>
-              </a:r>
-              <a:r>
-                <a:rPr lang="ja-JP" altLang="en-US" sz="1300" dirty="0" smtClean="0">
-                  <a:solidFill>
-                    <a:schemeClr val="bg1"/>
-                  </a:solidFill>
-                </a:rPr>
-                <a:t>接続しました。</a:t>
-              </a:r>
-              <a:r>
-                <a:rPr lang="en-US" altLang="ja-JP" sz="1300" dirty="0" smtClean="0">
-                  <a:solidFill>
-                    <a:schemeClr val="bg1"/>
-                  </a:solidFill>
-                </a:rPr>
-                <a:t>" </a:t>
+                <a:t> : DB接続しました。</a:t>
               </a:r>
               <a:r>
                 <a:rPr lang="en-US" altLang="ja-JP" sz="1300" dirty="0">
@@ -4677,15 +4500,7 @@
                     <a:schemeClr val="bg1"/>
                   </a:solidFill>
                 </a:rPr>
-                <a:t>&gt;&gt; test</a:t>
-              </a:r>
-              <a:r>
-                <a:rPr lang="en-US" altLang="ja-JP" sz="1300" dirty="0" smtClean="0">
-                  <a:solidFill>
-                    <a:schemeClr val="bg1"/>
-                  </a:solidFill>
-                </a:rPr>
-                <a:t>.log</a:t>
+                <a:t>" &gt;&gt; test.log</a:t>
               </a:r>
             </a:p>
             <a:p>
@@ -4745,11 +4560,6 @@
                 </a:rPr>
                 <a:t>" &gt;&gt; test.log</a:t>
               </a:r>
-              <a:endParaRPr lang="en-US" altLang="ja-JP" sz="1300" dirty="0" smtClean="0">
-                <a:solidFill>
-                  <a:schemeClr val="bg1"/>
-                </a:solidFill>
-              </a:endParaRPr>
             </a:p>
             <a:p>
               <a:r>
@@ -4808,11 +4618,6 @@
                 </a:rPr>
                 <a:t>" &gt;&gt; test.log</a:t>
               </a:r>
-              <a:endParaRPr lang="en-US" altLang="ja-JP" sz="1300" dirty="0" smtClean="0">
-                <a:solidFill>
-                  <a:schemeClr val="bg1"/>
-                </a:solidFill>
-              </a:endParaRPr>
             </a:p>
             <a:p>
               <a:r>
@@ -4871,15 +4676,10 @@
                 </a:rPr>
                 <a:t>" &gt;&gt; test.log</a:t>
               </a:r>
-              <a:endParaRPr lang="en-US" altLang="ja-JP" sz="1300" dirty="0" smtClean="0">
-                <a:solidFill>
-                  <a:schemeClr val="bg1"/>
-                </a:solidFill>
-              </a:endParaRPr>
             </a:p>
             <a:p>
               <a:r>
-                <a:rPr lang="en-US" altLang="ja-JP" sz="1300" dirty="0" smtClean="0">
+                <a:rPr lang="en-US" altLang="ja-JP" sz="1300" dirty="0">
                   <a:solidFill>
                     <a:schemeClr val="bg1"/>
                   </a:solidFill>
@@ -4887,7 +4687,7 @@
                 <a:t> echo “ </a:t>
               </a:r>
               <a:r>
-                <a:rPr lang="ja-JP" altLang="en-US" sz="1300" dirty="0" smtClean="0">
+                <a:rPr lang="ja-JP" altLang="en-US" sz="1300" dirty="0">
                   <a:solidFill>
                     <a:schemeClr val="bg1"/>
                   </a:solidFill>
@@ -4895,7 +4695,7 @@
                 <a:t>[</a:t>
               </a:r>
               <a:r>
-                <a:rPr lang="en-US" altLang="ja-JP" sz="1300" dirty="0" smtClean="0">
+                <a:rPr lang="en-US" altLang="ja-JP" sz="1300" dirty="0">
                   <a:solidFill>
                     <a:schemeClr val="bg1"/>
                   </a:solidFill>
@@ -4903,7 +4703,7 @@
                 <a:t>2020-01-01 01:02:03</a:t>
               </a:r>
               <a:r>
-                <a:rPr lang="ja-JP" altLang="en-US" sz="1300" dirty="0" smtClean="0">
+                <a:rPr lang="ja-JP" altLang="en-US" sz="1300" dirty="0">
                   <a:solidFill>
                     <a:schemeClr val="bg1"/>
                   </a:solidFill>
@@ -4911,7 +4711,7 @@
                 <a:t>] WARNING : </a:t>
               </a:r>
               <a:r>
-                <a:rPr lang="en-US" altLang="ja-JP" sz="1300" dirty="0" smtClean="0">
+                <a:rPr lang="en-US" altLang="ja-JP" sz="1300" dirty="0">
                   <a:solidFill>
                     <a:schemeClr val="bg1"/>
                   </a:solidFill>
@@ -4919,7 +4719,7 @@
                 <a:t>DB</a:t>
               </a:r>
               <a:r>
-                <a:rPr lang="ja-JP" altLang="en-US" sz="1300" dirty="0" smtClean="0">
+                <a:rPr lang="ja-JP" altLang="en-US" sz="1300" dirty="0">
                   <a:solidFill>
                     <a:schemeClr val="bg1"/>
                   </a:solidFill>
@@ -4927,18 +4727,13 @@
                 <a:t>接続失敗。</a:t>
               </a:r>
               <a:r>
-                <a:rPr lang="en-US" altLang="ja-JP" sz="1300" dirty="0" smtClean="0">
+                <a:rPr lang="en-US" altLang="ja-JP" sz="1300" dirty="0">
                   <a:solidFill>
                     <a:schemeClr val="bg1"/>
                   </a:solidFill>
                 </a:rPr>
                 <a:t>" &gt;&gt; test.log</a:t>
               </a:r>
-              <a:endParaRPr lang="en-US" altLang="ja-JP" sz="1300" dirty="0">
-                <a:solidFill>
-                  <a:schemeClr val="bg1"/>
-                </a:solidFill>
-              </a:endParaRPr>
             </a:p>
           </p:txBody>
         </p:sp>
@@ -5066,69 +4861,6 @@
             <a:lstStyle/>
             <a:p>
               <a:r>
-                <a:rPr lang="ja-JP" altLang="en-US" sz="1300" dirty="0" smtClean="0">
-                  <a:solidFill>
-                    <a:schemeClr val="bg1"/>
-                  </a:solidFill>
-                </a:rPr>
-                <a:t>[</a:t>
-              </a:r>
-              <a:r>
-                <a:rPr lang="en-US" altLang="ja-JP" sz="1300" dirty="0">
-                  <a:solidFill>
-                    <a:schemeClr val="bg1"/>
-                  </a:solidFill>
-                </a:rPr>
-                <a:t>2020-01-01 01:02:03</a:t>
-              </a:r>
-              <a:r>
-                <a:rPr lang="ja-JP" altLang="en-US" sz="1300" dirty="0" smtClean="0">
-                  <a:solidFill>
-                    <a:schemeClr val="bg1"/>
-                  </a:solidFill>
-                </a:rPr>
-                <a:t>] </a:t>
-              </a:r>
-              <a:r>
-                <a:rPr lang="en-US" altLang="ja-JP" sz="1300" dirty="0" smtClean="0">
-                  <a:solidFill>
-                    <a:schemeClr val="bg1"/>
-                  </a:solidFill>
-                </a:rPr>
-                <a:t>INFO</a:t>
-              </a:r>
-              <a:r>
-                <a:rPr lang="ja-JP" altLang="en-US" sz="1300" dirty="0" smtClean="0">
-                  <a:solidFill>
-                    <a:schemeClr val="bg1"/>
-                  </a:solidFill>
-                </a:rPr>
-                <a:t>: </a:t>
-              </a:r>
-              <a:r>
-                <a:rPr lang="ja-JP" altLang="en-US" sz="1300" dirty="0">
-                  <a:solidFill>
-                    <a:schemeClr val="bg1"/>
-                  </a:solidFill>
-                </a:rPr>
-                <a:t>DB</a:t>
-              </a:r>
-              <a:r>
-                <a:rPr lang="ja-JP" altLang="en-US" sz="1300" dirty="0" smtClean="0">
-                  <a:solidFill>
-                    <a:schemeClr val="bg1"/>
-                  </a:solidFill>
-                </a:rPr>
-                <a:t>接続しました。</a:t>
-              </a:r>
-              <a:endParaRPr lang="en-US" altLang="ja-JP" sz="1300" dirty="0" smtClean="0">
-                <a:solidFill>
-                  <a:schemeClr val="bg1"/>
-                </a:solidFill>
-              </a:endParaRPr>
-            </a:p>
-            <a:p>
-              <a:r>
                 <a:rPr lang="ja-JP" altLang="en-US" sz="1300" dirty="0">
                   <a:solidFill>
                     <a:schemeClr val="bg1"/>
@@ -5168,7 +4900,7 @@
                 </a:rPr>
                 <a:t>: DB接続しました。</a:t>
               </a:r>
-              <a:endParaRPr lang="en-US" altLang="ja-JP" sz="1300" dirty="0" smtClean="0">
+              <a:endParaRPr lang="en-US" altLang="ja-JP" sz="1300" dirty="0">
                 <a:solidFill>
                   <a:schemeClr val="bg1"/>
                 </a:solidFill>
@@ -5270,7 +5002,7 @@
             </a:p>
             <a:p>
               <a:r>
-                <a:rPr lang="ja-JP" altLang="en-US" sz="1300" dirty="0" smtClean="0">
+                <a:rPr lang="ja-JP" altLang="en-US" sz="1300" dirty="0">
                   <a:solidFill>
                     <a:schemeClr val="bg1"/>
                   </a:solidFill>
@@ -5283,18 +5015,10 @@
                     <a:schemeClr val="bg1"/>
                   </a:solidFill>
                 </a:rPr>
-                <a:t>2020-01-01 </a:t>
+                <a:t>2020-01-01 01:02:03</a:t>
               </a:r>
               <a:r>
-                <a:rPr lang="en-US" altLang="ja-JP" sz="1300" dirty="0" smtClean="0">
-                  <a:solidFill>
-                    <a:schemeClr val="bg1"/>
-                  </a:solidFill>
-                </a:rPr>
-                <a:t>01:02:03</a:t>
-              </a:r>
-              <a:r>
-                <a:rPr lang="ja-JP" altLang="en-US" sz="1300" dirty="0" smtClean="0">
+                <a:rPr lang="ja-JP" altLang="en-US" sz="1300" dirty="0">
                   <a:solidFill>
                     <a:schemeClr val="bg1"/>
                   </a:solidFill>
@@ -5302,20 +5026,12 @@
                 <a:t>] </a:t>
               </a:r>
               <a:r>
-                <a:rPr lang="ja-JP" altLang="en-US" sz="1300" dirty="0">
+                <a:rPr lang="en-US" altLang="ja-JP" sz="1300" dirty="0">
                   <a:solidFill>
                     <a:schemeClr val="bg1"/>
                   </a:solidFill>
                 </a:rPr>
-                <a:t>WARNING : DB</a:t>
-              </a:r>
-              <a:r>
-                <a:rPr lang="ja-JP" altLang="en-US" sz="1300" dirty="0" smtClean="0">
-                  <a:solidFill>
-                    <a:schemeClr val="bg1"/>
-                  </a:solidFill>
-                </a:rPr>
-                <a:t>接続</a:t>
+                <a:t>INFO</a:t>
               </a:r>
               <a:r>
                 <a:rPr lang="ja-JP" altLang="en-US" sz="1300" dirty="0">
@@ -5323,15 +5039,38 @@
                     <a:schemeClr val="bg1"/>
                   </a:solidFill>
                 </a:rPr>
-                <a:t>失敗</a:t>
+                <a:t>: DB接続しました。</a:t>
               </a:r>
+              <a:endParaRPr lang="en-US" altLang="ja-JP" sz="1300" dirty="0">
+                <a:solidFill>
+                  <a:schemeClr val="bg1"/>
+                </a:solidFill>
+              </a:endParaRPr>
+            </a:p>
+            <a:p>
               <a:r>
-                <a:rPr lang="ja-JP" altLang="en-US" sz="1300" dirty="0" smtClean="0">
+                <a:rPr lang="ja-JP" altLang="en-US" sz="1300" dirty="0">
                   <a:solidFill>
                     <a:schemeClr val="bg1"/>
                   </a:solidFill>
                 </a:rPr>
-                <a:t>。</a:t>
+                <a:t>[</a:t>
+              </a:r>
+              <a:r>
+                <a:rPr lang="en-US" altLang="ja-JP" sz="1300" dirty="0">
+                  <a:solidFill>
+                    <a:schemeClr val="bg1"/>
+                  </a:solidFill>
+                </a:rPr>
+                <a:t>2020-01-01 01:02:03</a:t>
+              </a:r>
+              <a:r>
+                <a:rPr lang="ja-JP" altLang="en-US" sz="1300" dirty="0">
+                  <a:solidFill>
+                    <a:schemeClr val="bg1"/>
+                  </a:solidFill>
+                </a:rPr>
+                <a:t>] WARNING : DB接続失敗。</a:t>
               </a:r>
               <a:endParaRPr lang="en-US" altLang="ja-JP" sz="1300" dirty="0">
                 <a:solidFill>
@@ -5368,7 +5107,7 @@
             <a:lstStyle/>
             <a:p>
               <a:r>
-                <a:rPr lang="en-US" altLang="ja-JP" sz="1400" b="1" dirty="0" smtClean="0">
+                <a:rPr lang="en-US" altLang="ja-JP" sz="1400" b="1" dirty="0">
                   <a:solidFill>
                     <a:schemeClr val="bg1"/>
                   </a:solidFill>
@@ -5406,7 +5145,6 @@
             <a:noFill/>
           </a:ln>
           <a:effectLst/>
-          <a:extLst/>
         </p:spPr>
         <p:txBody>
           <a:bodyPr rot="0" spcFirstLastPara="0" vertOverflow="overflow" horzOverflow="overflow" vert="horz" wrap="none" lIns="72000" tIns="72000" rIns="72000" bIns="72000" numCol="1" spcCol="0" rtlCol="0" fromWordArt="0" anchor="ctr" anchorCtr="0" forceAA="0" compatLnSpc="1">
@@ -5418,7 +5156,7 @@
           <a:lstStyle/>
           <a:p>
             <a:pPr algn="ctr"/>
-            <a:endParaRPr kumimoji="1" lang="ja-JP" altLang="en-US" b="1" dirty="0" smtClean="0">
+            <a:endParaRPr kumimoji="1" lang="ja-JP" altLang="en-US" b="1" dirty="0">
               <a:latin typeface="+mn-ea"/>
             </a:endParaRPr>
           </a:p>
@@ -5493,18 +5231,13 @@
                     <a:p>
                       <a:pPr algn="ctr"/>
                       <a:r>
-                        <a:rPr kumimoji="1" lang="ja-JP" altLang="en-US" sz="1400" b="1" dirty="0" smtClean="0">
+                        <a:rPr kumimoji="1" lang="ja-JP" altLang="en-US" sz="1400" b="1" dirty="0">
                           <a:solidFill>
                             <a:schemeClr val="bg1"/>
                           </a:solidFill>
                         </a:rPr>
                         <a:t>フロー</a:t>
                       </a:r>
-                      <a:endParaRPr kumimoji="1" lang="ja-JP" altLang="en-US" sz="1400" b="1" dirty="0">
-                        <a:solidFill>
-                          <a:schemeClr val="bg1"/>
-                        </a:solidFill>
-                      </a:endParaRPr>
                     </a:p>
                   </a:txBody>
                   <a:tcPr anchor="ctr">
@@ -5520,18 +5253,13 @@
                     <a:p>
                       <a:pPr algn="ctr"/>
                       <a:r>
-                        <a:rPr kumimoji="1" lang="ja-JP" altLang="en-US" sz="1400" b="1" dirty="0" smtClean="0">
+                        <a:rPr kumimoji="1" lang="ja-JP" altLang="en-US" sz="1400" b="1" dirty="0">
                           <a:solidFill>
                             <a:schemeClr val="bg1"/>
                           </a:solidFill>
                         </a:rPr>
                         <a:t>監視対象</a:t>
                       </a:r>
-                      <a:endParaRPr kumimoji="1" lang="ja-JP" altLang="en-US" sz="1400" b="1" dirty="0">
-                        <a:solidFill>
-                          <a:schemeClr val="bg1"/>
-                        </a:solidFill>
-                      </a:endParaRPr>
                     </a:p>
                   </a:txBody>
                   <a:tcPr anchor="ctr">
@@ -5547,18 +5275,13 @@
                     <a:p>
                       <a:pPr algn="ctr"/>
                       <a:r>
-                        <a:rPr kumimoji="1" lang="ja-JP" altLang="en-US" sz="1400" b="1" dirty="0" smtClean="0">
+                        <a:rPr kumimoji="1" lang="ja-JP" altLang="en-US" sz="1400" b="1" dirty="0">
                           <a:solidFill>
                             <a:schemeClr val="bg1"/>
                           </a:solidFill>
                         </a:rPr>
                         <a:t>モニタリング</a:t>
                       </a:r>
-                      <a:endParaRPr kumimoji="1" lang="ja-JP" altLang="en-US" sz="1400" b="1" dirty="0">
-                        <a:solidFill>
-                          <a:schemeClr val="bg1"/>
-                        </a:solidFill>
-                      </a:endParaRPr>
                     </a:p>
                   </a:txBody>
                   <a:tcPr anchor="ctr">
@@ -5574,18 +5297,13 @@
                     <a:p>
                       <a:pPr algn="ctr"/>
                       <a:r>
-                        <a:rPr kumimoji="1" lang="ja-JP" altLang="en-US" sz="1400" b="1" dirty="0" smtClean="0">
+                        <a:rPr kumimoji="1" lang="ja-JP" altLang="en-US" sz="1400" b="1" dirty="0">
                           <a:solidFill>
                             <a:schemeClr val="bg1"/>
                           </a:solidFill>
                         </a:rPr>
                         <a:t>ルールマッチング</a:t>
                       </a:r>
-                      <a:endParaRPr kumimoji="1" lang="ja-JP" altLang="en-US" sz="1400" b="1" dirty="0">
-                        <a:solidFill>
-                          <a:schemeClr val="bg1"/>
-                        </a:solidFill>
-                      </a:endParaRPr>
                     </a:p>
                   </a:txBody>
                   <a:tcPr anchor="ctr">
@@ -5601,18 +5319,13 @@
                     <a:p>
                       <a:pPr algn="ctr"/>
                       <a:r>
-                        <a:rPr kumimoji="1" lang="ja-JP" altLang="en-US" sz="1400" b="1" dirty="0" smtClean="0">
+                        <a:rPr kumimoji="1" lang="ja-JP" altLang="en-US" sz="1400" b="1" dirty="0">
                           <a:solidFill>
                             <a:schemeClr val="bg1"/>
                           </a:solidFill>
                         </a:rPr>
                         <a:t>アクション</a:t>
                       </a:r>
-                      <a:endParaRPr kumimoji="1" lang="ja-JP" altLang="en-US" sz="1400" b="1" dirty="0">
-                        <a:solidFill>
-                          <a:schemeClr val="bg1"/>
-                        </a:solidFill>
-                      </a:endParaRPr>
                     </a:p>
                   </a:txBody>
                   <a:tcPr anchor="ctr">
@@ -5635,18 +5348,13 @@
                     <a:p>
                       <a:pPr algn="ctr"/>
                       <a:r>
-                        <a:rPr kumimoji="1" lang="ja-JP" altLang="en-US" sz="1400" b="1" dirty="0" smtClean="0">
+                        <a:rPr kumimoji="1" lang="ja-JP" altLang="en-US" sz="1400" b="1" dirty="0">
                           <a:solidFill>
                             <a:schemeClr val="bg1"/>
                           </a:solidFill>
                         </a:rPr>
                         <a:t>イメージ</a:t>
                       </a:r>
-                      <a:endParaRPr kumimoji="1" lang="ja-JP" altLang="en-US" sz="1400" b="1" dirty="0">
-                        <a:solidFill>
-                          <a:schemeClr val="bg1"/>
-                        </a:solidFill>
-                      </a:endParaRPr>
                     </a:p>
                   </a:txBody>
                   <a:tcPr anchor="ctr">
@@ -5754,7 +5462,6 @@
             <a:noFill/>
           </a:ln>
           <a:effectLst/>
-          <a:extLst/>
         </p:spPr>
         <p:txBody>
           <a:bodyPr rot="0" spcFirstLastPara="0" vertOverflow="overflow" horzOverflow="overflow" vert="horz" wrap="none" lIns="72000" tIns="72000" rIns="72000" bIns="72000" numCol="1" spcCol="0" rtlCol="0" fromWordArt="0" anchor="t" anchorCtr="0" forceAA="0" compatLnSpc="1">
@@ -5766,7 +5473,7 @@
           <a:lstStyle/>
           <a:p>
             <a:r>
-              <a:rPr lang="ja-JP" altLang="en-US" sz="1400" b="1" dirty="0" smtClean="0">
+              <a:rPr lang="ja-JP" altLang="en-US" sz="1400" b="1" dirty="0">
                 <a:solidFill>
                   <a:srgbClr val="002060"/>
                 </a:solidFill>
@@ -5774,7 +5481,7 @@
               </a:rPr>
               <a:t>メールドライバ</a:t>
             </a:r>
-            <a:endParaRPr kumimoji="1" lang="ja-JP" altLang="en-US" sz="1400" b="1" dirty="0" smtClean="0">
+            <a:endParaRPr kumimoji="1" lang="ja-JP" altLang="en-US" sz="1400" b="1" dirty="0">
               <a:solidFill>
                 <a:srgbClr val="002060"/>
               </a:solidFill>
@@ -5804,7 +5511,6 @@
             <a:noFill/>
           </a:ln>
           <a:effectLst/>
-          <a:extLst/>
         </p:spPr>
         <p:txBody>
           <a:bodyPr rot="0" spcFirstLastPara="0" vertOverflow="overflow" horzOverflow="overflow" vert="horz" wrap="none" lIns="72000" tIns="72000" rIns="72000" bIns="72000" numCol="1" spcCol="0" rtlCol="0" fromWordArt="0" anchor="t" anchorCtr="0" forceAA="0" compatLnSpc="1">
@@ -5816,7 +5522,7 @@
           <a:lstStyle/>
           <a:p>
             <a:r>
-              <a:rPr lang="ja-JP" altLang="en-US" sz="1400" b="1" dirty="0" smtClean="0">
+              <a:rPr lang="ja-JP" altLang="en-US" sz="1400" b="1" dirty="0">
                 <a:solidFill>
                   <a:srgbClr val="002060"/>
                 </a:solidFill>
@@ -5824,7 +5530,7 @@
               </a:rPr>
               <a:t>ディシジョンテーブルと</a:t>
             </a:r>
-            <a:endParaRPr lang="en-US" altLang="ja-JP" sz="1400" b="1" dirty="0" smtClean="0">
+            <a:endParaRPr lang="en-US" altLang="ja-JP" sz="1400" b="1" dirty="0">
               <a:solidFill>
                 <a:srgbClr val="002060"/>
               </a:solidFill>
@@ -5833,7 +5539,7 @@
           </a:p>
           <a:p>
             <a:r>
-              <a:rPr kumimoji="1" lang="ja-JP" altLang="en-US" sz="1400" b="1" dirty="0" smtClean="0">
+              <a:rPr kumimoji="1" lang="ja-JP" altLang="en-US" sz="1400" b="1" dirty="0">
                 <a:solidFill>
                   <a:srgbClr val="002060"/>
                 </a:solidFill>
@@ -5889,7 +5595,6 @@
             <a:noFill/>
           </a:ln>
           <a:effectLst/>
-          <a:extLst/>
         </p:spPr>
         <p:txBody>
           <a:bodyPr rot="0" spcFirstLastPara="0" vertOverflow="overflow" horzOverflow="overflow" vert="horz" wrap="none" lIns="72000" tIns="72000" rIns="72000" bIns="72000" numCol="1" spcCol="0" rtlCol="0" fromWordArt="0" anchor="t" anchorCtr="0" forceAA="0" compatLnSpc="1">
@@ -5901,7 +5606,7 @@
           <a:lstStyle/>
           <a:p>
             <a:r>
-              <a:rPr lang="en-US" altLang="ja-JP" sz="1400" b="1" dirty="0" smtClean="0">
+              <a:rPr lang="en-US" altLang="ja-JP" sz="1400" b="1" dirty="0">
                 <a:solidFill>
                   <a:srgbClr val="002060"/>
                 </a:solidFill>
@@ -5910,7 +5615,7 @@
               <a:t>Zabbix</a:t>
             </a:r>
             <a:r>
-              <a:rPr lang="ja-JP" altLang="en-US" sz="1400" b="1" dirty="0" smtClean="0">
+              <a:rPr lang="ja-JP" altLang="en-US" sz="1400" b="1" dirty="0">
                 <a:solidFill>
                   <a:srgbClr val="002060"/>
                 </a:solidFill>
@@ -5919,7 +5624,7 @@
               <a:t> </a:t>
             </a:r>
             <a:r>
-              <a:rPr lang="en-US" altLang="ja-JP" sz="1400" b="1" dirty="0" smtClean="0">
+              <a:rPr lang="en-US" altLang="ja-JP" sz="1400" b="1" dirty="0">
                 <a:solidFill>
                   <a:srgbClr val="002060"/>
                 </a:solidFill>
@@ -5927,7 +5632,7 @@
               </a:rPr>
               <a:t>Dashboard</a:t>
             </a:r>
-            <a:endParaRPr kumimoji="1" lang="ja-JP" altLang="en-US" sz="1400" b="1" dirty="0" smtClean="0">
+            <a:endParaRPr kumimoji="1" lang="ja-JP" altLang="en-US" sz="1400" b="1" dirty="0">
               <a:solidFill>
                 <a:srgbClr val="002060"/>
               </a:solidFill>
@@ -5957,7 +5662,6 @@
             <a:noFill/>
           </a:ln>
           <a:effectLst/>
-          <a:extLst/>
         </p:spPr>
         <p:txBody>
           <a:bodyPr rot="0" spcFirstLastPara="0" vertOverflow="overflow" horzOverflow="overflow" vert="horz" wrap="none" lIns="72000" tIns="72000" rIns="72000" bIns="72000" numCol="1" spcCol="0" rtlCol="0" fromWordArt="0" anchor="t" anchorCtr="0" forceAA="0" compatLnSpc="1">
@@ -5969,7 +5673,7 @@
           <a:lstStyle/>
           <a:p>
             <a:r>
-              <a:rPr lang="ja-JP" altLang="en-US" sz="1400" b="1" dirty="0" smtClean="0">
+              <a:rPr lang="ja-JP" altLang="en-US" sz="1400" b="1" dirty="0">
                 <a:solidFill>
                   <a:srgbClr val="002060"/>
                 </a:solidFill>
@@ -5977,7 +5681,7 @@
               </a:rPr>
               <a:t>サーバ　ログファイル</a:t>
             </a:r>
-            <a:endParaRPr kumimoji="1" lang="ja-JP" altLang="en-US" sz="1400" b="1" dirty="0" smtClean="0">
+            <a:endParaRPr kumimoji="1" lang="ja-JP" altLang="en-US" sz="1400" b="1" dirty="0">
               <a:solidFill>
                 <a:srgbClr val="002060"/>
               </a:solidFill>
@@ -6007,7 +5711,6 @@
             </a:solidFill>
           </a:ln>
           <a:effectLst/>
-          <a:extLst/>
         </p:spPr>
         <p:txBody>
           <a:bodyPr rot="0" spcFirstLastPara="0" vertOverflow="overflow" horzOverflow="overflow" vert="horz" wrap="none" lIns="72000" tIns="72000" rIns="72000" bIns="72000" numCol="1" spcCol="0" rtlCol="0" fromWordArt="0" anchor="ctr" anchorCtr="0" forceAA="0" compatLnSpc="1">
@@ -6019,7 +5722,7 @@
           <a:lstStyle/>
           <a:p>
             <a:pPr algn="ctr"/>
-            <a:endParaRPr kumimoji="1" lang="ja-JP" altLang="en-US" b="1" dirty="0" smtClean="0">
+            <a:endParaRPr kumimoji="1" lang="ja-JP" altLang="en-US" b="1" dirty="0">
               <a:latin typeface="+mn-ea"/>
             </a:endParaRPr>
           </a:p>
@@ -6289,15 +5992,15 @@
                     <a:lstStyle/>
                     <a:p>
                       <a:r>
-                        <a:rPr kumimoji="1" lang="en-US" altLang="ja-JP" sz="1050" dirty="0" smtClean="0"/>
+                        <a:rPr kumimoji="1" lang="en-US" altLang="ja-JP" sz="1050" dirty="0"/>
                         <a:t>WARNING</a:t>
                       </a:r>
                       <a:r>
-                        <a:rPr kumimoji="1" lang="ja-JP" altLang="en-US" sz="1050" dirty="0" smtClean="0"/>
+                        <a:rPr kumimoji="1" lang="ja-JP" altLang="en-US" sz="1050" dirty="0"/>
                         <a:t> </a:t>
                       </a:r>
                       <a:r>
-                        <a:rPr kumimoji="1" lang="en-US" altLang="ja-JP" sz="1050" dirty="0" smtClean="0"/>
+                        <a:rPr kumimoji="1" lang="en-US" altLang="ja-JP" sz="1050" dirty="0"/>
                         <a:t>alert</a:t>
                       </a:r>
                       <a:endParaRPr kumimoji="1" lang="ja-JP" altLang="en-US" sz="1050" dirty="0"/>
@@ -6448,15 +6151,15 @@
                     <a:lstStyle/>
                     <a:p>
                       <a:r>
-                        <a:rPr kumimoji="1" lang="en-US" altLang="ja-JP" sz="1050" dirty="0" smtClean="0"/>
+                        <a:rPr kumimoji="1" lang="en-US" altLang="ja-JP" sz="1050" dirty="0"/>
                         <a:t>Error</a:t>
                       </a:r>
                       <a:r>
-                        <a:rPr kumimoji="1" lang="ja-JP" altLang="en-US" sz="1050" dirty="0" smtClean="0"/>
+                        <a:rPr kumimoji="1" lang="ja-JP" altLang="en-US" sz="1050" dirty="0"/>
                         <a:t> </a:t>
                       </a:r>
                       <a:r>
-                        <a:rPr kumimoji="1" lang="en-US" altLang="ja-JP" sz="1050" dirty="0" smtClean="0"/>
+                        <a:rPr kumimoji="1" lang="en-US" altLang="ja-JP" sz="1050" dirty="0"/>
                         <a:t>action</a:t>
                       </a:r>
                       <a:endParaRPr kumimoji="1" lang="ja-JP" altLang="en-US" sz="1050" dirty="0"/>
@@ -6607,7 +6310,7 @@
                     <a:lstStyle/>
                     <a:p>
                       <a:r>
-                        <a:rPr kumimoji="1" lang="en-US" altLang="ja-JP" sz="1050" dirty="0" smtClean="0"/>
+                        <a:rPr kumimoji="1" lang="en-US" altLang="ja-JP" sz="1050" dirty="0"/>
                         <a:t>more than % busy</a:t>
                       </a:r>
                       <a:endParaRPr kumimoji="1" lang="ja-JP" altLang="en-US" sz="1050" dirty="0"/>
@@ -6708,7 +6411,6 @@
             </a:solidFill>
           </a:ln>
           <a:effectLst/>
-          <a:extLst/>
         </p:spPr>
         <p:txBody>
           <a:bodyPr rot="0" spcFirstLastPara="0" vertOverflow="overflow" horzOverflow="overflow" vert="horz" wrap="none" lIns="72000" tIns="72000" rIns="72000" bIns="72000" numCol="1" spcCol="0" rtlCol="0" fromWordArt="0" anchor="ctr" anchorCtr="0" forceAA="0" compatLnSpc="1">
@@ -6721,7 +6423,7 @@
           <a:p>
             <a:pPr algn="ctr"/>
             <a:r>
-              <a:rPr kumimoji="1" lang="ja-JP" altLang="en-US" sz="1200" b="1" dirty="0" smtClean="0">
+              <a:rPr kumimoji="1" lang="ja-JP" altLang="en-US" sz="1200" b="1" dirty="0">
                 <a:solidFill>
                   <a:srgbClr val="FF0000"/>
                 </a:solidFill>
@@ -6729,7 +6431,7 @@
               </a:rPr>
               <a:t>アラート</a:t>
             </a:r>
-            <a:endParaRPr kumimoji="1" lang="en-US" altLang="ja-JP" sz="1200" b="1" dirty="0" smtClean="0">
+            <a:endParaRPr kumimoji="1" lang="en-US" altLang="ja-JP" sz="1200" b="1" dirty="0">
               <a:solidFill>
                 <a:srgbClr val="FF0000"/>
               </a:solidFill>
@@ -6747,7 +6449,7 @@
               </a:rPr>
               <a:t>発報</a:t>
             </a:r>
-            <a:endParaRPr kumimoji="1" lang="ja-JP" altLang="en-US" sz="1200" b="1" dirty="0" smtClean="0">
+            <a:endParaRPr kumimoji="1" lang="ja-JP" altLang="en-US" sz="1200" b="1" dirty="0">
               <a:solidFill>
                 <a:srgbClr val="FF0000"/>
               </a:solidFill>
@@ -6886,7 +6588,6 @@
             </a:solidFill>
           </a:ln>
           <a:effectLst/>
-          <a:extLst/>
         </p:spPr>
         <p:txBody>
           <a:bodyPr rot="0" spcFirstLastPara="0" vertOverflow="overflow" horzOverflow="overflow" vert="horz" wrap="none" lIns="72000" tIns="72000" rIns="72000" bIns="72000" numCol="1" spcCol="0" rtlCol="0" fromWordArt="0" anchor="ctr" anchorCtr="0" forceAA="0" compatLnSpc="1">
@@ -6898,7 +6599,7 @@
           <a:lstStyle/>
           <a:p>
             <a:pPr algn="ctr"/>
-            <a:endParaRPr kumimoji="1" lang="ja-JP" altLang="en-US" b="1" dirty="0" smtClean="0">
+            <a:endParaRPr kumimoji="1" lang="ja-JP" altLang="en-US" b="1" dirty="0">
               <a:latin typeface="+mn-ea"/>
             </a:endParaRPr>
           </a:p>
@@ -6951,10 +6652,9 @@
                     <a:lstStyle/>
                     <a:p>
                       <a:r>
-                        <a:rPr kumimoji="1" lang="ja-JP" altLang="en-US" sz="1050" dirty="0" smtClean="0"/>
+                        <a:rPr kumimoji="1" lang="ja-JP" altLang="en-US" sz="1050" dirty="0"/>
                         <a:t>条件式</a:t>
                       </a:r>
-                      <a:endParaRPr kumimoji="1" lang="ja-JP" altLang="en-US" sz="1050" dirty="0"/>
                     </a:p>
                   </a:txBody>
                   <a:tcPr anchor="ctr">
@@ -7087,10 +6787,9 @@
                     <a:p>
                       <a:pPr algn="ctr"/>
                       <a:r>
-                        <a:rPr kumimoji="1" lang="ja-JP" altLang="en-US" sz="1050" dirty="0" smtClean="0"/>
+                        <a:rPr kumimoji="1" lang="ja-JP" altLang="en-US" sz="1050" dirty="0"/>
                         <a:t>アラート</a:t>
                       </a:r>
-                      <a:endParaRPr kumimoji="1" lang="ja-JP" altLang="en-US" sz="1050" dirty="0"/>
                     </a:p>
                   </a:txBody>
                   <a:tcPr anchor="ctr">
@@ -7154,10 +6853,9 @@
                     <a:p>
                       <a:pPr algn="ctr"/>
                       <a:r>
-                        <a:rPr kumimoji="1" lang="ja-JP" altLang="en-US" sz="1050" dirty="0" smtClean="0"/>
+                        <a:rPr kumimoji="1" lang="ja-JP" altLang="en-US" sz="1050" dirty="0"/>
                         <a:t>正規表現に一致する</a:t>
                       </a:r>
-                      <a:endParaRPr kumimoji="1" lang="ja-JP" altLang="en-US" sz="1050" dirty="0"/>
                     </a:p>
                   </a:txBody>
                   <a:tcPr anchor="ctr">
@@ -7253,7 +6951,6 @@
             </a:solidFill>
           </a:ln>
           <a:effectLst/>
-          <a:extLst/>
         </p:spPr>
         <p:txBody>
           <a:bodyPr rot="0" spcFirstLastPara="0" vertOverflow="overflow" horzOverflow="overflow" vert="horz" wrap="none" lIns="72000" tIns="72000" rIns="72000" bIns="72000" numCol="1" spcCol="0" rtlCol="0" fromWordArt="0" anchor="ctr" anchorCtr="0" forceAA="0" compatLnSpc="1">
@@ -7265,7 +6962,7 @@
           <a:lstStyle/>
           <a:p>
             <a:pPr algn="ctr"/>
-            <a:endParaRPr kumimoji="1" lang="ja-JP" altLang="en-US" b="1" dirty="0" smtClean="0">
+            <a:endParaRPr kumimoji="1" lang="ja-JP" altLang="en-US" b="1" dirty="0">
               <a:latin typeface="+mn-ea"/>
             </a:endParaRPr>
           </a:p>
@@ -7515,15 +7212,15 @@
                     <a:p>
                       <a:pPr algn="ctr"/>
                       <a:r>
-                        <a:rPr kumimoji="1" lang="en-US" altLang="ja-JP" sz="1100" dirty="0" smtClean="0"/>
+                        <a:rPr kumimoji="1" lang="en-US" altLang="ja-JP" sz="1100" dirty="0"/>
                         <a:t>^.*WARNING.*$</a:t>
                       </a:r>
                       <a:r>
-                        <a:rPr kumimoji="1" lang="ja-JP" altLang="en-US" sz="1100" dirty="0" smtClean="0"/>
+                        <a:rPr kumimoji="1" lang="ja-JP" altLang="en-US" sz="1100" dirty="0"/>
                         <a:t>：</a:t>
                       </a:r>
                       <a:r>
-                        <a:rPr kumimoji="1" lang="en-US" altLang="ja-JP" sz="1100" dirty="0" smtClean="0"/>
+                        <a:rPr kumimoji="1" lang="en-US" altLang="ja-JP" sz="1100" dirty="0"/>
                         <a:t>mail</a:t>
                       </a:r>
                     </a:p>
@@ -7615,7 +7312,6 @@
             </a:solidFill>
           </a:ln>
           <a:effectLst/>
-          <a:extLst/>
         </p:spPr>
         <p:txBody>
           <a:bodyPr rot="0" spcFirstLastPara="0" vertOverflow="overflow" horzOverflow="overflow" vert="horz" wrap="none" lIns="72000" tIns="72000" rIns="72000" bIns="72000" numCol="1" spcCol="0" rtlCol="0" fromWordArt="0" anchor="ctr" anchorCtr="0" forceAA="0" compatLnSpc="1">
@@ -7627,7 +7323,7 @@
           <a:lstStyle/>
           <a:p>
             <a:pPr algn="ctr"/>
-            <a:endParaRPr kumimoji="1" lang="ja-JP" altLang="en-US" b="1" dirty="0" smtClean="0">
+            <a:endParaRPr kumimoji="1" lang="ja-JP" altLang="en-US" b="1" dirty="0">
               <a:latin typeface="+mn-ea"/>
             </a:endParaRPr>
           </a:p>
@@ -7662,7 +7358,6 @@
             </a:solidFill>
           </a:ln>
           <a:effectLst/>
-          <a:extLst/>
         </p:spPr>
         <p:txBody>
           <a:bodyPr rot="0" spcFirstLastPara="0" vertOverflow="overflow" horzOverflow="overflow" vert="horz" wrap="none" lIns="72000" tIns="72000" rIns="72000" bIns="72000" numCol="1" spcCol="0" rtlCol="0" fromWordArt="0" anchor="ctr" anchorCtr="0" forceAA="0" compatLnSpc="1">
@@ -7674,7 +7369,7 @@
           <a:lstStyle/>
           <a:p>
             <a:pPr algn="ctr"/>
-            <a:endParaRPr kumimoji="1" lang="ja-JP" altLang="en-US" b="1" dirty="0" smtClean="0">
+            <a:endParaRPr kumimoji="1" lang="ja-JP" altLang="en-US" b="1" dirty="0">
               <a:latin typeface="+mn-ea"/>
             </a:endParaRPr>
           </a:p>
@@ -7703,7 +7398,6 @@
             </a:solidFill>
           </a:ln>
           <a:effectLst/>
-          <a:extLst/>
         </p:spPr>
         <p:txBody>
           <a:bodyPr rot="0" spcFirstLastPara="0" vertOverflow="overflow" horzOverflow="overflow" vert="horz" wrap="none" lIns="72000" tIns="72000" rIns="72000" bIns="72000" numCol="1" spcCol="0" rtlCol="0" fromWordArt="0" anchor="t" anchorCtr="0" forceAA="0" compatLnSpc="1">
@@ -7715,7 +7409,7 @@
           <a:lstStyle/>
           <a:p>
             <a:r>
-              <a:rPr lang="en-US" altLang="ja-JP" sz="1200" b="1" dirty="0" smtClean="0">
+              <a:rPr lang="en-US" altLang="ja-JP" sz="1200" b="1" dirty="0">
                 <a:solidFill>
                   <a:schemeClr val="bg1"/>
                 </a:solidFill>
@@ -7724,7 +7418,7 @@
               <a:t>01:01:10</a:t>
             </a:r>
             <a:r>
-              <a:rPr lang="ja-JP" altLang="en-US" sz="1200" b="1" dirty="0" smtClean="0">
+              <a:rPr lang="ja-JP" altLang="en-US" sz="1200" b="1" dirty="0">
                 <a:solidFill>
                   <a:schemeClr val="bg1"/>
                 </a:solidFill>
@@ -7733,7 +7427,7 @@
               <a:t> </a:t>
             </a:r>
             <a:r>
-              <a:rPr lang="en-US" altLang="ja-JP" sz="1200" b="1" dirty="0" smtClean="0">
+              <a:rPr lang="en-US" altLang="ja-JP" sz="1200" b="1" dirty="0">
                 <a:solidFill>
                   <a:schemeClr val="bg1"/>
                 </a:solidFill>
@@ -7744,7 +7438,7 @@
           </a:p>
           <a:p>
             <a:r>
-              <a:rPr lang="en-US" altLang="ja-JP" sz="1200" b="1" dirty="0" smtClean="0">
+              <a:rPr lang="en-US" altLang="ja-JP" sz="1200" b="1" dirty="0">
                 <a:solidFill>
                   <a:schemeClr val="bg1"/>
                 </a:solidFill>
@@ -7753,7 +7447,7 @@
               <a:t>01:01:20</a:t>
             </a:r>
             <a:r>
-              <a:rPr lang="ja-JP" altLang="en-US" sz="1200" b="1" dirty="0" smtClean="0">
+              <a:rPr lang="ja-JP" altLang="en-US" sz="1200" b="1" dirty="0">
                 <a:solidFill>
                   <a:schemeClr val="bg1"/>
                 </a:solidFill>
@@ -7773,7 +7467,7 @@
           </a:p>
           <a:p>
             <a:r>
-              <a:rPr lang="en-US" altLang="ja-JP" sz="1200" b="1" dirty="0" smtClean="0">
+              <a:rPr lang="en-US" altLang="ja-JP" sz="1200" b="1" dirty="0">
                 <a:solidFill>
                   <a:schemeClr val="bg1"/>
                 </a:solidFill>
@@ -7782,7 +7476,7 @@
               <a:t>01:01:30</a:t>
             </a:r>
             <a:r>
-              <a:rPr lang="ja-JP" altLang="en-US" sz="1200" b="1" dirty="0" smtClean="0">
+              <a:rPr lang="ja-JP" altLang="en-US" sz="1200" b="1" dirty="0">
                 <a:solidFill>
                   <a:schemeClr val="bg1"/>
                 </a:solidFill>
@@ -7802,7 +7496,7 @@
           </a:p>
           <a:p>
             <a:r>
-              <a:rPr lang="en-US" altLang="ja-JP" sz="1200" b="1" dirty="0" smtClean="0">
+              <a:rPr lang="en-US" altLang="ja-JP" sz="1200" b="1" dirty="0">
                 <a:solidFill>
                   <a:schemeClr val="bg1"/>
                 </a:solidFill>
@@ -7811,7 +7505,7 @@
               <a:t>01:01:40</a:t>
             </a:r>
             <a:r>
-              <a:rPr lang="ja-JP" altLang="en-US" sz="1200" b="1" dirty="0" smtClean="0">
+              <a:rPr lang="ja-JP" altLang="en-US" sz="1200" b="1" dirty="0">
                 <a:solidFill>
                   <a:schemeClr val="bg1"/>
                 </a:solidFill>
@@ -7820,7 +7514,7 @@
               <a:t> </a:t>
             </a:r>
             <a:r>
-              <a:rPr lang="en-US" altLang="ja-JP" sz="1200" b="1" dirty="0" smtClean="0">
+              <a:rPr lang="en-US" altLang="ja-JP" sz="1200" b="1" dirty="0">
                 <a:solidFill>
                   <a:schemeClr val="bg1"/>
                 </a:solidFill>
@@ -7831,7 +7525,7 @@
           </a:p>
           <a:p>
             <a:r>
-              <a:rPr lang="ja-JP" altLang="en-US" sz="1200" b="1" dirty="0" smtClean="0">
+              <a:rPr lang="ja-JP" altLang="en-US" sz="1200" b="1" dirty="0">
                 <a:solidFill>
                   <a:schemeClr val="bg1"/>
                 </a:solidFill>
@@ -7847,7 +7541,7 @@
             </a:endParaRPr>
           </a:p>
           <a:p>
-            <a:endParaRPr lang="en-US" altLang="ja-JP" sz="1200" b="1" dirty="0" smtClean="0">
+            <a:endParaRPr lang="en-US" altLang="ja-JP" sz="1200" b="1" dirty="0">
               <a:solidFill>
                 <a:schemeClr val="bg1"/>
               </a:solidFill>
@@ -7855,7 +7549,7 @@
             </a:endParaRPr>
           </a:p>
           <a:p>
-            <a:endParaRPr lang="en-US" altLang="ja-JP" sz="1200" b="1" dirty="0" smtClean="0">
+            <a:endParaRPr lang="en-US" altLang="ja-JP" sz="1200" b="1" dirty="0">
               <a:solidFill>
                 <a:schemeClr val="bg1"/>
               </a:solidFill>
@@ -7885,7 +7579,6 @@
             </a:solidFill>
           </a:ln>
           <a:effectLst/>
-          <a:extLst/>
         </p:spPr>
         <p:txBody>
           <a:bodyPr rot="0" spcFirstLastPara="0" vertOverflow="overflow" horzOverflow="overflow" vert="horz" wrap="none" lIns="72000" tIns="72000" rIns="72000" bIns="72000" numCol="1" spcCol="0" rtlCol="0" fromWordArt="0" anchor="ctr" anchorCtr="0" forceAA="0" compatLnSpc="1">
@@ -7897,7 +7590,7 @@
           <a:lstStyle/>
           <a:p>
             <a:pPr algn="ctr"/>
-            <a:endParaRPr kumimoji="1" lang="ja-JP" altLang="en-US" sz="1200" b="1" dirty="0" smtClean="0">
+            <a:endParaRPr kumimoji="1" lang="ja-JP" altLang="en-US" sz="1200" b="1" dirty="0">
               <a:solidFill>
                 <a:srgbClr val="FF0000"/>
               </a:solidFill>
@@ -8005,7 +7698,6 @@
             <a:noFill/>
           </a:ln>
           <a:effectLst/>
-          <a:extLst/>
         </p:spPr>
         <p:txBody>
           <a:bodyPr rot="0" spcFirstLastPara="0" vertOverflow="overflow" horzOverflow="overflow" vert="horz" wrap="square" lIns="72000" tIns="72000" rIns="72000" bIns="72000" numCol="1" spcCol="0" rtlCol="0" fromWordArt="0" anchor="ctr" anchorCtr="0" forceAA="0" compatLnSpc="1">
@@ -8017,7 +7709,7 @@
           <a:lstStyle/>
           <a:p>
             <a:pPr algn="ctr"/>
-            <a:endParaRPr kumimoji="1" lang="ja-JP" altLang="en-US" b="1" dirty="0" smtClean="0">
+            <a:endParaRPr kumimoji="1" lang="ja-JP" altLang="en-US" b="1" dirty="0">
               <a:latin typeface="+mn-ea"/>
             </a:endParaRPr>
           </a:p>
@@ -8069,18 +7761,17 @@
           <a:lstStyle/>
           <a:p>
             <a:r>
-              <a:rPr lang="en-US" altLang="ja-JP" dirty="0" smtClean="0"/>
+              <a:rPr lang="en-US" altLang="ja-JP" dirty="0"/>
               <a:t>2.3</a:t>
             </a:r>
             <a:r>
-              <a:rPr lang="ja-JP" altLang="en-US" dirty="0" smtClean="0"/>
+              <a:rPr lang="ja-JP" altLang="en-US" dirty="0"/>
               <a:t> モニタリング</a:t>
             </a:r>
             <a:r>
-              <a:rPr kumimoji="1" lang="ja-JP" altLang="en-US" dirty="0" smtClean="0"/>
+              <a:rPr kumimoji="1" lang="ja-JP" altLang="en-US" dirty="0"/>
               <a:t>の設定</a:t>
             </a:r>
-            <a:endParaRPr kumimoji="1" lang="ja-JP" altLang="en-US" dirty="0"/>
           </a:p>
         </p:txBody>
       </p:sp>
@@ -8100,66 +7791,49 @@
           <a:lstStyle/>
           <a:p>
             <a:r>
-              <a:rPr lang="en-US" altLang="ja-JP" dirty="0" smtClean="0"/>
+              <a:rPr lang="en-US" altLang="ja-JP" dirty="0"/>
               <a:t>Zabbix</a:t>
             </a:r>
             <a:r>
-              <a:rPr lang="ja-JP" altLang="en-US" dirty="0" smtClean="0"/>
+              <a:rPr lang="ja-JP" altLang="en-US" dirty="0"/>
               <a:t>の設定</a:t>
             </a:r>
-            <a:endParaRPr lang="ja-JP" altLang="en-US" dirty="0"/>
           </a:p>
           <a:p>
             <a:pPr lvl="1"/>
-            <a:endParaRPr lang="en-US" altLang="ja-JP" dirty="0" smtClean="0"/>
+            <a:endParaRPr lang="en-US" altLang="ja-JP" dirty="0"/>
           </a:p>
           <a:p>
             <a:pPr lvl="1"/>
             <a:r>
-              <a:rPr lang="ja-JP" altLang="en-US" dirty="0" smtClean="0"/>
-              <a:t>ホスト</a:t>
-            </a:r>
-            <a:r>
               <a:rPr lang="ja-JP" altLang="en-US" dirty="0"/>
-              <a:t>の登録（監視</a:t>
-            </a:r>
-            <a:r>
-              <a:rPr lang="ja-JP" altLang="en-US" dirty="0" smtClean="0"/>
-              <a:t>対象となる端末</a:t>
-            </a:r>
+              <a:t>ホストの登録（監視対象となる端末の情報を登録する）</a:t>
+            </a:r>
+            <a:endParaRPr lang="en-US" altLang="ja-JP" dirty="0"/>
+          </a:p>
+          <a:p>
+            <a:pPr lvl="2"/>
             <a:r>
               <a:rPr lang="ja-JP" altLang="en-US" dirty="0"/>
-              <a:t>の情報を登録する</a:t>
-            </a:r>
-            <a:r>
-              <a:rPr lang="ja-JP" altLang="en-US" dirty="0" smtClean="0"/>
-              <a:t>）</a:t>
-            </a:r>
-            <a:endParaRPr lang="en-US" altLang="ja-JP" dirty="0" smtClean="0"/>
-          </a:p>
-          <a:p>
-            <a:pPr lvl="2"/>
-            <a:r>
-              <a:rPr lang="ja-JP" altLang="en-US" dirty="0" smtClean="0"/>
               <a:t>「</a:t>
             </a:r>
             <a:r>
-              <a:rPr lang="en-US" altLang="ja-JP" dirty="0" smtClean="0"/>
+              <a:rPr lang="en-US" altLang="ja-JP" dirty="0"/>
               <a:t>Zabbix</a:t>
             </a:r>
             <a:r>
-              <a:rPr lang="ja-JP" altLang="en-US" dirty="0" smtClean="0"/>
+              <a:rPr lang="ja-JP" altLang="en-US" dirty="0"/>
               <a:t> </a:t>
             </a:r>
             <a:r>
-              <a:rPr lang="en-US" altLang="ja-JP" dirty="0" smtClean="0"/>
+              <a:rPr lang="en-US" altLang="ja-JP" dirty="0"/>
               <a:t>server</a:t>
             </a:r>
             <a:r>
-              <a:rPr lang="ja-JP" altLang="en-US" dirty="0" smtClean="0"/>
+              <a:rPr lang="ja-JP" altLang="en-US" dirty="0"/>
               <a:t>」をホストとする</a:t>
             </a:r>
-            <a:endParaRPr lang="en-US" altLang="ja-JP" dirty="0" smtClean="0"/>
+            <a:endParaRPr lang="en-US" altLang="ja-JP" dirty="0"/>
           </a:p>
           <a:p>
             <a:pPr lvl="2"/>
@@ -8169,26 +7843,14 @@
             <a:pPr lvl="1"/>
             <a:r>
               <a:rPr lang="ja-JP" altLang="en-US" dirty="0"/>
-              <a:t>アイテムの登録（検知対象となる</a:t>
-            </a:r>
-            <a:r>
-              <a:rPr lang="ja-JP" altLang="en-US" dirty="0" smtClean="0"/>
-              <a:t>ログの情報</a:t>
-            </a:r>
+              <a:t>アイテムの登録（検知対象となるログの情報を登録する）</a:t>
+            </a:r>
+            <a:endParaRPr lang="en-US" altLang="ja-JP" dirty="0"/>
+          </a:p>
+          <a:p>
+            <a:pPr lvl="2"/>
             <a:r>
               <a:rPr lang="ja-JP" altLang="en-US" dirty="0"/>
-              <a:t>を登録する</a:t>
-            </a:r>
-            <a:r>
-              <a:rPr lang="ja-JP" altLang="en-US" dirty="0" smtClean="0"/>
-              <a:t>）</a:t>
-            </a:r>
-            <a:endParaRPr lang="en-US" altLang="ja-JP" dirty="0" smtClean="0"/>
-          </a:p>
-          <a:p>
-            <a:pPr lvl="2"/>
-            <a:r>
-              <a:rPr lang="ja-JP" altLang="en-US" dirty="0" smtClean="0"/>
               <a:t>「</a:t>
             </a:r>
             <a:r>
@@ -8196,78 +7858,69 @@
               <a:t>/</a:t>
             </a:r>
             <a:r>
-              <a:rPr lang="en-US" altLang="ja-JP" dirty="0" err="1" smtClean="0"/>
+              <a:rPr lang="en-US" altLang="ja-JP" dirty="0" err="1"/>
               <a:t>var</a:t>
             </a:r>
             <a:r>
-              <a:rPr lang="en-US" altLang="ja-JP" dirty="0" smtClean="0"/>
+              <a:rPr lang="en-US" altLang="ja-JP" dirty="0"/>
               <a:t>/log/</a:t>
             </a:r>
             <a:r>
-              <a:rPr lang="en-US" altLang="ja-JP" dirty="0" err="1" smtClean="0"/>
+              <a:rPr lang="en-US" altLang="ja-JP" dirty="0" err="1"/>
               <a:t>test_logs</a:t>
             </a:r>
             <a:r>
-              <a:rPr lang="en-US" altLang="ja-JP" dirty="0" smtClean="0"/>
+              <a:rPr lang="en-US" altLang="ja-JP" dirty="0"/>
               <a:t>/test.log</a:t>
             </a:r>
             <a:r>
-              <a:rPr lang="ja-JP" altLang="en-US" dirty="0" smtClean="0"/>
+              <a:rPr lang="ja-JP" altLang="en-US" dirty="0"/>
               <a:t>」を対象として登録する</a:t>
             </a:r>
-            <a:endParaRPr lang="en-US" altLang="ja-JP" dirty="0" smtClean="0"/>
+            <a:endParaRPr lang="en-US" altLang="ja-JP" dirty="0"/>
           </a:p>
           <a:p>
             <a:pPr lvl="2"/>
-            <a:endParaRPr lang="en-US" altLang="ja-JP" dirty="0" smtClean="0"/>
+            <a:endParaRPr lang="en-US" altLang="ja-JP" dirty="0"/>
           </a:p>
           <a:p>
             <a:pPr lvl="1"/>
             <a:r>
-              <a:rPr lang="ja-JP" altLang="en-US" dirty="0" smtClean="0"/>
-              <a:t>トリガー</a:t>
-            </a:r>
-            <a:r>
               <a:rPr lang="ja-JP" altLang="en-US" dirty="0"/>
-              <a:t>の登録（アラート発砲の条件を登録</a:t>
-            </a:r>
-            <a:r>
-              <a:rPr lang="ja-JP" altLang="en-US" dirty="0" smtClean="0"/>
-              <a:t>する） </a:t>
+              <a:t>トリガーの登録（アラート発砲の条件を登録する） </a:t>
             </a:r>
             <a:endParaRPr lang="en-US" altLang="ja-JP" dirty="0"/>
           </a:p>
           <a:p>
             <a:pPr lvl="2"/>
             <a:r>
-              <a:rPr lang="ja-JP" altLang="en-US" dirty="0" smtClean="0"/>
+              <a:rPr lang="ja-JP" altLang="en-US" dirty="0"/>
               <a:t>トリガー（</a:t>
             </a:r>
             <a:r>
-              <a:rPr lang="en-US" altLang="ja-JP" dirty="0" smtClean="0"/>
+              <a:rPr lang="en-US" altLang="ja-JP" dirty="0"/>
               <a:t>Zabbix</a:t>
             </a:r>
             <a:r>
-              <a:rPr lang="ja-JP" altLang="en-US" dirty="0" smtClean="0"/>
+              <a:rPr lang="ja-JP" altLang="en-US" dirty="0"/>
               <a:t>のダッシュボードに表示される「</a:t>
             </a:r>
             <a:r>
-              <a:rPr lang="en-US" altLang="ja-JP" dirty="0" smtClean="0"/>
+              <a:rPr lang="en-US" altLang="ja-JP" dirty="0"/>
               <a:t>WARNING</a:t>
             </a:r>
             <a:r>
-              <a:rPr lang="ja-JP" altLang="en-US" dirty="0" smtClean="0"/>
+              <a:rPr lang="ja-JP" altLang="en-US" dirty="0"/>
               <a:t> </a:t>
             </a:r>
             <a:r>
-              <a:rPr lang="en-US" altLang="ja-JP" dirty="0" smtClean="0"/>
+              <a:rPr lang="en-US" altLang="ja-JP" dirty="0"/>
               <a:t>alert</a:t>
             </a:r>
             <a:r>
-              <a:rPr lang="ja-JP" altLang="en-US" dirty="0" smtClean="0"/>
+              <a:rPr lang="ja-JP" altLang="en-US" dirty="0"/>
               <a:t>」）を作成する</a:t>
             </a:r>
-            <a:endParaRPr lang="ja-JP" altLang="en-US" dirty="0"/>
           </a:p>
           <a:p>
             <a:endParaRPr kumimoji="1" lang="ja-JP" altLang="en-US" dirty="0"/>
@@ -8343,18 +7996,13 @@
                     <a:p>
                       <a:pPr algn="ctr"/>
                       <a:r>
-                        <a:rPr kumimoji="1" lang="ja-JP" altLang="en-US" sz="1400" b="1" dirty="0" smtClean="0">
+                        <a:rPr kumimoji="1" lang="ja-JP" altLang="en-US" sz="1400" b="1" dirty="0">
                           <a:solidFill>
                             <a:schemeClr val="bg1"/>
                           </a:solidFill>
                         </a:rPr>
                         <a:t>フロー</a:t>
                       </a:r>
-                      <a:endParaRPr kumimoji="1" lang="ja-JP" altLang="en-US" sz="1400" b="1" dirty="0">
-                        <a:solidFill>
-                          <a:schemeClr val="bg1"/>
-                        </a:solidFill>
-                      </a:endParaRPr>
                     </a:p>
                   </a:txBody>
                   <a:tcPr anchor="ctr">
@@ -8370,18 +8018,13 @@
                     <a:p>
                       <a:pPr algn="ctr"/>
                       <a:r>
-                        <a:rPr kumimoji="1" lang="ja-JP" altLang="en-US" sz="1400" b="1" dirty="0" smtClean="0">
+                        <a:rPr kumimoji="1" lang="ja-JP" altLang="en-US" sz="1400" b="1" dirty="0">
                           <a:solidFill>
                             <a:schemeClr val="bg1"/>
                           </a:solidFill>
                         </a:rPr>
                         <a:t>監視対象</a:t>
                       </a:r>
-                      <a:endParaRPr kumimoji="1" lang="ja-JP" altLang="en-US" sz="1400" b="1" dirty="0">
-                        <a:solidFill>
-                          <a:schemeClr val="bg1"/>
-                        </a:solidFill>
-                      </a:endParaRPr>
                     </a:p>
                   </a:txBody>
                   <a:tcPr anchor="ctr">
@@ -8397,18 +8040,13 @@
                     <a:p>
                       <a:pPr algn="ctr"/>
                       <a:r>
-                        <a:rPr kumimoji="1" lang="ja-JP" altLang="en-US" sz="1400" b="1" dirty="0" smtClean="0">
+                        <a:rPr kumimoji="1" lang="ja-JP" altLang="en-US" sz="1400" b="1" dirty="0">
                           <a:solidFill>
                             <a:schemeClr val="bg1"/>
                           </a:solidFill>
                         </a:rPr>
                         <a:t>モニタリング</a:t>
                       </a:r>
-                      <a:endParaRPr kumimoji="1" lang="ja-JP" altLang="en-US" sz="1400" b="1" dirty="0">
-                        <a:solidFill>
-                          <a:schemeClr val="bg1"/>
-                        </a:solidFill>
-                      </a:endParaRPr>
                     </a:p>
                   </a:txBody>
                   <a:tcPr anchor="ctr">
@@ -8424,18 +8062,13 @@
                     <a:p>
                       <a:pPr algn="ctr"/>
                       <a:r>
-                        <a:rPr kumimoji="1" lang="ja-JP" altLang="en-US" sz="1400" b="1" dirty="0" smtClean="0">
+                        <a:rPr kumimoji="1" lang="ja-JP" altLang="en-US" sz="1400" b="1" dirty="0">
                           <a:solidFill>
                             <a:schemeClr val="bg1"/>
                           </a:solidFill>
                         </a:rPr>
                         <a:t>ルールマッチング</a:t>
                       </a:r>
-                      <a:endParaRPr kumimoji="1" lang="ja-JP" altLang="en-US" sz="1400" b="1" dirty="0">
-                        <a:solidFill>
-                          <a:schemeClr val="bg1"/>
-                        </a:solidFill>
-                      </a:endParaRPr>
                     </a:p>
                   </a:txBody>
                   <a:tcPr anchor="ctr">
@@ -8451,18 +8084,13 @@
                     <a:p>
                       <a:pPr algn="ctr"/>
                       <a:r>
-                        <a:rPr kumimoji="1" lang="ja-JP" altLang="en-US" sz="1400" b="1" dirty="0" smtClean="0">
+                        <a:rPr kumimoji="1" lang="ja-JP" altLang="en-US" sz="1400" b="1" dirty="0">
                           <a:solidFill>
                             <a:schemeClr val="bg1"/>
                           </a:solidFill>
                         </a:rPr>
                         <a:t>アクション</a:t>
                       </a:r>
-                      <a:endParaRPr kumimoji="1" lang="ja-JP" altLang="en-US" sz="1400" b="1" dirty="0">
-                        <a:solidFill>
-                          <a:schemeClr val="bg1"/>
-                        </a:solidFill>
-                      </a:endParaRPr>
                     </a:p>
                   </a:txBody>
                   <a:tcPr anchor="ctr">
@@ -8485,18 +8113,13 @@
                     <a:p>
                       <a:pPr algn="ctr"/>
                       <a:r>
-                        <a:rPr kumimoji="1" lang="ja-JP" altLang="en-US" sz="1400" b="1" dirty="0" smtClean="0">
+                        <a:rPr kumimoji="1" lang="ja-JP" altLang="en-US" sz="1400" b="1" dirty="0">
                           <a:solidFill>
                             <a:schemeClr val="bg1"/>
                           </a:solidFill>
                         </a:rPr>
                         <a:t>イメージ</a:t>
                       </a:r>
-                      <a:endParaRPr kumimoji="1" lang="ja-JP" altLang="en-US" sz="1400" b="1" dirty="0">
-                        <a:solidFill>
-                          <a:schemeClr val="bg1"/>
-                        </a:solidFill>
-                      </a:endParaRPr>
                     </a:p>
                   </a:txBody>
                   <a:tcPr anchor="ctr">
@@ -8604,7 +8227,6 @@
             <a:noFill/>
           </a:ln>
           <a:effectLst/>
-          <a:extLst/>
         </p:spPr>
         <p:txBody>
           <a:bodyPr rot="0" spcFirstLastPara="0" vertOverflow="overflow" horzOverflow="overflow" vert="horz" wrap="none" lIns="72000" tIns="72000" rIns="72000" bIns="72000" numCol="1" spcCol="0" rtlCol="0" fromWordArt="0" anchor="t" anchorCtr="0" forceAA="0" compatLnSpc="1">
@@ -8616,7 +8238,7 @@
           <a:lstStyle/>
           <a:p>
             <a:r>
-              <a:rPr lang="ja-JP" altLang="en-US" sz="1400" b="1" dirty="0" smtClean="0">
+              <a:rPr lang="ja-JP" altLang="en-US" sz="1400" b="1" dirty="0">
                 <a:solidFill>
                   <a:srgbClr val="002060"/>
                 </a:solidFill>
@@ -8624,7 +8246,7 @@
               </a:rPr>
               <a:t>メールドライバ</a:t>
             </a:r>
-            <a:endParaRPr kumimoji="1" lang="ja-JP" altLang="en-US" sz="1400" b="1" dirty="0" smtClean="0">
+            <a:endParaRPr kumimoji="1" lang="ja-JP" altLang="en-US" sz="1400" b="1" dirty="0">
               <a:solidFill>
                 <a:srgbClr val="002060"/>
               </a:solidFill>
@@ -8654,7 +8276,6 @@
             <a:noFill/>
           </a:ln>
           <a:effectLst/>
-          <a:extLst/>
         </p:spPr>
         <p:txBody>
           <a:bodyPr rot="0" spcFirstLastPara="0" vertOverflow="overflow" horzOverflow="overflow" vert="horz" wrap="none" lIns="72000" tIns="72000" rIns="72000" bIns="72000" numCol="1" spcCol="0" rtlCol="0" fromWordArt="0" anchor="t" anchorCtr="0" forceAA="0" compatLnSpc="1">
@@ -8666,7 +8287,7 @@
           <a:lstStyle/>
           <a:p>
             <a:r>
-              <a:rPr lang="ja-JP" altLang="en-US" sz="1400" b="1" dirty="0" smtClean="0">
+              <a:rPr lang="ja-JP" altLang="en-US" sz="1400" b="1" dirty="0">
                 <a:solidFill>
                   <a:srgbClr val="002060"/>
                 </a:solidFill>
@@ -8674,7 +8295,7 @@
               </a:rPr>
               <a:t>ディシジョンテーブルと</a:t>
             </a:r>
-            <a:endParaRPr lang="en-US" altLang="ja-JP" sz="1400" b="1" dirty="0" smtClean="0">
+            <a:endParaRPr lang="en-US" altLang="ja-JP" sz="1400" b="1" dirty="0">
               <a:solidFill>
                 <a:srgbClr val="002060"/>
               </a:solidFill>
@@ -8683,7 +8304,7 @@
           </a:p>
           <a:p>
             <a:r>
-              <a:rPr kumimoji="1" lang="ja-JP" altLang="en-US" sz="1400" b="1" dirty="0" smtClean="0">
+              <a:rPr kumimoji="1" lang="ja-JP" altLang="en-US" sz="1400" b="1" dirty="0">
                 <a:solidFill>
                   <a:srgbClr val="002060"/>
                 </a:solidFill>
@@ -8739,7 +8360,6 @@
             <a:noFill/>
           </a:ln>
           <a:effectLst/>
-          <a:extLst/>
         </p:spPr>
         <p:txBody>
           <a:bodyPr rot="0" spcFirstLastPara="0" vertOverflow="overflow" horzOverflow="overflow" vert="horz" wrap="none" lIns="72000" tIns="72000" rIns="72000" bIns="72000" numCol="1" spcCol="0" rtlCol="0" fromWordArt="0" anchor="t" anchorCtr="0" forceAA="0" compatLnSpc="1">
@@ -8751,7 +8371,7 @@
           <a:lstStyle/>
           <a:p>
             <a:r>
-              <a:rPr lang="en-US" altLang="ja-JP" sz="1400" b="1" dirty="0" smtClean="0">
+              <a:rPr lang="en-US" altLang="ja-JP" sz="1400" b="1" dirty="0">
                 <a:solidFill>
                   <a:srgbClr val="002060"/>
                 </a:solidFill>
@@ -8760,7 +8380,7 @@
               <a:t>Zabbix</a:t>
             </a:r>
             <a:r>
-              <a:rPr lang="ja-JP" altLang="en-US" sz="1400" b="1" dirty="0" smtClean="0">
+              <a:rPr lang="ja-JP" altLang="en-US" sz="1400" b="1" dirty="0">
                 <a:solidFill>
                   <a:srgbClr val="002060"/>
                 </a:solidFill>
@@ -8769,7 +8389,7 @@
               <a:t> </a:t>
             </a:r>
             <a:r>
-              <a:rPr lang="en-US" altLang="ja-JP" sz="1400" b="1" dirty="0" smtClean="0">
+              <a:rPr lang="en-US" altLang="ja-JP" sz="1400" b="1" dirty="0">
                 <a:solidFill>
                   <a:srgbClr val="002060"/>
                 </a:solidFill>
@@ -8777,7 +8397,7 @@
               </a:rPr>
               <a:t>Dashboard</a:t>
             </a:r>
-            <a:endParaRPr kumimoji="1" lang="ja-JP" altLang="en-US" sz="1400" b="1" dirty="0" smtClean="0">
+            <a:endParaRPr kumimoji="1" lang="ja-JP" altLang="en-US" sz="1400" b="1" dirty="0">
               <a:solidFill>
                 <a:srgbClr val="002060"/>
               </a:solidFill>
@@ -8807,7 +8427,6 @@
             <a:noFill/>
           </a:ln>
           <a:effectLst/>
-          <a:extLst/>
         </p:spPr>
         <p:txBody>
           <a:bodyPr rot="0" spcFirstLastPara="0" vertOverflow="overflow" horzOverflow="overflow" vert="horz" wrap="none" lIns="72000" tIns="72000" rIns="72000" bIns="72000" numCol="1" spcCol="0" rtlCol="0" fromWordArt="0" anchor="t" anchorCtr="0" forceAA="0" compatLnSpc="1">
@@ -8819,7 +8438,7 @@
           <a:lstStyle/>
           <a:p>
             <a:r>
-              <a:rPr lang="ja-JP" altLang="en-US" sz="1400" b="1" dirty="0" smtClean="0">
+              <a:rPr lang="ja-JP" altLang="en-US" sz="1400" b="1" dirty="0">
                 <a:solidFill>
                   <a:srgbClr val="002060"/>
                 </a:solidFill>
@@ -8827,7 +8446,7 @@
               </a:rPr>
               <a:t>サーバ　ログファイル</a:t>
             </a:r>
-            <a:endParaRPr kumimoji="1" lang="ja-JP" altLang="en-US" sz="1400" b="1" dirty="0" smtClean="0">
+            <a:endParaRPr kumimoji="1" lang="ja-JP" altLang="en-US" sz="1400" b="1" dirty="0">
               <a:solidFill>
                 <a:srgbClr val="002060"/>
               </a:solidFill>
@@ -8857,7 +8476,6 @@
             </a:solidFill>
           </a:ln>
           <a:effectLst/>
-          <a:extLst/>
         </p:spPr>
         <p:txBody>
           <a:bodyPr rot="0" spcFirstLastPara="0" vertOverflow="overflow" horzOverflow="overflow" vert="horz" wrap="none" lIns="72000" tIns="72000" rIns="72000" bIns="72000" numCol="1" spcCol="0" rtlCol="0" fromWordArt="0" anchor="ctr" anchorCtr="0" forceAA="0" compatLnSpc="1">
@@ -8869,7 +8487,7 @@
           <a:lstStyle/>
           <a:p>
             <a:pPr algn="ctr"/>
-            <a:endParaRPr kumimoji="1" lang="ja-JP" altLang="en-US" b="1" dirty="0" smtClean="0">
+            <a:endParaRPr kumimoji="1" lang="ja-JP" altLang="en-US" b="1" dirty="0">
               <a:latin typeface="+mn-ea"/>
             </a:endParaRPr>
           </a:p>
@@ -9139,15 +8757,15 @@
                     <a:lstStyle/>
                     <a:p>
                       <a:r>
-                        <a:rPr kumimoji="1" lang="en-US" altLang="ja-JP" sz="1050" dirty="0" smtClean="0"/>
+                        <a:rPr kumimoji="1" lang="en-US" altLang="ja-JP" sz="1050" dirty="0"/>
                         <a:t>WARNING</a:t>
                       </a:r>
                       <a:r>
-                        <a:rPr kumimoji="1" lang="ja-JP" altLang="en-US" sz="1050" dirty="0" smtClean="0"/>
+                        <a:rPr kumimoji="1" lang="ja-JP" altLang="en-US" sz="1050" dirty="0"/>
                         <a:t> </a:t>
                       </a:r>
                       <a:r>
-                        <a:rPr kumimoji="1" lang="en-US" altLang="ja-JP" sz="1050" dirty="0" smtClean="0"/>
+                        <a:rPr kumimoji="1" lang="en-US" altLang="ja-JP" sz="1050" dirty="0"/>
                         <a:t>alert</a:t>
                       </a:r>
                       <a:endParaRPr kumimoji="1" lang="ja-JP" altLang="en-US" sz="1050" dirty="0"/>
@@ -9298,15 +8916,15 @@
                     <a:lstStyle/>
                     <a:p>
                       <a:r>
-                        <a:rPr kumimoji="1" lang="en-US" altLang="ja-JP" sz="1050" dirty="0" smtClean="0"/>
+                        <a:rPr kumimoji="1" lang="en-US" altLang="ja-JP" sz="1050" dirty="0"/>
                         <a:t>Error</a:t>
                       </a:r>
                       <a:r>
-                        <a:rPr kumimoji="1" lang="ja-JP" altLang="en-US" sz="1050" dirty="0" smtClean="0"/>
+                        <a:rPr kumimoji="1" lang="ja-JP" altLang="en-US" sz="1050" dirty="0"/>
                         <a:t> </a:t>
                       </a:r>
                       <a:r>
-                        <a:rPr kumimoji="1" lang="en-US" altLang="ja-JP" sz="1050" dirty="0" smtClean="0"/>
+                        <a:rPr kumimoji="1" lang="en-US" altLang="ja-JP" sz="1050" dirty="0"/>
                         <a:t>action</a:t>
                       </a:r>
                       <a:endParaRPr kumimoji="1" lang="ja-JP" altLang="en-US" sz="1050" dirty="0"/>
@@ -9457,7 +9075,7 @@
                     <a:lstStyle/>
                     <a:p>
                       <a:r>
-                        <a:rPr kumimoji="1" lang="en-US" altLang="ja-JP" sz="1050" dirty="0" smtClean="0"/>
+                        <a:rPr kumimoji="1" lang="en-US" altLang="ja-JP" sz="1050" dirty="0"/>
                         <a:t>more than % busy</a:t>
                       </a:r>
                       <a:endParaRPr kumimoji="1" lang="ja-JP" altLang="en-US" sz="1050" dirty="0"/>
@@ -9558,7 +9176,6 @@
             </a:solidFill>
           </a:ln>
           <a:effectLst/>
-          <a:extLst/>
         </p:spPr>
         <p:txBody>
           <a:bodyPr rot="0" spcFirstLastPara="0" vertOverflow="overflow" horzOverflow="overflow" vert="horz" wrap="none" lIns="72000" tIns="72000" rIns="72000" bIns="72000" numCol="1" spcCol="0" rtlCol="0" fromWordArt="0" anchor="ctr" anchorCtr="0" forceAA="0" compatLnSpc="1">
@@ -9571,7 +9188,7 @@
           <a:p>
             <a:pPr algn="ctr"/>
             <a:r>
-              <a:rPr kumimoji="1" lang="ja-JP" altLang="en-US" sz="1200" b="1" dirty="0" smtClean="0">
+              <a:rPr kumimoji="1" lang="ja-JP" altLang="en-US" sz="1200" b="1" dirty="0">
                 <a:solidFill>
                   <a:srgbClr val="FF0000"/>
                 </a:solidFill>
@@ -9579,7 +9196,7 @@
               </a:rPr>
               <a:t>アラート</a:t>
             </a:r>
-            <a:endParaRPr kumimoji="1" lang="en-US" altLang="ja-JP" sz="1200" b="1" dirty="0" smtClean="0">
+            <a:endParaRPr kumimoji="1" lang="en-US" altLang="ja-JP" sz="1200" b="1" dirty="0">
               <a:solidFill>
                 <a:srgbClr val="FF0000"/>
               </a:solidFill>
@@ -9597,7 +9214,7 @@
               </a:rPr>
               <a:t>発報</a:t>
             </a:r>
-            <a:endParaRPr kumimoji="1" lang="ja-JP" altLang="en-US" sz="1200" b="1" dirty="0" smtClean="0">
+            <a:endParaRPr kumimoji="1" lang="ja-JP" altLang="en-US" sz="1200" b="1" dirty="0">
               <a:solidFill>
                 <a:srgbClr val="FF0000"/>
               </a:solidFill>
@@ -9736,7 +9353,6 @@
             </a:solidFill>
           </a:ln>
           <a:effectLst/>
-          <a:extLst/>
         </p:spPr>
         <p:txBody>
           <a:bodyPr rot="0" spcFirstLastPara="0" vertOverflow="overflow" horzOverflow="overflow" vert="horz" wrap="none" lIns="72000" tIns="72000" rIns="72000" bIns="72000" numCol="1" spcCol="0" rtlCol="0" fromWordArt="0" anchor="ctr" anchorCtr="0" forceAA="0" compatLnSpc="1">
@@ -9748,7 +9364,7 @@
           <a:lstStyle/>
           <a:p>
             <a:pPr algn="ctr"/>
-            <a:endParaRPr kumimoji="1" lang="ja-JP" altLang="en-US" b="1" dirty="0" smtClean="0">
+            <a:endParaRPr kumimoji="1" lang="ja-JP" altLang="en-US" b="1" dirty="0">
               <a:latin typeface="+mn-ea"/>
             </a:endParaRPr>
           </a:p>
@@ -9801,10 +9417,9 @@
                     <a:lstStyle/>
                     <a:p>
                       <a:r>
-                        <a:rPr kumimoji="1" lang="ja-JP" altLang="en-US" sz="1050" dirty="0" smtClean="0"/>
+                        <a:rPr kumimoji="1" lang="ja-JP" altLang="en-US" sz="1050" dirty="0"/>
                         <a:t>条件式</a:t>
                       </a:r>
-                      <a:endParaRPr kumimoji="1" lang="ja-JP" altLang="en-US" sz="1050" dirty="0"/>
                     </a:p>
                   </a:txBody>
                   <a:tcPr anchor="ctr">
@@ -9937,10 +9552,9 @@
                     <a:p>
                       <a:pPr algn="ctr"/>
                       <a:r>
-                        <a:rPr kumimoji="1" lang="ja-JP" altLang="en-US" sz="1050" dirty="0" smtClean="0"/>
+                        <a:rPr kumimoji="1" lang="ja-JP" altLang="en-US" sz="1050" dirty="0"/>
                         <a:t>アラート</a:t>
                       </a:r>
-                      <a:endParaRPr kumimoji="1" lang="ja-JP" altLang="en-US" sz="1050" dirty="0"/>
                     </a:p>
                   </a:txBody>
                   <a:tcPr anchor="ctr">
@@ -10004,10 +9618,9 @@
                     <a:p>
                       <a:pPr algn="ctr"/>
                       <a:r>
-                        <a:rPr kumimoji="1" lang="ja-JP" altLang="en-US" sz="1050" dirty="0" smtClean="0"/>
+                        <a:rPr kumimoji="1" lang="ja-JP" altLang="en-US" sz="1050" dirty="0"/>
                         <a:t>正規表現に一致する</a:t>
                       </a:r>
-                      <a:endParaRPr kumimoji="1" lang="ja-JP" altLang="en-US" sz="1050" dirty="0"/>
                     </a:p>
                   </a:txBody>
                   <a:tcPr anchor="ctr">
@@ -10103,7 +9716,6 @@
             </a:solidFill>
           </a:ln>
           <a:effectLst/>
-          <a:extLst/>
         </p:spPr>
         <p:txBody>
           <a:bodyPr rot="0" spcFirstLastPara="0" vertOverflow="overflow" horzOverflow="overflow" vert="horz" wrap="none" lIns="72000" tIns="72000" rIns="72000" bIns="72000" numCol="1" spcCol="0" rtlCol="0" fromWordArt="0" anchor="ctr" anchorCtr="0" forceAA="0" compatLnSpc="1">
@@ -10115,7 +9727,7 @@
           <a:lstStyle/>
           <a:p>
             <a:pPr algn="ctr"/>
-            <a:endParaRPr kumimoji="1" lang="ja-JP" altLang="en-US" b="1" dirty="0" smtClean="0">
+            <a:endParaRPr kumimoji="1" lang="ja-JP" altLang="en-US" b="1" dirty="0">
               <a:latin typeface="+mn-ea"/>
             </a:endParaRPr>
           </a:p>
@@ -10365,15 +9977,15 @@
                     <a:p>
                       <a:pPr algn="ctr"/>
                       <a:r>
-                        <a:rPr kumimoji="1" lang="en-US" altLang="ja-JP" sz="1100" dirty="0" smtClean="0"/>
+                        <a:rPr kumimoji="1" lang="en-US" altLang="ja-JP" sz="1100" dirty="0"/>
                         <a:t>^.*WARNING.*$</a:t>
                       </a:r>
                       <a:r>
-                        <a:rPr kumimoji="1" lang="ja-JP" altLang="en-US" sz="1100" dirty="0" smtClean="0"/>
+                        <a:rPr kumimoji="1" lang="ja-JP" altLang="en-US" sz="1100" dirty="0"/>
                         <a:t>：</a:t>
                       </a:r>
                       <a:r>
-                        <a:rPr kumimoji="1" lang="en-US" altLang="ja-JP" sz="1100" dirty="0" smtClean="0"/>
+                        <a:rPr kumimoji="1" lang="en-US" altLang="ja-JP" sz="1100" dirty="0"/>
                         <a:t>mail</a:t>
                       </a:r>
                     </a:p>
@@ -10465,7 +10077,6 @@
             </a:solidFill>
           </a:ln>
           <a:effectLst/>
-          <a:extLst/>
         </p:spPr>
         <p:txBody>
           <a:bodyPr rot="0" spcFirstLastPara="0" vertOverflow="overflow" horzOverflow="overflow" vert="horz" wrap="none" lIns="72000" tIns="72000" rIns="72000" bIns="72000" numCol="1" spcCol="0" rtlCol="0" fromWordArt="0" anchor="ctr" anchorCtr="0" forceAA="0" compatLnSpc="1">
@@ -10477,7 +10088,7 @@
           <a:lstStyle/>
           <a:p>
             <a:pPr algn="ctr"/>
-            <a:endParaRPr kumimoji="1" lang="ja-JP" altLang="en-US" b="1" dirty="0" smtClean="0">
+            <a:endParaRPr kumimoji="1" lang="ja-JP" altLang="en-US" b="1" dirty="0">
               <a:latin typeface="+mn-ea"/>
             </a:endParaRPr>
           </a:p>
@@ -10512,7 +10123,6 @@
             </a:solidFill>
           </a:ln>
           <a:effectLst/>
-          <a:extLst/>
         </p:spPr>
         <p:txBody>
           <a:bodyPr rot="0" spcFirstLastPara="0" vertOverflow="overflow" horzOverflow="overflow" vert="horz" wrap="none" lIns="72000" tIns="72000" rIns="72000" bIns="72000" numCol="1" spcCol="0" rtlCol="0" fromWordArt="0" anchor="ctr" anchorCtr="0" forceAA="0" compatLnSpc="1">
@@ -10524,7 +10134,7 @@
           <a:lstStyle/>
           <a:p>
             <a:pPr algn="ctr"/>
-            <a:endParaRPr kumimoji="1" lang="ja-JP" altLang="en-US" b="1" dirty="0" smtClean="0">
+            <a:endParaRPr kumimoji="1" lang="ja-JP" altLang="en-US" b="1" dirty="0">
               <a:latin typeface="+mn-ea"/>
             </a:endParaRPr>
           </a:p>
@@ -10553,7 +10163,6 @@
             </a:solidFill>
           </a:ln>
           <a:effectLst/>
-          <a:extLst/>
         </p:spPr>
         <p:txBody>
           <a:bodyPr rot="0" spcFirstLastPara="0" vertOverflow="overflow" horzOverflow="overflow" vert="horz" wrap="none" lIns="72000" tIns="72000" rIns="72000" bIns="72000" numCol="1" spcCol="0" rtlCol="0" fromWordArt="0" anchor="t" anchorCtr="0" forceAA="0" compatLnSpc="1">
@@ -10565,7 +10174,7 @@
           <a:lstStyle/>
           <a:p>
             <a:r>
-              <a:rPr lang="en-US" altLang="ja-JP" sz="1200" b="1" dirty="0" smtClean="0">
+              <a:rPr lang="en-US" altLang="ja-JP" sz="1200" b="1" dirty="0">
                 <a:solidFill>
                   <a:schemeClr val="bg1"/>
                 </a:solidFill>
@@ -10574,7 +10183,7 @@
               <a:t>01:01:10</a:t>
             </a:r>
             <a:r>
-              <a:rPr lang="ja-JP" altLang="en-US" sz="1200" b="1" dirty="0" smtClean="0">
+              <a:rPr lang="ja-JP" altLang="en-US" sz="1200" b="1" dirty="0">
                 <a:solidFill>
                   <a:schemeClr val="bg1"/>
                 </a:solidFill>
@@ -10583,7 +10192,7 @@
               <a:t> </a:t>
             </a:r>
             <a:r>
-              <a:rPr lang="en-US" altLang="ja-JP" sz="1200" b="1" dirty="0" smtClean="0">
+              <a:rPr lang="en-US" altLang="ja-JP" sz="1200" b="1" dirty="0">
                 <a:solidFill>
                   <a:schemeClr val="bg1"/>
                 </a:solidFill>
@@ -10594,7 +10203,7 @@
           </a:p>
           <a:p>
             <a:r>
-              <a:rPr lang="en-US" altLang="ja-JP" sz="1200" b="1" dirty="0" smtClean="0">
+              <a:rPr lang="en-US" altLang="ja-JP" sz="1200" b="1" dirty="0">
                 <a:solidFill>
                   <a:schemeClr val="bg1"/>
                 </a:solidFill>
@@ -10603,7 +10212,7 @@
               <a:t>01:01:20</a:t>
             </a:r>
             <a:r>
-              <a:rPr lang="ja-JP" altLang="en-US" sz="1200" b="1" dirty="0" smtClean="0">
+              <a:rPr lang="ja-JP" altLang="en-US" sz="1200" b="1" dirty="0">
                 <a:solidFill>
                   <a:schemeClr val="bg1"/>
                 </a:solidFill>
@@ -10623,7 +10232,7 @@
           </a:p>
           <a:p>
             <a:r>
-              <a:rPr lang="en-US" altLang="ja-JP" sz="1200" b="1" dirty="0" smtClean="0">
+              <a:rPr lang="en-US" altLang="ja-JP" sz="1200" b="1" dirty="0">
                 <a:solidFill>
                   <a:schemeClr val="bg1"/>
                 </a:solidFill>
@@ -10632,7 +10241,7 @@
               <a:t>01:01:30</a:t>
             </a:r>
             <a:r>
-              <a:rPr lang="ja-JP" altLang="en-US" sz="1200" b="1" dirty="0" smtClean="0">
+              <a:rPr lang="ja-JP" altLang="en-US" sz="1200" b="1" dirty="0">
                 <a:solidFill>
                   <a:schemeClr val="bg1"/>
                 </a:solidFill>
@@ -10652,7 +10261,7 @@
           </a:p>
           <a:p>
             <a:r>
-              <a:rPr lang="en-US" altLang="ja-JP" sz="1200" b="1" dirty="0" smtClean="0">
+              <a:rPr lang="en-US" altLang="ja-JP" sz="1200" b="1" dirty="0">
                 <a:solidFill>
                   <a:schemeClr val="bg1"/>
                 </a:solidFill>
@@ -10661,7 +10270,7 @@
               <a:t>01:01:40</a:t>
             </a:r>
             <a:r>
-              <a:rPr lang="ja-JP" altLang="en-US" sz="1200" b="1" dirty="0" smtClean="0">
+              <a:rPr lang="ja-JP" altLang="en-US" sz="1200" b="1" dirty="0">
                 <a:solidFill>
                   <a:schemeClr val="bg1"/>
                 </a:solidFill>
@@ -10670,7 +10279,7 @@
               <a:t> </a:t>
             </a:r>
             <a:r>
-              <a:rPr lang="en-US" altLang="ja-JP" sz="1200" b="1" dirty="0" smtClean="0">
+              <a:rPr lang="en-US" altLang="ja-JP" sz="1200" b="1" dirty="0">
                 <a:solidFill>
                   <a:schemeClr val="bg1"/>
                 </a:solidFill>
@@ -10681,7 +10290,7 @@
           </a:p>
           <a:p>
             <a:r>
-              <a:rPr lang="ja-JP" altLang="en-US" sz="1200" b="1" dirty="0" smtClean="0">
+              <a:rPr lang="ja-JP" altLang="en-US" sz="1200" b="1" dirty="0">
                 <a:solidFill>
                   <a:schemeClr val="bg1"/>
                 </a:solidFill>
@@ -10697,7 +10306,7 @@
             </a:endParaRPr>
           </a:p>
           <a:p>
-            <a:endParaRPr lang="en-US" altLang="ja-JP" sz="1200" b="1" dirty="0" smtClean="0">
+            <a:endParaRPr lang="en-US" altLang="ja-JP" sz="1200" b="1" dirty="0">
               <a:solidFill>
                 <a:schemeClr val="bg1"/>
               </a:solidFill>
@@ -10705,7 +10314,7 @@
             </a:endParaRPr>
           </a:p>
           <a:p>
-            <a:endParaRPr lang="en-US" altLang="ja-JP" sz="1200" b="1" dirty="0" smtClean="0">
+            <a:endParaRPr lang="en-US" altLang="ja-JP" sz="1200" b="1" dirty="0">
               <a:solidFill>
                 <a:schemeClr val="bg1"/>
               </a:solidFill>
@@ -10735,7 +10344,6 @@
             </a:solidFill>
           </a:ln>
           <a:effectLst/>
-          <a:extLst/>
         </p:spPr>
         <p:txBody>
           <a:bodyPr rot="0" spcFirstLastPara="0" vertOverflow="overflow" horzOverflow="overflow" vert="horz" wrap="none" lIns="72000" tIns="72000" rIns="72000" bIns="72000" numCol="1" spcCol="0" rtlCol="0" fromWordArt="0" anchor="ctr" anchorCtr="0" forceAA="0" compatLnSpc="1">
@@ -10747,7 +10355,7 @@
           <a:lstStyle/>
           <a:p>
             <a:pPr algn="ctr"/>
-            <a:endParaRPr kumimoji="1" lang="ja-JP" altLang="en-US" sz="1200" b="1" dirty="0" smtClean="0">
+            <a:endParaRPr kumimoji="1" lang="ja-JP" altLang="en-US" sz="1200" b="1" dirty="0">
               <a:solidFill>
                 <a:srgbClr val="FF0000"/>
               </a:solidFill>
@@ -10855,7 +10463,6 @@
             <a:noFill/>
           </a:ln>
           <a:effectLst/>
-          <a:extLst/>
         </p:spPr>
         <p:txBody>
           <a:bodyPr rot="0" spcFirstLastPara="0" vertOverflow="overflow" horzOverflow="overflow" vert="horz" wrap="square" lIns="72000" tIns="72000" rIns="72000" bIns="72000" numCol="1" spcCol="0" rtlCol="0" fromWordArt="0" anchor="ctr" anchorCtr="0" forceAA="0" compatLnSpc="1">
@@ -10867,7 +10474,7 @@
           <a:lstStyle/>
           <a:p>
             <a:pPr algn="ctr"/>
-            <a:endParaRPr kumimoji="1" lang="ja-JP" altLang="en-US" b="1" dirty="0" smtClean="0">
+            <a:endParaRPr kumimoji="1" lang="ja-JP" altLang="en-US" b="1" dirty="0">
               <a:latin typeface="+mn-ea"/>
             </a:endParaRPr>
           </a:p>
@@ -10919,11 +10526,11 @@
           <a:lstStyle/>
           <a:p>
             <a:r>
-              <a:rPr lang="en-US" altLang="ja-JP" dirty="0" smtClean="0"/>
+              <a:rPr lang="en-US" altLang="ja-JP" dirty="0"/>
               <a:t>2.4</a:t>
             </a:r>
             <a:r>
-              <a:rPr lang="ja-JP" altLang="en-US" dirty="0" smtClean="0"/>
+              <a:rPr lang="ja-JP" altLang="en-US" dirty="0"/>
               <a:t> ルールマッチング～アクションの設定</a:t>
             </a:r>
             <a:endParaRPr kumimoji="1" lang="ja-JP" altLang="en-US" dirty="0"/>
@@ -10946,23 +10553,23 @@
           <a:lstStyle/>
           <a:p>
             <a:r>
-              <a:rPr lang="en-US" altLang="ja-JP" dirty="0" smtClean="0"/>
+              <a:rPr lang="en-US" altLang="ja-JP" dirty="0"/>
               <a:t>OASE</a:t>
             </a:r>
             <a:r>
-              <a:rPr lang="ja-JP" altLang="en-US" dirty="0" smtClean="0"/>
+              <a:rPr lang="ja-JP" altLang="en-US" dirty="0"/>
               <a:t>の設定</a:t>
             </a:r>
-            <a:endParaRPr lang="en-US" altLang="ja-JP" dirty="0" smtClean="0"/>
+            <a:endParaRPr lang="en-US" altLang="ja-JP" dirty="0"/>
           </a:p>
           <a:p>
             <a:pPr lvl="1"/>
-            <a:endParaRPr lang="en-US" altLang="ja-JP" dirty="0" smtClean="0"/>
+            <a:endParaRPr lang="en-US" altLang="ja-JP" dirty="0"/>
           </a:p>
           <a:p>
             <a:pPr lvl="1"/>
             <a:r>
-              <a:rPr lang="ja-JP" altLang="en-US" dirty="0" smtClean="0"/>
+              <a:rPr lang="ja-JP" altLang="en-US" dirty="0"/>
               <a:t>事前設定</a:t>
             </a:r>
             <a:endParaRPr lang="en-US" altLang="ja-JP" dirty="0"/>
@@ -10970,74 +10577,34 @@
           <a:p>
             <a:pPr lvl="2"/>
             <a:r>
-              <a:rPr lang="ja-JP" altLang="en-US" dirty="0" smtClean="0"/>
-              <a:t>監視アダプタのインストール～</a:t>
-            </a:r>
-            <a:r>
               <a:rPr lang="ja-JP" altLang="en-US" dirty="0"/>
-              <a:t>設定</a:t>
-            </a:r>
-            <a:r>
-              <a:rPr lang="ja-JP" altLang="en-US" dirty="0" smtClean="0"/>
-              <a:t>（</a:t>
+              <a:t>監視アダプタのインストール～設定（モニタリングする</a:t>
+            </a:r>
+            <a:r>
+              <a:rPr lang="en-US" altLang="ja-JP" dirty="0"/>
+              <a:t>Zabbix</a:t>
             </a:r>
             <a:r>
               <a:rPr lang="ja-JP" altLang="en-US" dirty="0"/>
-              <a:t>モニタリング</a:t>
-            </a:r>
-            <a:r>
-              <a:rPr lang="ja-JP" altLang="en-US" dirty="0" smtClean="0"/>
-              <a:t>する</a:t>
-            </a:r>
-            <a:r>
-              <a:rPr lang="en-US" altLang="ja-JP" dirty="0"/>
-              <a:t>Z</a:t>
-            </a:r>
-            <a:r>
-              <a:rPr lang="en-US" altLang="ja-JP" dirty="0" smtClean="0"/>
-              <a:t>abbix</a:t>
-            </a:r>
+              <a:t>の情報を登録する）</a:t>
+            </a:r>
+            <a:endParaRPr lang="en-US" altLang="ja-JP" dirty="0"/>
+          </a:p>
+          <a:p>
+            <a:pPr lvl="2"/>
             <a:r>
               <a:rPr lang="ja-JP" altLang="en-US" dirty="0"/>
-              <a:t>の情報を登録する</a:t>
-            </a:r>
-            <a:r>
-              <a:rPr lang="ja-JP" altLang="en-US" dirty="0" smtClean="0"/>
-              <a:t>）</a:t>
-            </a:r>
-            <a:endParaRPr lang="en-US" altLang="ja-JP" dirty="0" smtClean="0"/>
+              <a:t>メールドライバのインストール～設定（メールドライバの登録、メールテンプレートを作成する）</a:t>
+            </a:r>
+            <a:endParaRPr lang="en-US" altLang="ja-JP" dirty="0"/>
           </a:p>
           <a:p>
             <a:pPr lvl="2"/>
             <a:r>
-              <a:rPr lang="ja-JP" altLang="en-US" dirty="0" smtClean="0"/>
-              <a:t>メールドライバのインストール～</a:t>
-            </a:r>
-            <a:r>
               <a:rPr lang="ja-JP" altLang="en-US" dirty="0"/>
-              <a:t>設定</a:t>
-            </a:r>
-            <a:r>
-              <a:rPr lang="ja-JP" altLang="en-US" dirty="0" smtClean="0"/>
-              <a:t>（</a:t>
-            </a:r>
-            <a:r>
-              <a:rPr lang="ja-JP" altLang="en-US" dirty="0"/>
-              <a:t>メールドライバの登録、メールテンプレートを作成する</a:t>
-            </a:r>
-            <a:r>
-              <a:rPr lang="ja-JP" altLang="en-US" dirty="0" smtClean="0"/>
-              <a:t>）</a:t>
-            </a:r>
-            <a:endParaRPr lang="en-US" altLang="ja-JP" dirty="0" smtClean="0"/>
-          </a:p>
-          <a:p>
-            <a:pPr lvl="2"/>
-            <a:r>
-              <a:rPr lang="ja-JP" altLang="en-US" dirty="0" smtClean="0"/>
               <a:t>ディシジョンテーブルの作成</a:t>
             </a:r>
-            <a:endParaRPr lang="en-US" altLang="ja-JP" dirty="0" smtClean="0"/>
+            <a:endParaRPr lang="en-US" altLang="ja-JP" dirty="0"/>
           </a:p>
           <a:p>
             <a:pPr lvl="2"/>
@@ -11046,30 +10613,29 @@
           <a:p>
             <a:pPr lvl="1"/>
             <a:r>
-              <a:rPr lang="ja-JP" altLang="en-US" dirty="0" smtClean="0"/>
+              <a:rPr lang="ja-JP" altLang="en-US" dirty="0"/>
               <a:t>作業実行</a:t>
             </a:r>
-            <a:endParaRPr lang="ja-JP" altLang="en-US" dirty="0"/>
           </a:p>
           <a:p>
             <a:pPr lvl="2"/>
             <a:r>
-              <a:rPr lang="ja-JP" altLang="en-US" dirty="0" smtClean="0"/>
+              <a:rPr lang="ja-JP" altLang="en-US" dirty="0"/>
               <a:t>ディシジョンテーブルファイルの作成（アラートに「</a:t>
             </a:r>
             <a:r>
-              <a:rPr lang="en-US" altLang="ja-JP" dirty="0" smtClean="0"/>
+              <a:rPr lang="en-US" altLang="ja-JP" dirty="0"/>
               <a:t>WARNING</a:t>
             </a:r>
             <a:r>
-              <a:rPr lang="ja-JP" altLang="en-US" dirty="0" smtClean="0"/>
+              <a:rPr lang="ja-JP" altLang="en-US" dirty="0"/>
               <a:t>」を含んでいる場合メールドライバがアクションを実行するよう設定）</a:t>
             </a:r>
           </a:p>
           <a:p>
             <a:pPr lvl="2"/>
             <a:r>
-              <a:rPr lang="ja-JP" altLang="en-US" dirty="0" smtClean="0"/>
+              <a:rPr lang="ja-JP" altLang="en-US" dirty="0"/>
               <a:t>ルールの登録、ルールマッチング（ステージング適用、プロダクション適用）</a:t>
             </a:r>
           </a:p>
@@ -11147,18 +10713,13 @@
                     <a:p>
                       <a:pPr algn="ctr"/>
                       <a:r>
-                        <a:rPr kumimoji="1" lang="ja-JP" altLang="en-US" sz="1400" b="1" dirty="0" smtClean="0">
+                        <a:rPr kumimoji="1" lang="ja-JP" altLang="en-US" sz="1400" b="1" dirty="0">
                           <a:solidFill>
                             <a:schemeClr val="bg1"/>
                           </a:solidFill>
                         </a:rPr>
                         <a:t>フロー</a:t>
                       </a:r>
-                      <a:endParaRPr kumimoji="1" lang="ja-JP" altLang="en-US" sz="1400" b="1" dirty="0">
-                        <a:solidFill>
-                          <a:schemeClr val="bg1"/>
-                        </a:solidFill>
-                      </a:endParaRPr>
                     </a:p>
                   </a:txBody>
                   <a:tcPr anchor="ctr">
@@ -11174,18 +10735,13 @@
                     <a:p>
                       <a:pPr algn="ctr"/>
                       <a:r>
-                        <a:rPr kumimoji="1" lang="ja-JP" altLang="en-US" sz="1400" b="1" dirty="0" smtClean="0">
+                        <a:rPr kumimoji="1" lang="ja-JP" altLang="en-US" sz="1400" b="1" dirty="0">
                           <a:solidFill>
                             <a:schemeClr val="bg1"/>
                           </a:solidFill>
                         </a:rPr>
                         <a:t>監視対象</a:t>
                       </a:r>
-                      <a:endParaRPr kumimoji="1" lang="ja-JP" altLang="en-US" sz="1400" b="1" dirty="0">
-                        <a:solidFill>
-                          <a:schemeClr val="bg1"/>
-                        </a:solidFill>
-                      </a:endParaRPr>
                     </a:p>
                   </a:txBody>
                   <a:tcPr anchor="ctr">
@@ -11201,18 +10757,13 @@
                     <a:p>
                       <a:pPr algn="ctr"/>
                       <a:r>
-                        <a:rPr kumimoji="1" lang="ja-JP" altLang="en-US" sz="1400" b="1" dirty="0" smtClean="0">
+                        <a:rPr kumimoji="1" lang="ja-JP" altLang="en-US" sz="1400" b="1" dirty="0">
                           <a:solidFill>
                             <a:schemeClr val="bg1"/>
                           </a:solidFill>
                         </a:rPr>
                         <a:t>モニタリング</a:t>
                       </a:r>
-                      <a:endParaRPr kumimoji="1" lang="ja-JP" altLang="en-US" sz="1400" b="1" dirty="0">
-                        <a:solidFill>
-                          <a:schemeClr val="bg1"/>
-                        </a:solidFill>
-                      </a:endParaRPr>
                     </a:p>
                   </a:txBody>
                   <a:tcPr anchor="ctr">
@@ -11228,18 +10779,13 @@
                     <a:p>
                       <a:pPr algn="ctr"/>
                       <a:r>
-                        <a:rPr kumimoji="1" lang="ja-JP" altLang="en-US" sz="1400" b="1" dirty="0" smtClean="0">
+                        <a:rPr kumimoji="1" lang="ja-JP" altLang="en-US" sz="1400" b="1" dirty="0">
                           <a:solidFill>
                             <a:schemeClr val="bg1"/>
                           </a:solidFill>
                         </a:rPr>
                         <a:t>ルールマッチング</a:t>
                       </a:r>
-                      <a:endParaRPr kumimoji="1" lang="ja-JP" altLang="en-US" sz="1400" b="1" dirty="0">
-                        <a:solidFill>
-                          <a:schemeClr val="bg1"/>
-                        </a:solidFill>
-                      </a:endParaRPr>
                     </a:p>
                   </a:txBody>
                   <a:tcPr anchor="ctr">
@@ -11255,18 +10801,13 @@
                     <a:p>
                       <a:pPr algn="ctr"/>
                       <a:r>
-                        <a:rPr kumimoji="1" lang="ja-JP" altLang="en-US" sz="1400" b="1" dirty="0" smtClean="0">
+                        <a:rPr kumimoji="1" lang="ja-JP" altLang="en-US" sz="1400" b="1" dirty="0">
                           <a:solidFill>
                             <a:schemeClr val="bg1"/>
                           </a:solidFill>
                         </a:rPr>
                         <a:t>アクション</a:t>
                       </a:r>
-                      <a:endParaRPr kumimoji="1" lang="ja-JP" altLang="en-US" sz="1400" b="1" dirty="0">
-                        <a:solidFill>
-                          <a:schemeClr val="bg1"/>
-                        </a:solidFill>
-                      </a:endParaRPr>
                     </a:p>
                   </a:txBody>
                   <a:tcPr anchor="ctr">
@@ -11289,18 +10830,13 @@
                     <a:p>
                       <a:pPr algn="ctr"/>
                       <a:r>
-                        <a:rPr kumimoji="1" lang="ja-JP" altLang="en-US" sz="1400" b="1" dirty="0" smtClean="0">
+                        <a:rPr kumimoji="1" lang="ja-JP" altLang="en-US" sz="1400" b="1" dirty="0">
                           <a:solidFill>
                             <a:schemeClr val="bg1"/>
                           </a:solidFill>
                         </a:rPr>
                         <a:t>イメージ</a:t>
                       </a:r>
-                      <a:endParaRPr kumimoji="1" lang="ja-JP" altLang="en-US" sz="1400" b="1" dirty="0">
-                        <a:solidFill>
-                          <a:schemeClr val="bg1"/>
-                        </a:solidFill>
-                      </a:endParaRPr>
                     </a:p>
                   </a:txBody>
                   <a:tcPr anchor="ctr">
@@ -11408,7 +10944,6 @@
             <a:noFill/>
           </a:ln>
           <a:effectLst/>
-          <a:extLst/>
         </p:spPr>
         <p:txBody>
           <a:bodyPr rot="0" spcFirstLastPara="0" vertOverflow="overflow" horzOverflow="overflow" vert="horz" wrap="none" lIns="72000" tIns="72000" rIns="72000" bIns="72000" numCol="1" spcCol="0" rtlCol="0" fromWordArt="0" anchor="t" anchorCtr="0" forceAA="0" compatLnSpc="1">
@@ -11420,7 +10955,7 @@
           <a:lstStyle/>
           <a:p>
             <a:r>
-              <a:rPr lang="ja-JP" altLang="en-US" sz="1400" b="1" dirty="0" smtClean="0">
+              <a:rPr lang="ja-JP" altLang="en-US" sz="1400" b="1" dirty="0">
                 <a:solidFill>
                   <a:srgbClr val="002060"/>
                 </a:solidFill>
@@ -11428,7 +10963,7 @@
               </a:rPr>
               <a:t>メールドライバ</a:t>
             </a:r>
-            <a:endParaRPr kumimoji="1" lang="ja-JP" altLang="en-US" sz="1400" b="1" dirty="0" smtClean="0">
+            <a:endParaRPr kumimoji="1" lang="ja-JP" altLang="en-US" sz="1400" b="1" dirty="0">
               <a:solidFill>
                 <a:srgbClr val="002060"/>
               </a:solidFill>
@@ -11458,7 +10993,6 @@
             <a:noFill/>
           </a:ln>
           <a:effectLst/>
-          <a:extLst/>
         </p:spPr>
         <p:txBody>
           <a:bodyPr rot="0" spcFirstLastPara="0" vertOverflow="overflow" horzOverflow="overflow" vert="horz" wrap="none" lIns="72000" tIns="72000" rIns="72000" bIns="72000" numCol="1" spcCol="0" rtlCol="0" fromWordArt="0" anchor="t" anchorCtr="0" forceAA="0" compatLnSpc="1">
@@ -11470,7 +11004,7 @@
           <a:lstStyle/>
           <a:p>
             <a:r>
-              <a:rPr lang="ja-JP" altLang="en-US" sz="1400" b="1" dirty="0" smtClean="0">
+              <a:rPr lang="ja-JP" altLang="en-US" sz="1400" b="1" dirty="0">
                 <a:solidFill>
                   <a:srgbClr val="002060"/>
                 </a:solidFill>
@@ -11478,7 +11012,7 @@
               </a:rPr>
               <a:t>ディシジョンテーブルと</a:t>
             </a:r>
-            <a:endParaRPr lang="en-US" altLang="ja-JP" sz="1400" b="1" dirty="0" smtClean="0">
+            <a:endParaRPr lang="en-US" altLang="ja-JP" sz="1400" b="1" dirty="0">
               <a:solidFill>
                 <a:srgbClr val="002060"/>
               </a:solidFill>
@@ -11487,7 +11021,7 @@
           </a:p>
           <a:p>
             <a:r>
-              <a:rPr kumimoji="1" lang="ja-JP" altLang="en-US" sz="1400" b="1" dirty="0" smtClean="0">
+              <a:rPr kumimoji="1" lang="ja-JP" altLang="en-US" sz="1400" b="1" dirty="0">
                 <a:solidFill>
                   <a:srgbClr val="002060"/>
                 </a:solidFill>
@@ -11543,7 +11077,6 @@
             <a:noFill/>
           </a:ln>
           <a:effectLst/>
-          <a:extLst/>
         </p:spPr>
         <p:txBody>
           <a:bodyPr rot="0" spcFirstLastPara="0" vertOverflow="overflow" horzOverflow="overflow" vert="horz" wrap="none" lIns="72000" tIns="72000" rIns="72000" bIns="72000" numCol="1" spcCol="0" rtlCol="0" fromWordArt="0" anchor="t" anchorCtr="0" forceAA="0" compatLnSpc="1">
@@ -11555,7 +11088,7 @@
           <a:lstStyle/>
           <a:p>
             <a:r>
-              <a:rPr lang="en-US" altLang="ja-JP" sz="1400" b="1" dirty="0" smtClean="0">
+              <a:rPr lang="en-US" altLang="ja-JP" sz="1400" b="1" dirty="0">
                 <a:solidFill>
                   <a:srgbClr val="002060"/>
                 </a:solidFill>
@@ -11564,7 +11097,7 @@
               <a:t>Zabbix</a:t>
             </a:r>
             <a:r>
-              <a:rPr lang="ja-JP" altLang="en-US" sz="1400" b="1" dirty="0" smtClean="0">
+              <a:rPr lang="ja-JP" altLang="en-US" sz="1400" b="1" dirty="0">
                 <a:solidFill>
                   <a:srgbClr val="002060"/>
                 </a:solidFill>
@@ -11573,7 +11106,7 @@
               <a:t> </a:t>
             </a:r>
             <a:r>
-              <a:rPr lang="en-US" altLang="ja-JP" sz="1400" b="1" dirty="0" smtClean="0">
+              <a:rPr lang="en-US" altLang="ja-JP" sz="1400" b="1" dirty="0">
                 <a:solidFill>
                   <a:srgbClr val="002060"/>
                 </a:solidFill>
@@ -11581,7 +11114,7 @@
               </a:rPr>
               <a:t>Dashboard</a:t>
             </a:r>
-            <a:endParaRPr kumimoji="1" lang="ja-JP" altLang="en-US" sz="1400" b="1" dirty="0" smtClean="0">
+            <a:endParaRPr kumimoji="1" lang="ja-JP" altLang="en-US" sz="1400" b="1" dirty="0">
               <a:solidFill>
                 <a:srgbClr val="002060"/>
               </a:solidFill>
@@ -11611,7 +11144,6 @@
             <a:noFill/>
           </a:ln>
           <a:effectLst/>
-          <a:extLst/>
         </p:spPr>
         <p:txBody>
           <a:bodyPr rot="0" spcFirstLastPara="0" vertOverflow="overflow" horzOverflow="overflow" vert="horz" wrap="none" lIns="72000" tIns="72000" rIns="72000" bIns="72000" numCol="1" spcCol="0" rtlCol="0" fromWordArt="0" anchor="t" anchorCtr="0" forceAA="0" compatLnSpc="1">
@@ -11623,7 +11155,7 @@
           <a:lstStyle/>
           <a:p>
             <a:r>
-              <a:rPr lang="ja-JP" altLang="en-US" sz="1400" b="1" dirty="0" smtClean="0">
+              <a:rPr lang="ja-JP" altLang="en-US" sz="1400" b="1" dirty="0">
                 <a:solidFill>
                   <a:srgbClr val="002060"/>
                 </a:solidFill>
@@ -11631,7 +11163,7 @@
               </a:rPr>
               <a:t>サーバ　ログファイル</a:t>
             </a:r>
-            <a:endParaRPr kumimoji="1" lang="ja-JP" altLang="en-US" sz="1400" b="1" dirty="0" smtClean="0">
+            <a:endParaRPr kumimoji="1" lang="ja-JP" altLang="en-US" sz="1400" b="1" dirty="0">
               <a:solidFill>
                 <a:srgbClr val="002060"/>
               </a:solidFill>
@@ -11661,7 +11193,6 @@
             </a:solidFill>
           </a:ln>
           <a:effectLst/>
-          <a:extLst/>
         </p:spPr>
         <p:txBody>
           <a:bodyPr rot="0" spcFirstLastPara="0" vertOverflow="overflow" horzOverflow="overflow" vert="horz" wrap="none" lIns="72000" tIns="72000" rIns="72000" bIns="72000" numCol="1" spcCol="0" rtlCol="0" fromWordArt="0" anchor="ctr" anchorCtr="0" forceAA="0" compatLnSpc="1">
@@ -11673,7 +11204,7 @@
           <a:lstStyle/>
           <a:p>
             <a:pPr algn="ctr"/>
-            <a:endParaRPr kumimoji="1" lang="ja-JP" altLang="en-US" b="1" dirty="0" smtClean="0">
+            <a:endParaRPr kumimoji="1" lang="ja-JP" altLang="en-US" b="1" dirty="0">
               <a:latin typeface="+mn-ea"/>
             </a:endParaRPr>
           </a:p>
@@ -11943,15 +11474,15 @@
                     <a:lstStyle/>
                     <a:p>
                       <a:r>
-                        <a:rPr kumimoji="1" lang="en-US" altLang="ja-JP" sz="1050" dirty="0" smtClean="0"/>
+                        <a:rPr kumimoji="1" lang="en-US" altLang="ja-JP" sz="1050" dirty="0"/>
                         <a:t>WARNING</a:t>
                       </a:r>
                       <a:r>
-                        <a:rPr kumimoji="1" lang="ja-JP" altLang="en-US" sz="1050" dirty="0" smtClean="0"/>
+                        <a:rPr kumimoji="1" lang="ja-JP" altLang="en-US" sz="1050" dirty="0"/>
                         <a:t> </a:t>
                       </a:r>
                       <a:r>
-                        <a:rPr kumimoji="1" lang="en-US" altLang="ja-JP" sz="1050" dirty="0" smtClean="0"/>
+                        <a:rPr kumimoji="1" lang="en-US" altLang="ja-JP" sz="1050" dirty="0"/>
                         <a:t>alert</a:t>
                       </a:r>
                       <a:endParaRPr kumimoji="1" lang="ja-JP" altLang="en-US" sz="1050" dirty="0"/>
@@ -12102,15 +11633,15 @@
                     <a:lstStyle/>
                     <a:p>
                       <a:r>
-                        <a:rPr kumimoji="1" lang="en-US" altLang="ja-JP" sz="1050" dirty="0" smtClean="0"/>
+                        <a:rPr kumimoji="1" lang="en-US" altLang="ja-JP" sz="1050" dirty="0"/>
                         <a:t>Error</a:t>
                       </a:r>
                       <a:r>
-                        <a:rPr kumimoji="1" lang="ja-JP" altLang="en-US" sz="1050" dirty="0" smtClean="0"/>
+                        <a:rPr kumimoji="1" lang="ja-JP" altLang="en-US" sz="1050" dirty="0"/>
                         <a:t> </a:t>
                       </a:r>
                       <a:r>
-                        <a:rPr kumimoji="1" lang="en-US" altLang="ja-JP" sz="1050" dirty="0" smtClean="0"/>
+                        <a:rPr kumimoji="1" lang="en-US" altLang="ja-JP" sz="1050" dirty="0"/>
                         <a:t>action</a:t>
                       </a:r>
                       <a:endParaRPr kumimoji="1" lang="ja-JP" altLang="en-US" sz="1050" dirty="0"/>
@@ -12261,7 +11792,7 @@
                     <a:lstStyle/>
                     <a:p>
                       <a:r>
-                        <a:rPr kumimoji="1" lang="en-US" altLang="ja-JP" sz="1050" dirty="0" smtClean="0"/>
+                        <a:rPr kumimoji="1" lang="en-US" altLang="ja-JP" sz="1050" dirty="0"/>
                         <a:t>more than % busy</a:t>
                       </a:r>
                       <a:endParaRPr kumimoji="1" lang="ja-JP" altLang="en-US" sz="1050" dirty="0"/>
@@ -12362,7 +11893,6 @@
             </a:solidFill>
           </a:ln>
           <a:effectLst/>
-          <a:extLst/>
         </p:spPr>
         <p:txBody>
           <a:bodyPr rot="0" spcFirstLastPara="0" vertOverflow="overflow" horzOverflow="overflow" vert="horz" wrap="none" lIns="72000" tIns="72000" rIns="72000" bIns="72000" numCol="1" spcCol="0" rtlCol="0" fromWordArt="0" anchor="ctr" anchorCtr="0" forceAA="0" compatLnSpc="1">
@@ -12375,7 +11905,7 @@
           <a:p>
             <a:pPr algn="ctr"/>
             <a:r>
-              <a:rPr kumimoji="1" lang="ja-JP" altLang="en-US" sz="1200" b="1" dirty="0" smtClean="0">
+              <a:rPr kumimoji="1" lang="ja-JP" altLang="en-US" sz="1200" b="1" dirty="0">
                 <a:solidFill>
                   <a:srgbClr val="FF0000"/>
                 </a:solidFill>
@@ -12383,7 +11913,7 @@
               </a:rPr>
               <a:t>アラート</a:t>
             </a:r>
-            <a:endParaRPr kumimoji="1" lang="en-US" altLang="ja-JP" sz="1200" b="1" dirty="0" smtClean="0">
+            <a:endParaRPr kumimoji="1" lang="en-US" altLang="ja-JP" sz="1200" b="1" dirty="0">
               <a:solidFill>
                 <a:srgbClr val="FF0000"/>
               </a:solidFill>
@@ -12401,7 +11931,7 @@
               </a:rPr>
               <a:t>発報</a:t>
             </a:r>
-            <a:endParaRPr kumimoji="1" lang="ja-JP" altLang="en-US" sz="1200" b="1" dirty="0" smtClean="0">
+            <a:endParaRPr kumimoji="1" lang="ja-JP" altLang="en-US" sz="1200" b="1" dirty="0">
               <a:solidFill>
                 <a:srgbClr val="FF0000"/>
               </a:solidFill>
@@ -12540,7 +12070,6 @@
             </a:solidFill>
           </a:ln>
           <a:effectLst/>
-          <a:extLst/>
         </p:spPr>
         <p:txBody>
           <a:bodyPr rot="0" spcFirstLastPara="0" vertOverflow="overflow" horzOverflow="overflow" vert="horz" wrap="none" lIns="72000" tIns="72000" rIns="72000" bIns="72000" numCol="1" spcCol="0" rtlCol="0" fromWordArt="0" anchor="ctr" anchorCtr="0" forceAA="0" compatLnSpc="1">
@@ -12552,7 +12081,7 @@
           <a:lstStyle/>
           <a:p>
             <a:pPr algn="ctr"/>
-            <a:endParaRPr kumimoji="1" lang="ja-JP" altLang="en-US" b="1" dirty="0" smtClean="0">
+            <a:endParaRPr kumimoji="1" lang="ja-JP" altLang="en-US" b="1" dirty="0">
               <a:latin typeface="+mn-ea"/>
             </a:endParaRPr>
           </a:p>
@@ -12605,10 +12134,9 @@
                     <a:lstStyle/>
                     <a:p>
                       <a:r>
-                        <a:rPr kumimoji="1" lang="ja-JP" altLang="en-US" sz="1050" dirty="0" smtClean="0"/>
+                        <a:rPr kumimoji="1" lang="ja-JP" altLang="en-US" sz="1050" dirty="0"/>
                         <a:t>条件式</a:t>
                       </a:r>
-                      <a:endParaRPr kumimoji="1" lang="ja-JP" altLang="en-US" sz="1050" dirty="0"/>
                     </a:p>
                   </a:txBody>
                   <a:tcPr anchor="ctr">
@@ -12741,10 +12269,9 @@
                     <a:p>
                       <a:pPr algn="ctr"/>
                       <a:r>
-                        <a:rPr kumimoji="1" lang="ja-JP" altLang="en-US" sz="1050" dirty="0" smtClean="0"/>
+                        <a:rPr kumimoji="1" lang="ja-JP" altLang="en-US" sz="1050" dirty="0"/>
                         <a:t>アラート</a:t>
                       </a:r>
-                      <a:endParaRPr kumimoji="1" lang="ja-JP" altLang="en-US" sz="1050" dirty="0"/>
                     </a:p>
                   </a:txBody>
                   <a:tcPr anchor="ctr">
@@ -12808,10 +12335,9 @@
                     <a:p>
                       <a:pPr algn="ctr"/>
                       <a:r>
-                        <a:rPr kumimoji="1" lang="ja-JP" altLang="en-US" sz="1050" dirty="0" smtClean="0"/>
+                        <a:rPr kumimoji="1" lang="ja-JP" altLang="en-US" sz="1050" dirty="0"/>
                         <a:t>正規表現に一致する</a:t>
                       </a:r>
-                      <a:endParaRPr kumimoji="1" lang="ja-JP" altLang="en-US" sz="1050" dirty="0"/>
                     </a:p>
                   </a:txBody>
                   <a:tcPr anchor="ctr">
@@ -12907,7 +12433,6 @@
             </a:solidFill>
           </a:ln>
           <a:effectLst/>
-          <a:extLst/>
         </p:spPr>
         <p:txBody>
           <a:bodyPr rot="0" spcFirstLastPara="0" vertOverflow="overflow" horzOverflow="overflow" vert="horz" wrap="none" lIns="72000" tIns="72000" rIns="72000" bIns="72000" numCol="1" spcCol="0" rtlCol="0" fromWordArt="0" anchor="ctr" anchorCtr="0" forceAA="0" compatLnSpc="1">
@@ -12919,7 +12444,7 @@
           <a:lstStyle/>
           <a:p>
             <a:pPr algn="ctr"/>
-            <a:endParaRPr kumimoji="1" lang="ja-JP" altLang="en-US" b="1" dirty="0" smtClean="0">
+            <a:endParaRPr kumimoji="1" lang="ja-JP" altLang="en-US" b="1" dirty="0">
               <a:latin typeface="+mn-ea"/>
             </a:endParaRPr>
           </a:p>
@@ -13169,15 +12694,15 @@
                     <a:p>
                       <a:pPr algn="ctr"/>
                       <a:r>
-                        <a:rPr kumimoji="1" lang="en-US" altLang="ja-JP" sz="1100" dirty="0" smtClean="0"/>
+                        <a:rPr kumimoji="1" lang="en-US" altLang="ja-JP" sz="1100" dirty="0"/>
                         <a:t>^.*WARNING.*$</a:t>
                       </a:r>
                       <a:r>
-                        <a:rPr kumimoji="1" lang="ja-JP" altLang="en-US" sz="1100" dirty="0" smtClean="0"/>
+                        <a:rPr kumimoji="1" lang="ja-JP" altLang="en-US" sz="1100" dirty="0"/>
                         <a:t>：</a:t>
                       </a:r>
                       <a:r>
-                        <a:rPr kumimoji="1" lang="en-US" altLang="ja-JP" sz="1100" dirty="0" smtClean="0"/>
+                        <a:rPr kumimoji="1" lang="en-US" altLang="ja-JP" sz="1100" dirty="0"/>
                         <a:t>mail</a:t>
                       </a:r>
                     </a:p>
@@ -13269,7 +12794,6 @@
             </a:solidFill>
           </a:ln>
           <a:effectLst/>
-          <a:extLst/>
         </p:spPr>
         <p:txBody>
           <a:bodyPr rot="0" spcFirstLastPara="0" vertOverflow="overflow" horzOverflow="overflow" vert="horz" wrap="none" lIns="72000" tIns="72000" rIns="72000" bIns="72000" numCol="1" spcCol="0" rtlCol="0" fromWordArt="0" anchor="ctr" anchorCtr="0" forceAA="0" compatLnSpc="1">
@@ -13281,7 +12805,7 @@
           <a:lstStyle/>
           <a:p>
             <a:pPr algn="ctr"/>
-            <a:endParaRPr kumimoji="1" lang="ja-JP" altLang="en-US" b="1" dirty="0" smtClean="0">
+            <a:endParaRPr kumimoji="1" lang="ja-JP" altLang="en-US" b="1" dirty="0">
               <a:latin typeface="+mn-ea"/>
             </a:endParaRPr>
           </a:p>
@@ -13316,7 +12840,6 @@
             </a:solidFill>
           </a:ln>
           <a:effectLst/>
-          <a:extLst/>
         </p:spPr>
         <p:txBody>
           <a:bodyPr rot="0" spcFirstLastPara="0" vertOverflow="overflow" horzOverflow="overflow" vert="horz" wrap="none" lIns="72000" tIns="72000" rIns="72000" bIns="72000" numCol="1" spcCol="0" rtlCol="0" fromWordArt="0" anchor="ctr" anchorCtr="0" forceAA="0" compatLnSpc="1">
@@ -13328,7 +12851,7 @@
           <a:lstStyle/>
           <a:p>
             <a:pPr algn="ctr"/>
-            <a:endParaRPr kumimoji="1" lang="ja-JP" altLang="en-US" b="1" dirty="0" smtClean="0">
+            <a:endParaRPr kumimoji="1" lang="ja-JP" altLang="en-US" b="1" dirty="0">
               <a:latin typeface="+mn-ea"/>
             </a:endParaRPr>
           </a:p>
@@ -13357,7 +12880,6 @@
             </a:solidFill>
           </a:ln>
           <a:effectLst/>
-          <a:extLst/>
         </p:spPr>
         <p:txBody>
           <a:bodyPr rot="0" spcFirstLastPara="0" vertOverflow="overflow" horzOverflow="overflow" vert="horz" wrap="none" lIns="72000" tIns="72000" rIns="72000" bIns="72000" numCol="1" spcCol="0" rtlCol="0" fromWordArt="0" anchor="t" anchorCtr="0" forceAA="0" compatLnSpc="1">
@@ -13369,7 +12891,7 @@
           <a:lstStyle/>
           <a:p>
             <a:r>
-              <a:rPr lang="en-US" altLang="ja-JP" sz="1200" b="1" dirty="0" smtClean="0">
+              <a:rPr lang="en-US" altLang="ja-JP" sz="1200" b="1" dirty="0">
                 <a:solidFill>
                   <a:schemeClr val="bg1"/>
                 </a:solidFill>
@@ -13378,7 +12900,7 @@
               <a:t>01:01:10</a:t>
             </a:r>
             <a:r>
-              <a:rPr lang="ja-JP" altLang="en-US" sz="1200" b="1" dirty="0" smtClean="0">
+              <a:rPr lang="ja-JP" altLang="en-US" sz="1200" b="1" dirty="0">
                 <a:solidFill>
                   <a:schemeClr val="bg1"/>
                 </a:solidFill>
@@ -13387,7 +12909,7 @@
               <a:t> </a:t>
             </a:r>
             <a:r>
-              <a:rPr lang="en-US" altLang="ja-JP" sz="1200" b="1" dirty="0" smtClean="0">
+              <a:rPr lang="en-US" altLang="ja-JP" sz="1200" b="1" dirty="0">
                 <a:solidFill>
                   <a:schemeClr val="bg1"/>
                 </a:solidFill>
@@ -13398,7 +12920,7 @@
           </a:p>
           <a:p>
             <a:r>
-              <a:rPr lang="en-US" altLang="ja-JP" sz="1200" b="1" dirty="0" smtClean="0">
+              <a:rPr lang="en-US" altLang="ja-JP" sz="1200" b="1" dirty="0">
                 <a:solidFill>
                   <a:schemeClr val="bg1"/>
                 </a:solidFill>
@@ -13407,7 +12929,7 @@
               <a:t>01:01:20</a:t>
             </a:r>
             <a:r>
-              <a:rPr lang="ja-JP" altLang="en-US" sz="1200" b="1" dirty="0" smtClean="0">
+              <a:rPr lang="ja-JP" altLang="en-US" sz="1200" b="1" dirty="0">
                 <a:solidFill>
                   <a:schemeClr val="bg1"/>
                 </a:solidFill>
@@ -13427,7 +12949,7 @@
           </a:p>
           <a:p>
             <a:r>
-              <a:rPr lang="en-US" altLang="ja-JP" sz="1200" b="1" dirty="0" smtClean="0">
+              <a:rPr lang="en-US" altLang="ja-JP" sz="1200" b="1" dirty="0">
                 <a:solidFill>
                   <a:schemeClr val="bg1"/>
                 </a:solidFill>
@@ -13436,7 +12958,7 @@
               <a:t>01:01:30</a:t>
             </a:r>
             <a:r>
-              <a:rPr lang="ja-JP" altLang="en-US" sz="1200" b="1" dirty="0" smtClean="0">
+              <a:rPr lang="ja-JP" altLang="en-US" sz="1200" b="1" dirty="0">
                 <a:solidFill>
                   <a:schemeClr val="bg1"/>
                 </a:solidFill>
@@ -13456,7 +12978,7 @@
           </a:p>
           <a:p>
             <a:r>
-              <a:rPr lang="en-US" altLang="ja-JP" sz="1200" b="1" dirty="0" smtClean="0">
+              <a:rPr lang="en-US" altLang="ja-JP" sz="1200" b="1" dirty="0">
                 <a:solidFill>
                   <a:schemeClr val="bg1"/>
                 </a:solidFill>
@@ -13465,7 +12987,7 @@
               <a:t>01:01:40</a:t>
             </a:r>
             <a:r>
-              <a:rPr lang="ja-JP" altLang="en-US" sz="1200" b="1" dirty="0" smtClean="0">
+              <a:rPr lang="ja-JP" altLang="en-US" sz="1200" b="1" dirty="0">
                 <a:solidFill>
                   <a:schemeClr val="bg1"/>
                 </a:solidFill>
@@ -13474,7 +12996,7 @@
               <a:t> </a:t>
             </a:r>
             <a:r>
-              <a:rPr lang="en-US" altLang="ja-JP" sz="1200" b="1" dirty="0" smtClean="0">
+              <a:rPr lang="en-US" altLang="ja-JP" sz="1200" b="1" dirty="0">
                 <a:solidFill>
                   <a:schemeClr val="bg1"/>
                 </a:solidFill>
@@ -13485,7 +13007,7 @@
           </a:p>
           <a:p>
             <a:r>
-              <a:rPr lang="ja-JP" altLang="en-US" sz="1200" b="1" dirty="0" smtClean="0">
+              <a:rPr lang="ja-JP" altLang="en-US" sz="1200" b="1" dirty="0">
                 <a:solidFill>
                   <a:schemeClr val="bg1"/>
                 </a:solidFill>
@@ -13501,7 +13023,7 @@
             </a:endParaRPr>
           </a:p>
           <a:p>
-            <a:endParaRPr lang="en-US" altLang="ja-JP" sz="1200" b="1" dirty="0" smtClean="0">
+            <a:endParaRPr lang="en-US" altLang="ja-JP" sz="1200" b="1" dirty="0">
               <a:solidFill>
                 <a:schemeClr val="bg1"/>
               </a:solidFill>
@@ -13509,7 +13031,7 @@
             </a:endParaRPr>
           </a:p>
           <a:p>
-            <a:endParaRPr lang="en-US" altLang="ja-JP" sz="1200" b="1" dirty="0" smtClean="0">
+            <a:endParaRPr lang="en-US" altLang="ja-JP" sz="1200" b="1" dirty="0">
               <a:solidFill>
                 <a:schemeClr val="bg1"/>
               </a:solidFill>
@@ -13539,7 +13061,6 @@
             </a:solidFill>
           </a:ln>
           <a:effectLst/>
-          <a:extLst/>
         </p:spPr>
         <p:txBody>
           <a:bodyPr rot="0" spcFirstLastPara="0" vertOverflow="overflow" horzOverflow="overflow" vert="horz" wrap="none" lIns="72000" tIns="72000" rIns="72000" bIns="72000" numCol="1" spcCol="0" rtlCol="0" fromWordArt="0" anchor="ctr" anchorCtr="0" forceAA="0" compatLnSpc="1">
@@ -13551,7 +13072,7 @@
           <a:lstStyle/>
           <a:p>
             <a:pPr algn="ctr"/>
-            <a:endParaRPr kumimoji="1" lang="ja-JP" altLang="en-US" sz="1200" b="1" dirty="0" smtClean="0">
+            <a:endParaRPr kumimoji="1" lang="ja-JP" altLang="en-US" sz="1200" b="1" dirty="0">
               <a:solidFill>
                 <a:srgbClr val="FF0000"/>
               </a:solidFill>
@@ -13659,7 +13180,6 @@
             <a:noFill/>
           </a:ln>
           <a:effectLst/>
-          <a:extLst/>
         </p:spPr>
         <p:txBody>
           <a:bodyPr rot="0" spcFirstLastPara="0" vertOverflow="overflow" horzOverflow="overflow" vert="horz" wrap="square" lIns="72000" tIns="72000" rIns="72000" bIns="72000" numCol="1" spcCol="0" rtlCol="0" fromWordArt="0" anchor="ctr" anchorCtr="0" forceAA="0" compatLnSpc="1">
@@ -13671,7 +13191,7 @@
           <a:lstStyle/>
           <a:p>
             <a:pPr algn="ctr"/>
-            <a:endParaRPr kumimoji="1" lang="ja-JP" altLang="en-US" b="1" dirty="0" smtClean="0">
+            <a:endParaRPr kumimoji="1" lang="ja-JP" altLang="en-US" b="1" dirty="0">
               <a:latin typeface="+mn-ea"/>
             </a:endParaRPr>
           </a:p>
@@ -13717,13 +13237,6 @@
   <p:clrMapOvr>
     <a:masterClrMapping/>
   </p:clrMapOvr>
-  <p:timing>
-    <p:tnLst>
-      <p:par>
-        <p:cTn id="1" dur="indefinite" restart="never" nodeType="tmRoot"/>
-      </p:par>
-    </p:tnLst>
-  </p:timing>
 </p:sld>
 </file>
 
@@ -13765,10 +13278,9 @@
           <a:lstStyle/>
           <a:p>
             <a:r>
-              <a:rPr kumimoji="1" lang="ja-JP" altLang="en-US" dirty="0" smtClean="0"/>
+              <a:rPr kumimoji="1" lang="ja-JP" altLang="en-US" dirty="0"/>
               <a:t>目次</a:t>
             </a:r>
-            <a:endParaRPr kumimoji="1" lang="ja-JP" altLang="en-US" dirty="0"/>
           </a:p>
         </p:txBody>
       </p:sp>
@@ -13791,7 +13303,6 @@
             <a:noFill/>
           </a:ln>
           <a:effectLst/>
-          <a:extLst/>
         </p:spPr>
         <p:txBody>
           <a:bodyPr rot="0" spcFirstLastPara="0" vertOverflow="overflow" horzOverflow="overflow" vert="horz" wrap="none" lIns="72000" tIns="72000" rIns="72000" bIns="72000" numCol="1" spcCol="0" rtlCol="0" fromWordArt="0" anchor="t" anchorCtr="0" forceAA="0" compatLnSpc="1">
@@ -13806,7 +13317,7 @@
               <a:buFont typeface="+mj-lt"/>
               <a:buAutoNum type="arabicPeriod"/>
             </a:pPr>
-            <a:endParaRPr lang="en-US" altLang="ja-JP" dirty="0" smtClean="0">
+            <a:endParaRPr lang="en-US" altLang="ja-JP" dirty="0">
               <a:latin typeface="+mn-ea"/>
             </a:endParaRPr>
           </a:p>
@@ -13816,16 +13327,10 @@
               <a:buAutoNum type="arabicPeriod"/>
             </a:pPr>
             <a:r>
-              <a:rPr lang="ja-JP" altLang="en-US" dirty="0" smtClean="0">
-                <a:latin typeface="+mn-ea"/>
-              </a:rPr>
-              <a:t>はじめ</a:t>
-            </a:r>
-            <a:r>
               <a:rPr lang="ja-JP" altLang="en-US" dirty="0">
                 <a:latin typeface="+mn-ea"/>
               </a:rPr>
-              <a:t>に</a:t>
+              <a:t>はじめに</a:t>
             </a:r>
             <a:endParaRPr lang="en-US" altLang="ja-JP" dirty="0">
               <a:latin typeface="+mn-ea"/>
@@ -13846,48 +13351,48 @@
               <a:t>　</a:t>
             </a:r>
             <a:r>
-              <a:rPr lang="en-US" altLang="ja-JP" sz="1600" dirty="0" err="1" smtClean="0">
+              <a:rPr lang="en-US" altLang="ja-JP" sz="1600" dirty="0" err="1">
                 <a:latin typeface="+mn-ea"/>
               </a:rPr>
               <a:t>Zabbix</a:t>
             </a:r>
             <a:r>
-              <a:rPr lang="ja-JP" altLang="en-US" sz="1600" dirty="0" smtClean="0">
+              <a:rPr lang="ja-JP" altLang="en-US" sz="1600" dirty="0">
                 <a:latin typeface="+mn-ea"/>
               </a:rPr>
               <a:t>連携</a:t>
             </a:r>
             <a:r>
-              <a:rPr lang="en-US" altLang="ja-JP" sz="1600" dirty="0" smtClean="0">
+              <a:rPr lang="en-US" altLang="ja-JP" sz="1600" dirty="0">
                 <a:latin typeface="+mn-ea"/>
               </a:rPr>
               <a:t>【</a:t>
             </a:r>
             <a:r>
-              <a:rPr lang="ja-JP" altLang="en-US" sz="1600" dirty="0" smtClean="0">
+              <a:rPr lang="ja-JP" altLang="en-US" sz="1600" dirty="0">
                 <a:latin typeface="+mn-ea"/>
               </a:rPr>
               <a:t>座学</a:t>
             </a:r>
             <a:r>
-              <a:rPr lang="en-US" altLang="ja-JP" sz="1600" dirty="0" smtClean="0">
+              <a:rPr lang="en-US" altLang="ja-JP" sz="1600" dirty="0">
                 <a:latin typeface="+mn-ea"/>
               </a:rPr>
               <a:t>】</a:t>
             </a:r>
             <a:r>
-              <a:rPr lang="ja-JP" altLang="en-US" sz="1600" dirty="0" smtClean="0">
+              <a:rPr lang="ja-JP" altLang="en-US" sz="1600" dirty="0">
                 <a:latin typeface="+mn-ea"/>
               </a:rPr>
               <a:t>について</a:t>
             </a:r>
-            <a:endParaRPr lang="en-US" altLang="ja-JP" sz="1600" dirty="0" smtClean="0">
+            <a:endParaRPr lang="en-US" altLang="ja-JP" sz="1600" dirty="0">
               <a:latin typeface="+mn-ea"/>
             </a:endParaRPr>
           </a:p>
           <a:p>
             <a:pPr lvl="1"/>
-            <a:endParaRPr lang="en-US" altLang="ja-JP" sz="1600" dirty="0" smtClean="0">
+            <a:endParaRPr lang="en-US" altLang="ja-JP" sz="1600" dirty="0">
               <a:latin typeface="+mn-ea"/>
             </a:endParaRPr>
           </a:p>
@@ -13912,13 +13417,9 @@
             </a:r>
             <a:r>
               <a:rPr lang="ja-JP" altLang="en-US" sz="1600" dirty="0"/>
-              <a:t>フロー</a:t>
-            </a:r>
-            <a:r>
-              <a:rPr lang="ja-JP" altLang="en-US" sz="1600" dirty="0" smtClean="0"/>
-              <a:t>全体図</a:t>
-            </a:r>
-            <a:endParaRPr lang="en-US" altLang="ja-JP" sz="1600" dirty="0" smtClean="0"/>
+              <a:t>フロー全体図</a:t>
+            </a:r>
+            <a:endParaRPr lang="en-US" altLang="ja-JP" sz="1600" dirty="0"/>
           </a:p>
           <a:p>
             <a:pPr lvl="1"/>
@@ -13928,13 +13429,9 @@
             </a:r>
             <a:r>
               <a:rPr lang="ja-JP" altLang="en-US" sz="1600" dirty="0"/>
-              <a:t> 監視対象の</a:t>
-            </a:r>
-            <a:r>
-              <a:rPr lang="ja-JP" altLang="en-US" sz="1600" dirty="0" smtClean="0"/>
-              <a:t>設定</a:t>
-            </a:r>
-            <a:endParaRPr lang="en-US" altLang="ja-JP" sz="1600" dirty="0" smtClean="0"/>
+              <a:t> 監視対象の設定</a:t>
+            </a:r>
+            <a:endParaRPr lang="en-US" altLang="ja-JP" sz="1600" dirty="0"/>
           </a:p>
           <a:p>
             <a:pPr lvl="1"/>
@@ -13944,13 +13441,9 @@
             </a:r>
             <a:r>
               <a:rPr lang="ja-JP" altLang="en-US" sz="1600" dirty="0"/>
-              <a:t> モニタリングの</a:t>
-            </a:r>
-            <a:r>
-              <a:rPr lang="ja-JP" altLang="en-US" sz="1600" dirty="0" smtClean="0"/>
-              <a:t>設定</a:t>
-            </a:r>
-            <a:endParaRPr lang="en-US" altLang="ja-JP" sz="1600" dirty="0" smtClean="0"/>
+              <a:t> モニタリングの設定</a:t>
+            </a:r>
+            <a:endParaRPr lang="en-US" altLang="ja-JP" sz="1600" dirty="0"/>
           </a:p>
           <a:p>
             <a:pPr lvl="1"/>
@@ -13962,7 +13455,7 @@
               <a:rPr lang="ja-JP" altLang="en-US" sz="1600" dirty="0"/>
               <a:t> ルールマッチング～アクションの設定</a:t>
             </a:r>
-            <a:endParaRPr lang="en-US" altLang="ja-JP" sz="1600" dirty="0" smtClean="0"/>
+            <a:endParaRPr lang="en-US" altLang="ja-JP" sz="1600" dirty="0"/>
           </a:p>
           <a:p>
             <a:pPr lvl="1"/>
@@ -13982,13 +13475,6 @@
   <p:clrMapOvr>
     <a:masterClrMapping/>
   </p:clrMapOvr>
-  <p:timing>
-    <p:tnLst>
-      <p:par>
-        <p:cTn id="1" dur="indefinite" restart="never" nodeType="tmRoot"/>
-      </p:par>
-    </p:tnLst>
-  </p:timing>
 </p:sld>
 </file>
 
@@ -14025,14 +13511,13 @@
           <a:lstStyle/>
           <a:p>
             <a:r>
-              <a:rPr kumimoji="1" lang="en-US" altLang="ja-JP" dirty="0" smtClean="0"/>
+              <a:rPr kumimoji="1" lang="en-US" altLang="ja-JP" dirty="0"/>
               <a:t>1.</a:t>
             </a:r>
             <a:r>
-              <a:rPr kumimoji="1" lang="ja-JP" altLang="en-US" dirty="0" smtClean="0"/>
+              <a:rPr kumimoji="1" lang="ja-JP" altLang="en-US" dirty="0"/>
               <a:t>　はじめに</a:t>
             </a:r>
-            <a:endParaRPr kumimoji="1" lang="ja-JP" altLang="en-US" dirty="0"/>
           </a:p>
         </p:txBody>
       </p:sp>
@@ -14065,13 +13550,6 @@
   <p:clrMapOvr>
     <a:masterClrMapping/>
   </p:clrMapOvr>
-  <p:timing>
-    <p:tnLst>
-      <p:par>
-        <p:cTn id="1" dur="indefinite" restart="never" nodeType="tmRoot"/>
-      </p:par>
-    </p:tnLst>
-  </p:timing>
 </p:sld>
 </file>
 
@@ -14118,43 +13596,35 @@
               <a:t>　</a:t>
             </a:r>
             <a:r>
-              <a:rPr lang="en-US" altLang="ja-JP" dirty="0" err="1" smtClean="0"/>
+              <a:rPr lang="en-US" altLang="ja-JP" dirty="0" err="1"/>
               <a:t>Zabbix</a:t>
             </a:r>
             <a:r>
-              <a:rPr lang="ja-JP" altLang="en-US" dirty="0" smtClean="0"/>
+              <a:rPr lang="ja-JP" altLang="en-US" dirty="0"/>
               <a:t>連携</a:t>
             </a:r>
             <a:r>
-              <a:rPr lang="en-US" altLang="ja-JP" dirty="0" smtClean="0"/>
+              <a:rPr lang="en-US" altLang="ja-JP" dirty="0"/>
               <a:t>【</a:t>
             </a:r>
             <a:r>
-              <a:rPr lang="ja-JP" altLang="en-US" dirty="0" smtClean="0"/>
+              <a:rPr lang="ja-JP" altLang="en-US" dirty="0"/>
               <a:t>座学</a:t>
             </a:r>
             <a:r>
-              <a:rPr lang="en-US" altLang="ja-JP" dirty="0" smtClean="0"/>
+              <a:rPr lang="en-US" altLang="ja-JP" dirty="0"/>
               <a:t>】</a:t>
             </a:r>
             <a:r>
-              <a:rPr lang="ja-JP" altLang="en-US" dirty="0" smtClean="0"/>
-              <a:t>に</a:t>
-            </a:r>
-            <a:r>
               <a:rPr lang="ja-JP" altLang="en-US" dirty="0"/>
-              <a:t>ついて </a:t>
-            </a:r>
-            <a:r>
-              <a:rPr lang="ja-JP" altLang="en-US" dirty="0" smtClean="0"/>
-              <a:t>（</a:t>
-            </a:r>
-            <a:r>
-              <a:rPr lang="en-US" altLang="ja-JP" dirty="0" smtClean="0"/>
+              <a:t>について （</a:t>
+            </a:r>
+            <a:r>
+              <a:rPr lang="en-US" altLang="ja-JP" dirty="0"/>
               <a:t>1/2</a:t>
             </a:r>
             <a:r>
-              <a:rPr lang="ja-JP" altLang="en-US" dirty="0" smtClean="0"/>
+              <a:rPr lang="ja-JP" altLang="en-US" dirty="0"/>
               <a:t>）</a:t>
             </a:r>
             <a:endParaRPr kumimoji="1" lang="ja-JP" altLang="en-US" dirty="0"/>
@@ -14245,15 +13715,15 @@
               <a:t> OASE </a:t>
             </a:r>
             <a:r>
-              <a:rPr lang="en-US" altLang="ja-JP" dirty="0" err="1" smtClean="0"/>
+              <a:rPr lang="en-US" altLang="ja-JP" dirty="0" err="1"/>
               <a:t>Zabbix</a:t>
             </a:r>
             <a:r>
-              <a:rPr lang="ja-JP" altLang="en-US" dirty="0" smtClean="0"/>
+              <a:rPr lang="ja-JP" altLang="en-US" dirty="0"/>
               <a:t>連携</a:t>
             </a:r>
             <a:r>
-              <a:rPr lang="en-US" altLang="ja-JP" dirty="0" smtClean="0"/>
+              <a:rPr lang="en-US" altLang="ja-JP" dirty="0"/>
               <a:t>【</a:t>
             </a:r>
             <a:r>
@@ -14344,13 +13814,6 @@
   <p:clrMapOvr>
     <a:masterClrMapping/>
   </p:clrMapOvr>
-  <p:timing>
-    <p:tnLst>
-      <p:par>
-        <p:cTn id="1" dur="indefinite" restart="never" nodeType="tmRoot"/>
-      </p:par>
-    </p:tnLst>
-  </p:timing>
 </p:sld>
 </file>
 
@@ -14395,43 +13858,35 @@
               <a:t>　</a:t>
             </a:r>
             <a:r>
-              <a:rPr lang="en-US" altLang="ja-JP" dirty="0" err="1" smtClean="0"/>
+              <a:rPr lang="en-US" altLang="ja-JP" dirty="0" err="1"/>
               <a:t>Zabbix</a:t>
             </a:r>
             <a:r>
-              <a:rPr lang="ja-JP" altLang="en-US" dirty="0" smtClean="0"/>
+              <a:rPr lang="ja-JP" altLang="en-US" dirty="0"/>
               <a:t>連携</a:t>
             </a:r>
             <a:r>
-              <a:rPr lang="en-US" altLang="ja-JP" dirty="0" smtClean="0"/>
+              <a:rPr lang="en-US" altLang="ja-JP" dirty="0"/>
               <a:t>【</a:t>
             </a:r>
             <a:r>
-              <a:rPr lang="ja-JP" altLang="en-US" dirty="0" smtClean="0"/>
+              <a:rPr lang="ja-JP" altLang="en-US" dirty="0"/>
               <a:t>座学</a:t>
             </a:r>
             <a:r>
-              <a:rPr lang="en-US" altLang="ja-JP" dirty="0" smtClean="0"/>
+              <a:rPr lang="en-US" altLang="ja-JP" dirty="0"/>
               <a:t>】</a:t>
             </a:r>
             <a:r>
-              <a:rPr lang="ja-JP" altLang="en-US" dirty="0" smtClean="0"/>
-              <a:t>に</a:t>
-            </a:r>
-            <a:r>
               <a:rPr lang="ja-JP" altLang="en-US" dirty="0"/>
-              <a:t>ついて </a:t>
-            </a:r>
-            <a:r>
-              <a:rPr lang="ja-JP" altLang="en-US" dirty="0" smtClean="0"/>
-              <a:t>（</a:t>
-            </a:r>
-            <a:r>
-              <a:rPr lang="en-US" altLang="ja-JP" dirty="0" smtClean="0"/>
+              <a:t>について （</a:t>
+            </a:r>
+            <a:r>
+              <a:rPr lang="en-US" altLang="ja-JP" dirty="0"/>
               <a:t>2/2</a:t>
             </a:r>
             <a:r>
-              <a:rPr lang="ja-JP" altLang="en-US" dirty="0" smtClean="0"/>
+              <a:rPr lang="ja-JP" altLang="en-US" dirty="0"/>
               <a:t>）</a:t>
             </a:r>
             <a:endParaRPr kumimoji="1" lang="ja-JP" altLang="en-US" dirty="0"/>
@@ -14454,11 +13909,11 @@
           <a:lstStyle/>
           <a:p>
             <a:r>
-              <a:rPr lang="en-US" altLang="ja-JP" dirty="0" err="1" smtClean="0"/>
+              <a:rPr lang="en-US" altLang="ja-JP" dirty="0" err="1"/>
               <a:t>Zabbix</a:t>
             </a:r>
             <a:r>
-              <a:rPr lang="ja-JP" altLang="en-US" dirty="0" smtClean="0"/>
+              <a:rPr lang="ja-JP" altLang="en-US" dirty="0"/>
               <a:t>連携は</a:t>
             </a:r>
             <a:r>
@@ -14554,7 +14009,6 @@
             </a:solidFill>
           </a:ln>
           <a:effectLst/>
-          <a:extLst/>
         </p:spPr>
         <p:txBody>
           <a:bodyPr rot="0" spcFirstLastPara="0" vertOverflow="overflow" horzOverflow="overflow" vert="horz" wrap="none" lIns="72000" tIns="72000" rIns="72000" bIns="72000" numCol="1" spcCol="0" rtlCol="0" fromWordArt="0" anchor="ctr" anchorCtr="0" forceAA="0" compatLnSpc="1">
@@ -14566,7 +14020,7 @@
           <a:lstStyle/>
           <a:p>
             <a:pPr algn="ctr"/>
-            <a:endParaRPr kumimoji="1" lang="ja-JP" altLang="en-US" sz="1400" b="1" dirty="0" smtClean="0">
+            <a:endParaRPr kumimoji="1" lang="ja-JP" altLang="en-US" sz="1400" b="1" dirty="0">
               <a:solidFill>
                 <a:srgbClr val="FF0000"/>
               </a:solidFill>
@@ -14600,7 +14054,6 @@
             </a:solidFill>
           </a:ln>
           <a:effectLst/>
-          <a:extLst/>
         </p:spPr>
         <p:txBody>
           <a:bodyPr rot="0" spcFirstLastPara="0" vertOverflow="overflow" horzOverflow="overflow" vert="horz" wrap="none" lIns="72000" tIns="72000" rIns="72000" bIns="72000" numCol="1" spcCol="0" rtlCol="0" fromWordArt="0" anchor="t" anchorCtr="0" forceAA="0" compatLnSpc="1">
@@ -14612,7 +14065,7 @@
           <a:lstStyle/>
           <a:p>
             <a:r>
-              <a:rPr kumimoji="1" lang="ja-JP" altLang="en-US" sz="1200" b="1" dirty="0" smtClean="0">
+              <a:rPr kumimoji="1" lang="ja-JP" altLang="en-US" sz="1200" b="1" dirty="0">
                 <a:latin typeface="+mn-ea"/>
               </a:rPr>
               <a:t>カテゴリ：ルール</a:t>
@@ -14645,7 +14098,6 @@
             </a:solidFill>
           </a:ln>
           <a:effectLst/>
-          <a:extLst/>
         </p:spPr>
         <p:txBody>
           <a:bodyPr rot="0" spcFirstLastPara="0" vertOverflow="overflow" horzOverflow="overflow" vert="horz" wrap="none" lIns="72000" tIns="72000" rIns="72000" bIns="72000" numCol="1" spcCol="0" rtlCol="0" fromWordArt="0" anchor="t" anchorCtr="0" forceAA="0" compatLnSpc="1">
@@ -14657,12 +14109,12 @@
           <a:lstStyle/>
           <a:p>
             <a:r>
-              <a:rPr lang="ja-JP" altLang="en-US" sz="1200" b="1" dirty="0" smtClean="0">
+              <a:rPr lang="ja-JP" altLang="en-US" sz="1200" b="1" dirty="0">
                 <a:latin typeface="+mn-ea"/>
               </a:rPr>
               <a:t>カテゴリ：システム</a:t>
             </a:r>
-            <a:endParaRPr kumimoji="1" lang="ja-JP" altLang="en-US" sz="1200" b="1" dirty="0" smtClean="0">
+            <a:endParaRPr kumimoji="1" lang="ja-JP" altLang="en-US" sz="1200" b="1" dirty="0">
               <a:latin typeface="+mn-ea"/>
             </a:endParaRPr>
           </a:p>
@@ -14709,14 +14161,11 @@
                     <a:p>
                       <a:pPr algn="ctr"/>
                       <a:r>
-                        <a:rPr kumimoji="1" lang="ja-JP" altLang="en-US" sz="1300" dirty="0" smtClean="0">
+                        <a:rPr kumimoji="1" lang="ja-JP" altLang="en-US" sz="1300" dirty="0">
                           <a:latin typeface="+mn-lt"/>
                         </a:rPr>
                         <a:t>画面名称</a:t>
                       </a:r>
-                      <a:endParaRPr kumimoji="1" lang="ja-JP" altLang="en-US" sz="1300" dirty="0">
-                        <a:latin typeface="+mn-lt"/>
-                      </a:endParaRPr>
                     </a:p>
                   </a:txBody>
                   <a:tcPr anchor="ctr">
@@ -14791,14 +14240,11 @@
                     <a:lstStyle/>
                     <a:p>
                       <a:r>
-                        <a:rPr kumimoji="1" lang="ja-JP" altLang="en-US" sz="1300" dirty="0" smtClean="0">
+                        <a:rPr kumimoji="1" lang="ja-JP" altLang="en-US" sz="1300" dirty="0">
                           <a:latin typeface="+mn-lt"/>
                         </a:rPr>
                         <a:t>ディシジョンテーブル</a:t>
                       </a:r>
-                      <a:endParaRPr kumimoji="1" lang="ja-JP" altLang="en-US" sz="1300" dirty="0">
-                        <a:latin typeface="+mn-lt"/>
-                      </a:endParaRPr>
                     </a:p>
                   </a:txBody>
                   <a:tcPr anchor="ctr">
@@ -14893,7 +14339,7 @@
                         <a:defRPr/>
                       </a:pPr>
                       <a:r>
-                        <a:rPr kumimoji="1" lang="ja-JP" altLang="en-US" sz="1300" dirty="0" smtClean="0">
+                        <a:rPr kumimoji="1" lang="ja-JP" altLang="en-US" sz="1300" dirty="0">
                           <a:latin typeface="+mn-lt"/>
                         </a:rPr>
                         <a:t>トークン払い出し</a:t>
@@ -14975,12 +14421,12 @@
                     <a:lstStyle/>
                     <a:p>
                       <a:r>
-                        <a:rPr kumimoji="1" lang="ja-JP" altLang="en-US" sz="1300" dirty="0" smtClean="0">
+                        <a:rPr kumimoji="1" lang="ja-JP" altLang="en-US" sz="1300" dirty="0">
                           <a:latin typeface="+mn-lt"/>
                         </a:rPr>
                         <a:t>ルール</a:t>
                       </a:r>
-                      <a:endParaRPr kumimoji="1" lang="en-US" altLang="ja-JP" sz="1300" dirty="0" smtClean="0">
+                      <a:endParaRPr kumimoji="1" lang="en-US" altLang="ja-JP" sz="1300" dirty="0">
                         <a:latin typeface="+mn-lt"/>
                       </a:endParaRPr>
                     </a:p>
@@ -15060,14 +14506,11 @@
                     <a:lstStyle/>
                     <a:p>
                       <a:r>
-                        <a:rPr kumimoji="1" lang="ja-JP" altLang="en-US" sz="1300" dirty="0" smtClean="0">
+                        <a:rPr kumimoji="1" lang="ja-JP" altLang="en-US" sz="1300" dirty="0">
                           <a:latin typeface="+mn-lt"/>
                         </a:rPr>
                         <a:t>リクエスト履歴</a:t>
                       </a:r>
-                      <a:endParaRPr kumimoji="1" lang="ja-JP" altLang="en-US" sz="1300" dirty="0">
-                        <a:latin typeface="+mn-lt"/>
-                      </a:endParaRPr>
                     </a:p>
                   </a:txBody>
                   <a:tcPr anchor="ctr">
@@ -15145,14 +14588,11 @@
                     <a:lstStyle/>
                     <a:p>
                       <a:r>
-                        <a:rPr kumimoji="1" lang="ja-JP" altLang="en-US" sz="1300" dirty="0" smtClean="0">
+                        <a:rPr kumimoji="1" lang="ja-JP" altLang="en-US" sz="1300" dirty="0">
                           <a:latin typeface="+mn-lt"/>
                         </a:rPr>
                         <a:t>アクション履歴</a:t>
                       </a:r>
-                      <a:endParaRPr kumimoji="1" lang="ja-JP" altLang="en-US" sz="1300" dirty="0">
-                        <a:latin typeface="+mn-lt"/>
-                      </a:endParaRPr>
                     </a:p>
                   </a:txBody>
                   <a:tcPr anchor="ctr">
@@ -15265,14 +14705,11 @@
                     <a:p>
                       <a:pPr algn="ctr"/>
                       <a:r>
-                        <a:rPr kumimoji="1" lang="ja-JP" altLang="en-US" sz="1300" dirty="0" smtClean="0">
+                        <a:rPr kumimoji="1" lang="ja-JP" altLang="en-US" sz="1300" dirty="0">
                           <a:latin typeface="+mn-lt"/>
                         </a:rPr>
                         <a:t>画面名称</a:t>
                       </a:r>
-                      <a:endParaRPr kumimoji="1" lang="ja-JP" altLang="en-US" sz="1300" dirty="0">
-                        <a:latin typeface="+mn-lt"/>
-                      </a:endParaRPr>
                     </a:p>
                   </a:txBody>
                   <a:tcPr anchor="ctr">
@@ -15347,14 +14784,11 @@
                     <a:lstStyle/>
                     <a:p>
                       <a:r>
-                        <a:rPr kumimoji="1" lang="ja-JP" altLang="en-US" sz="1300" dirty="0" smtClean="0">
+                        <a:rPr kumimoji="1" lang="ja-JP" altLang="en-US" sz="1300" dirty="0">
                           <a:latin typeface="+mn-lt"/>
                         </a:rPr>
                         <a:t>監視アダプタ</a:t>
                       </a:r>
-                      <a:endParaRPr kumimoji="1" lang="ja-JP" altLang="en-US" sz="1300" dirty="0">
-                        <a:latin typeface="+mn-lt"/>
-                      </a:endParaRPr>
                     </a:p>
                   </a:txBody>
                   <a:tcPr anchor="ctr">
@@ -15432,14 +14866,11 @@
                     <a:lstStyle/>
                     <a:p>
                       <a:r>
-                        <a:rPr kumimoji="1" lang="ja-JP" altLang="en-US" sz="1300" dirty="0" smtClean="0">
+                        <a:rPr kumimoji="1" lang="ja-JP" altLang="en-US" sz="1300" dirty="0">
                           <a:latin typeface="+mn-lt"/>
                         </a:rPr>
                         <a:t>アクション設定</a:t>
                       </a:r>
-                      <a:endParaRPr kumimoji="1" lang="ja-JP" altLang="en-US" sz="1300" dirty="0">
-                        <a:latin typeface="+mn-lt"/>
-                      </a:endParaRPr>
                     </a:p>
                   </a:txBody>
                   <a:tcPr anchor="ctr">
@@ -15625,7 +15056,6 @@
             </a:solidFill>
           </a:ln>
           <a:effectLst/>
-          <a:extLst/>
         </p:spPr>
         <p:txBody>
           <a:bodyPr rot="0" spcFirstLastPara="0" vertOverflow="overflow" horzOverflow="overflow" vert="horz" wrap="none" lIns="72000" tIns="72000" rIns="72000" bIns="72000" numCol="1" spcCol="0" rtlCol="0" fromWordArt="0" anchor="ctr" anchorCtr="0" forceAA="0" compatLnSpc="1">
@@ -15637,7 +15067,7 @@
           <a:lstStyle/>
           <a:p>
             <a:pPr algn="ctr"/>
-            <a:endParaRPr kumimoji="1" lang="ja-JP" altLang="en-US" sz="1400" b="1" dirty="0" smtClean="0">
+            <a:endParaRPr kumimoji="1" lang="ja-JP" altLang="en-US" sz="1400" b="1" dirty="0">
               <a:solidFill>
                 <a:srgbClr val="FF0000"/>
               </a:solidFill>
@@ -15656,13 +15086,6 @@
   <p:clrMapOvr>
     <a:masterClrMapping/>
   </p:clrMapOvr>
-  <p:timing>
-    <p:tnLst>
-      <p:par>
-        <p:cTn id="1" dur="indefinite" restart="never" nodeType="tmRoot"/>
-      </p:par>
-    </p:tnLst>
-  </p:timing>
 </p:sld>
 </file>
 
@@ -15704,15 +15127,7 @@
             </a:r>
             <a:r>
               <a:rPr lang="ja-JP" altLang="en-US" dirty="0"/>
-              <a:t>　</a:t>
-            </a:r>
-            <a:r>
-              <a:rPr lang="ja-JP" altLang="en-US" dirty="0" smtClean="0"/>
-              <a:t>フローの</a:t>
-            </a:r>
-            <a:r>
-              <a:rPr lang="ja-JP" altLang="en-US" dirty="0"/>
-              <a:t>説明</a:t>
+              <a:t>　フローの説明</a:t>
             </a:r>
             <a:endParaRPr kumimoji="1" lang="ja-JP" altLang="en-US" dirty="0"/>
           </a:p>
@@ -15747,13 +15162,6 @@
   <p:clrMapOvr>
     <a:masterClrMapping/>
   </p:clrMapOvr>
-  <p:timing>
-    <p:tnLst>
-      <p:par>
-        <p:cTn id="1" dur="indefinite" restart="never" nodeType="tmRoot"/>
-      </p:par>
-    </p:tnLst>
-  </p:timing>
 </p:sld>
 </file>
 
@@ -15798,7 +15206,7 @@
               <a:t>フロー全体図</a:t>
             </a:r>
             <a:r>
-              <a:rPr lang="en-US" altLang="ja-JP" dirty="0" smtClean="0"/>
+              <a:rPr lang="en-US" altLang="ja-JP" dirty="0"/>
               <a:t>(1/3)</a:t>
             </a:r>
             <a:endParaRPr kumimoji="1" lang="ja-JP" altLang="en-US" dirty="0"/>
@@ -15821,104 +15229,104 @@
           <a:lstStyle/>
           <a:p>
             <a:r>
-              <a:rPr kumimoji="1" lang="ja-JP" altLang="en-US" dirty="0" smtClean="0"/>
+              <a:rPr kumimoji="1" lang="ja-JP" altLang="en-US" dirty="0"/>
               <a:t>「</a:t>
             </a:r>
             <a:r>
-              <a:rPr kumimoji="1" lang="en-US" altLang="ja-JP" dirty="0" err="1" smtClean="0"/>
+              <a:rPr kumimoji="1" lang="en-US" altLang="ja-JP" dirty="0" err="1"/>
               <a:t>Zabbix</a:t>
             </a:r>
             <a:r>
-              <a:rPr kumimoji="1" lang="ja-JP" altLang="en-US" dirty="0" smtClean="0"/>
+              <a:rPr kumimoji="1" lang="ja-JP" altLang="en-US" dirty="0"/>
               <a:t>連携</a:t>
             </a:r>
             <a:r>
-              <a:rPr kumimoji="1" lang="en-US" altLang="ja-JP" dirty="0" smtClean="0"/>
+              <a:rPr kumimoji="1" lang="en-US" altLang="ja-JP" dirty="0"/>
               <a:t>【</a:t>
             </a:r>
             <a:r>
-              <a:rPr kumimoji="1" lang="ja-JP" altLang="en-US" dirty="0" smtClean="0"/>
+              <a:rPr kumimoji="1" lang="ja-JP" altLang="en-US" dirty="0"/>
               <a:t>実習</a:t>
             </a:r>
             <a:r>
-              <a:rPr kumimoji="1" lang="en-US" altLang="ja-JP" dirty="0" smtClean="0"/>
+              <a:rPr kumimoji="1" lang="en-US" altLang="ja-JP" dirty="0"/>
               <a:t>】</a:t>
             </a:r>
             <a:r>
-              <a:rPr kumimoji="1" lang="ja-JP" altLang="en-US" dirty="0" smtClean="0"/>
+              <a:rPr kumimoji="1" lang="ja-JP" altLang="en-US" dirty="0"/>
               <a:t>」では、「</a:t>
             </a:r>
             <a:r>
-              <a:rPr kumimoji="1" lang="en-US" altLang="ja-JP" dirty="0" smtClean="0"/>
+              <a:rPr kumimoji="1" lang="en-US" altLang="ja-JP" dirty="0"/>
               <a:t>Zabbix</a:t>
             </a:r>
             <a:r>
-              <a:rPr kumimoji="1" lang="ja-JP" altLang="en-US" dirty="0" smtClean="0"/>
+              <a:rPr kumimoji="1" lang="ja-JP" altLang="en-US" dirty="0"/>
               <a:t>サーバ」と「</a:t>
             </a:r>
             <a:r>
-              <a:rPr kumimoji="1" lang="en-US" altLang="ja-JP" dirty="0" smtClean="0"/>
+              <a:rPr kumimoji="1" lang="en-US" altLang="ja-JP" dirty="0"/>
               <a:t>OASE</a:t>
             </a:r>
             <a:r>
-              <a:rPr kumimoji="1" lang="ja-JP" altLang="en-US" dirty="0" smtClean="0"/>
+              <a:rPr kumimoji="1" lang="ja-JP" altLang="en-US" dirty="0"/>
               <a:t>サーバ」の</a:t>
             </a:r>
             <a:r>
-              <a:rPr kumimoji="1" lang="en-US" altLang="ja-JP" dirty="0" smtClean="0"/>
+              <a:rPr kumimoji="1" lang="en-US" altLang="ja-JP" dirty="0"/>
               <a:t>2</a:t>
             </a:r>
             <a:r>
-              <a:rPr kumimoji="1" lang="ja-JP" altLang="en-US" dirty="0" smtClean="0"/>
+              <a:rPr kumimoji="1" lang="ja-JP" altLang="en-US" dirty="0"/>
               <a:t>環境を用意し実施する</a:t>
             </a:r>
-            <a:endParaRPr kumimoji="1" lang="en-US" altLang="ja-JP" dirty="0" smtClean="0"/>
+            <a:endParaRPr kumimoji="1" lang="en-US" altLang="ja-JP" dirty="0"/>
           </a:p>
           <a:p>
             <a:pPr marL="180000" lvl="1" indent="0">
               <a:buNone/>
             </a:pPr>
-            <a:endParaRPr lang="en-US" altLang="ja-JP" dirty="0" smtClean="0"/>
+            <a:endParaRPr lang="en-US" altLang="ja-JP" dirty="0"/>
           </a:p>
           <a:p>
             <a:pPr lvl="1"/>
             <a:r>
-              <a:rPr lang="en-US" altLang="ja-JP" dirty="0" smtClean="0"/>
+              <a:rPr lang="en-US" altLang="ja-JP" dirty="0"/>
               <a:t>Zabbix</a:t>
             </a:r>
             <a:r>
-              <a:rPr lang="ja-JP" altLang="en-US" dirty="0" smtClean="0"/>
+              <a:rPr lang="ja-JP" altLang="en-US" dirty="0"/>
               <a:t>サーバ</a:t>
             </a:r>
-            <a:endParaRPr lang="en-US" altLang="ja-JP" dirty="0" smtClean="0"/>
+            <a:endParaRPr lang="en-US" altLang="ja-JP" dirty="0"/>
           </a:p>
           <a:p>
             <a:pPr lvl="2"/>
             <a:r>
-              <a:rPr lang="en-US" altLang="ja-JP" dirty="0" smtClean="0"/>
+              <a:rPr lang="en-US" altLang="ja-JP" dirty="0"/>
               <a:t>Zabbix</a:t>
             </a:r>
             <a:r>
-              <a:rPr lang="ja-JP" altLang="en-US" dirty="0" smtClean="0"/>
+              <a:rPr lang="ja-JP" altLang="en-US" dirty="0"/>
               <a:t>サーバプロセスおよび、監視対象を監視する</a:t>
             </a:r>
             <a:r>
-              <a:rPr lang="en-US" altLang="ja-JP" dirty="0" smtClean="0"/>
+              <a:rPr lang="en-US" altLang="ja-JP" dirty="0"/>
               <a:t>Zabbix</a:t>
             </a:r>
             <a:r>
-              <a:rPr lang="ja-JP" altLang="en-US" dirty="0" smtClean="0"/>
+              <a:rPr lang="ja-JP" altLang="en-US" dirty="0"/>
               <a:t>エージェントをインストールしている環境</a:t>
             </a:r>
-            <a:endParaRPr lang="en-US" altLang="ja-JP" dirty="0" smtClean="0"/>
+            <a:endParaRPr lang="en-US" altLang="ja-JP" dirty="0"/>
           </a:p>
           <a:p>
             <a:pPr lvl="2"/>
             <a:r>
-              <a:rPr lang="ja-JP" altLang="en-US" dirty="0" smtClean="0"/>
+              <a:rPr lang="ja-JP" altLang="en-US" dirty="0"/>
               <a:t>監視対象となるログファイルを用意</a:t>
             </a:r>
-            <a:endParaRPr lang="en-US" altLang="ja-JP" dirty="0" smtClean="0"/>
+            <a:endParaRPr lang="en-US" altLang="ja-JP" dirty="0"/>
           </a:p>
           <a:p>
             <a:pPr lvl="2">
@@ -15927,39 +15335,23 @@
             </a:pPr>
             <a:r>
               <a:rPr lang="ja-JP" altLang="en-US" dirty="0"/>
-              <a:t>フロー簡略化のため「監視</a:t>
-            </a:r>
-            <a:r>
-              <a:rPr lang="ja-JP" altLang="en-US" dirty="0" smtClean="0"/>
-              <a:t>対象＆</a:t>
-            </a:r>
-            <a:r>
-              <a:rPr lang="en-US" altLang="ja-JP" dirty="0" smtClean="0"/>
+              <a:t>フロー簡略化のため「監視対象＆</a:t>
+            </a:r>
+            <a:r>
+              <a:rPr lang="en-US" altLang="ja-JP" dirty="0"/>
               <a:t>Zabbix</a:t>
             </a:r>
             <a:r>
-              <a:rPr lang="ja-JP" altLang="en-US" dirty="0" smtClean="0"/>
-              <a:t>エージェント」</a:t>
-            </a:r>
-            <a:r>
               <a:rPr lang="ja-JP" altLang="en-US" dirty="0"/>
-              <a:t>と「</a:t>
-            </a:r>
-            <a:r>
-              <a:rPr lang="en-US" altLang="ja-JP" dirty="0" smtClean="0"/>
+              <a:t>エージェント」と「</a:t>
+            </a:r>
+            <a:r>
+              <a:rPr lang="en-US" altLang="ja-JP" dirty="0"/>
               <a:t>Zabbix</a:t>
             </a:r>
             <a:r>
-              <a:rPr lang="ja-JP" altLang="en-US" dirty="0" smtClean="0"/>
-              <a:t>サーバプロセス」</a:t>
-            </a:r>
-            <a:r>
               <a:rPr lang="ja-JP" altLang="en-US" dirty="0"/>
-              <a:t>を同じサーバ内と</a:t>
-            </a:r>
-            <a:r>
-              <a:rPr lang="ja-JP" altLang="en-US" dirty="0" smtClean="0"/>
-              <a:t>する</a:t>
+              <a:t>サーバプロセス」を同じサーバ内とする</a:t>
             </a:r>
             <a:endParaRPr lang="en-US" altLang="ja-JP" dirty="0"/>
           </a:p>
@@ -15970,30 +15362,30 @@
           <a:p>
             <a:pPr lvl="1"/>
             <a:r>
-              <a:rPr lang="en-US" altLang="ja-JP" dirty="0" smtClean="0"/>
+              <a:rPr lang="en-US" altLang="ja-JP" dirty="0"/>
               <a:t>OASE</a:t>
             </a:r>
             <a:r>
-              <a:rPr lang="ja-JP" altLang="en-US" dirty="0" smtClean="0"/>
+              <a:rPr lang="ja-JP" altLang="en-US" dirty="0"/>
               <a:t>サーバ</a:t>
             </a:r>
-            <a:endParaRPr lang="en-US" altLang="ja-JP" dirty="0" smtClean="0"/>
+            <a:endParaRPr lang="en-US" altLang="ja-JP" dirty="0"/>
           </a:p>
           <a:p>
             <a:pPr lvl="2"/>
             <a:r>
-              <a:rPr lang="en-US" altLang="ja-JP" dirty="0" smtClean="0"/>
+              <a:rPr lang="en-US" altLang="ja-JP" dirty="0"/>
               <a:t>OASE</a:t>
             </a:r>
             <a:r>
-              <a:rPr lang="ja-JP" altLang="en-US" dirty="0" err="1" smtClean="0"/>
+              <a:rPr lang="ja-JP" altLang="en-US" dirty="0" err="1"/>
               <a:t>、</a:t>
             </a:r>
             <a:r>
-              <a:rPr lang="ja-JP" altLang="en-US" dirty="0" smtClean="0"/>
+              <a:rPr lang="ja-JP" altLang="en-US" dirty="0"/>
               <a:t>監視アダプタおよびドライバをインストールしている環境</a:t>
             </a:r>
-            <a:endParaRPr lang="en-US" altLang="ja-JP" dirty="0" smtClean="0"/>
+            <a:endParaRPr lang="en-US" altLang="ja-JP" dirty="0"/>
           </a:p>
           <a:p>
             <a:pPr lvl="1"/>
@@ -16029,7 +15421,6 @@
             </a:solidFill>
           </a:ln>
           <a:effectLst/>
-          <a:extLst/>
         </p:spPr>
         <p:txBody>
           <a:bodyPr rot="0" spcFirstLastPara="0" vertOverflow="overflow" horzOverflow="overflow" vert="horz" wrap="none" lIns="72000" tIns="72000" rIns="72000" bIns="72000" numCol="1" spcCol="0" rtlCol="0" fromWordArt="0" anchor="t" anchorCtr="0" forceAA="0" compatLnSpc="1">
@@ -16041,7 +15432,7 @@
           <a:lstStyle/>
           <a:p>
             <a:r>
-              <a:rPr kumimoji="1" lang="en-US" altLang="ja-JP" b="1" dirty="0" smtClean="0">
+              <a:rPr kumimoji="1" lang="en-US" altLang="ja-JP" b="1" dirty="0">
                 <a:solidFill>
                   <a:schemeClr val="bg1"/>
                 </a:solidFill>
@@ -16050,7 +15441,7 @@
               <a:t>Zabbix</a:t>
             </a:r>
             <a:r>
-              <a:rPr kumimoji="1" lang="ja-JP" altLang="en-US" b="1" dirty="0" smtClean="0">
+              <a:rPr kumimoji="1" lang="ja-JP" altLang="en-US" b="1" dirty="0">
                 <a:solidFill>
                   <a:schemeClr val="bg1"/>
                 </a:solidFill>
@@ -16058,7 +15449,7 @@
               </a:rPr>
               <a:t>サーバ</a:t>
             </a:r>
-            <a:endParaRPr kumimoji="1" lang="en-US" altLang="ja-JP" b="1" dirty="0" smtClean="0">
+            <a:endParaRPr kumimoji="1" lang="en-US" altLang="ja-JP" b="1" dirty="0">
               <a:solidFill>
                 <a:schemeClr val="bg1"/>
               </a:solidFill>
@@ -16095,7 +15486,6 @@
             </a:solidFill>
           </a:ln>
           <a:effectLst/>
-          <a:extLst/>
         </p:spPr>
         <p:txBody>
           <a:bodyPr rot="0" spcFirstLastPara="0" vertOverflow="overflow" horzOverflow="overflow" vert="horz" wrap="none" lIns="72000" tIns="72000" rIns="72000" bIns="72000" numCol="1" spcCol="0" rtlCol="0" fromWordArt="0" anchor="t" anchorCtr="0" forceAA="0" compatLnSpc="1">
@@ -16107,7 +15497,7 @@
           <a:lstStyle/>
           <a:p>
             <a:r>
-              <a:rPr kumimoji="1" lang="ja-JP" altLang="en-US" b="1" dirty="0" smtClean="0">
+              <a:rPr kumimoji="1" lang="ja-JP" altLang="en-US" b="1" dirty="0">
                 <a:latin typeface="+mn-ea"/>
               </a:rPr>
               <a:t>監視対象</a:t>
@@ -16117,7 +15507,7 @@
             </a:endParaRPr>
           </a:p>
           <a:p>
-            <a:endParaRPr kumimoji="1" lang="en-US" altLang="ja-JP" b="1" dirty="0" smtClean="0">
+            <a:endParaRPr kumimoji="1" lang="en-US" altLang="ja-JP" b="1" dirty="0">
               <a:latin typeface="+mn-ea"/>
             </a:endParaRPr>
           </a:p>
@@ -16152,7 +15542,7 @@
               </a:rPr>
               <a:t>/test.log</a:t>
             </a:r>
-            <a:endParaRPr kumimoji="1" lang="ja-JP" altLang="en-US" b="1" dirty="0" smtClean="0">
+            <a:endParaRPr kumimoji="1" lang="ja-JP" altLang="en-US" b="1" dirty="0">
               <a:latin typeface="+mn-ea"/>
             </a:endParaRPr>
           </a:p>
@@ -16193,10 +15583,10 @@
                   <a:schemeClr val="bg1"/>
                 </a:solidFill>
               </a:rPr>
-              <a:t>[</a:t>
-            </a:r>
-            <a:r>
-              <a:rPr lang="ja-JP" altLang="en-US" sz="1050" dirty="0" smtClean="0">
+              <a:t>[20</a:t>
+            </a:r>
+            <a:r>
+              <a:rPr lang="en-US" altLang="ja-JP" sz="1050" dirty="0">
                 <a:solidFill>
                   <a:schemeClr val="bg1"/>
                 </a:solidFill>
@@ -16204,15 +15594,129 @@
               <a:t>20</a:t>
             </a:r>
             <a:r>
-              <a:rPr lang="en-US" altLang="ja-JP" sz="1050" dirty="0" smtClean="0">
+              <a:rPr lang="ja-JP" altLang="en-US" sz="1050" dirty="0">
                 <a:solidFill>
                   <a:schemeClr val="bg1"/>
                 </a:solidFill>
               </a:rPr>
+              <a:t>-0</a:t>
+            </a:r>
+            <a:r>
+              <a:rPr lang="en-US" altLang="ja-JP" sz="1050" dirty="0">
+                <a:solidFill>
+                  <a:schemeClr val="bg1"/>
+                </a:solidFill>
+              </a:rPr>
+              <a:t>1</a:t>
+            </a:r>
+            <a:r>
+              <a:rPr lang="ja-JP" altLang="en-US" sz="1050" dirty="0">
+                <a:solidFill>
+                  <a:schemeClr val="bg1"/>
+                </a:solidFill>
+              </a:rPr>
+              <a:t>-0</a:t>
+            </a:r>
+            <a:r>
+              <a:rPr lang="en-US" altLang="ja-JP" sz="1050" dirty="0">
+                <a:solidFill>
+                  <a:schemeClr val="bg1"/>
+                </a:solidFill>
+              </a:rPr>
+              <a:t>1</a:t>
+            </a:r>
+            <a:r>
+              <a:rPr lang="ja-JP" altLang="en-US" sz="1050" dirty="0">
+                <a:solidFill>
+                  <a:schemeClr val="bg1"/>
+                </a:solidFill>
+              </a:rPr>
+              <a:t> 0</a:t>
+            </a:r>
+            <a:r>
+              <a:rPr lang="en-US" altLang="ja-JP" sz="1050" dirty="0">
+                <a:solidFill>
+                  <a:schemeClr val="bg1"/>
+                </a:solidFill>
+              </a:rPr>
+              <a:t>1</a:t>
+            </a:r>
+            <a:r>
+              <a:rPr lang="ja-JP" altLang="en-US" sz="1050" dirty="0">
+                <a:solidFill>
+                  <a:schemeClr val="bg1"/>
+                </a:solidFill>
+              </a:rPr>
+              <a:t>:0</a:t>
+            </a:r>
+            <a:r>
+              <a:rPr lang="en-US" altLang="ja-JP" sz="1050" dirty="0">
+                <a:solidFill>
+                  <a:schemeClr val="bg1"/>
+                </a:solidFill>
+              </a:rPr>
+              <a:t>2</a:t>
+            </a:r>
+            <a:r>
+              <a:rPr lang="ja-JP" altLang="en-US" sz="1050" dirty="0">
+                <a:solidFill>
+                  <a:schemeClr val="bg1"/>
+                </a:solidFill>
+              </a:rPr>
+              <a:t>:0</a:t>
+            </a:r>
+            <a:r>
+              <a:rPr lang="en-US" altLang="ja-JP" sz="1050" dirty="0">
+                <a:solidFill>
+                  <a:schemeClr val="bg1"/>
+                </a:solidFill>
+              </a:rPr>
+              <a:t>3</a:t>
+            </a:r>
+            <a:r>
+              <a:rPr lang="ja-JP" altLang="en-US" sz="1050" dirty="0">
+                <a:solidFill>
+                  <a:schemeClr val="bg1"/>
+                </a:solidFill>
+              </a:rPr>
+              <a:t>] </a:t>
+            </a:r>
+            <a:r>
+              <a:rPr lang="en-US" altLang="ja-JP" sz="1050" dirty="0">
+                <a:solidFill>
+                  <a:schemeClr val="bg1"/>
+                </a:solidFill>
+              </a:rPr>
+              <a:t>INFO</a:t>
+            </a:r>
+            <a:r>
+              <a:rPr lang="ja-JP" altLang="en-US" sz="1050" dirty="0">
+                <a:solidFill>
+                  <a:schemeClr val="bg1"/>
+                </a:solidFill>
+              </a:rPr>
+              <a:t> : DB接続</a:t>
+            </a:r>
+          </a:p>
+          <a:p>
+            <a:r>
+              <a:rPr lang="ja-JP" altLang="en-US" sz="1050" dirty="0">
+                <a:solidFill>
+                  <a:schemeClr val="bg1"/>
+                </a:solidFill>
+              </a:rPr>
+              <a:t>[20</a:t>
+            </a:r>
+            <a:r>
+              <a:rPr lang="en-US" altLang="ja-JP" sz="1050" dirty="0">
+                <a:solidFill>
+                  <a:schemeClr val="bg1"/>
+                </a:solidFill>
+              </a:rPr>
               <a:t>20</a:t>
             </a:r>
             <a:r>
-              <a:rPr lang="ja-JP" altLang="en-US" sz="1050" dirty="0" smtClean="0">
+              <a:rPr lang="ja-JP" altLang="en-US" sz="1050" dirty="0">
                 <a:solidFill>
                   <a:schemeClr val="bg1"/>
                 </a:solidFill>
@@ -16220,7 +15724,7 @@
               <a:t>-0</a:t>
             </a:r>
             <a:r>
-              <a:rPr lang="en-US" altLang="ja-JP" sz="1050" dirty="0" smtClean="0">
+              <a:rPr lang="en-US" altLang="ja-JP" sz="1050" dirty="0">
                 <a:solidFill>
                   <a:schemeClr val="bg1"/>
                 </a:solidFill>
@@ -16228,7 +15732,7 @@
               <a:t>1</a:t>
             </a:r>
             <a:r>
-              <a:rPr lang="ja-JP" altLang="en-US" sz="1050" dirty="0" smtClean="0">
+              <a:rPr lang="ja-JP" altLang="en-US" sz="1050" dirty="0">
                 <a:solidFill>
                   <a:schemeClr val="bg1"/>
                 </a:solidFill>
@@ -16236,7 +15740,7 @@
               <a:t>-0</a:t>
             </a:r>
             <a:r>
-              <a:rPr lang="en-US" altLang="ja-JP" sz="1050" dirty="0" smtClean="0">
+              <a:rPr lang="en-US" altLang="ja-JP" sz="1050" dirty="0">
                 <a:solidFill>
                   <a:schemeClr val="bg1"/>
                 </a:solidFill>
@@ -16244,7 +15748,7 @@
               <a:t>1</a:t>
             </a:r>
             <a:r>
-              <a:rPr lang="ja-JP" altLang="en-US" sz="1050" dirty="0" smtClean="0">
+              <a:rPr lang="ja-JP" altLang="en-US" sz="1050" dirty="0">
                 <a:solidFill>
                   <a:schemeClr val="bg1"/>
                 </a:solidFill>
@@ -16252,7 +15756,7 @@
               <a:t> 0</a:t>
             </a:r>
             <a:r>
-              <a:rPr lang="en-US" altLang="ja-JP" sz="1050" dirty="0" smtClean="0">
+              <a:rPr lang="en-US" altLang="ja-JP" sz="1050" dirty="0">
                 <a:solidFill>
                   <a:schemeClr val="bg1"/>
                 </a:solidFill>
@@ -16260,7 +15764,7 @@
               <a:t>1</a:t>
             </a:r>
             <a:r>
-              <a:rPr lang="ja-JP" altLang="en-US" sz="1050" dirty="0" smtClean="0">
+              <a:rPr lang="ja-JP" altLang="en-US" sz="1050" dirty="0">
                 <a:solidFill>
                   <a:schemeClr val="bg1"/>
                 </a:solidFill>
@@ -16268,7 +15772,7 @@
               <a:t>:0</a:t>
             </a:r>
             <a:r>
-              <a:rPr lang="en-US" altLang="ja-JP" sz="1050" dirty="0" smtClean="0">
+              <a:rPr lang="en-US" altLang="ja-JP" sz="1050" dirty="0">
                 <a:solidFill>
                   <a:schemeClr val="bg1"/>
                 </a:solidFill>
@@ -16276,23 +15780,23 @@
               <a:t>2</a:t>
             </a:r>
             <a:r>
-              <a:rPr lang="ja-JP" altLang="en-US" sz="1050" dirty="0" smtClean="0">
+              <a:rPr lang="ja-JP" altLang="en-US" sz="1050" dirty="0">
                 <a:solidFill>
                   <a:schemeClr val="bg1"/>
                 </a:solidFill>
               </a:rPr>
-              <a:t>:0</a:t>
-            </a:r>
-            <a:r>
-              <a:rPr lang="en-US" altLang="ja-JP" sz="1050" dirty="0" smtClean="0">
+              <a:t>:</a:t>
+            </a:r>
+            <a:r>
+              <a:rPr lang="en-US" altLang="ja-JP" sz="1050" dirty="0">
                 <a:solidFill>
                   <a:schemeClr val="bg1"/>
                 </a:solidFill>
               </a:rPr>
-              <a:t>3</a:t>
-            </a:r>
-            <a:r>
-              <a:rPr lang="ja-JP" altLang="en-US" sz="1050" dirty="0" smtClean="0">
+              <a:t>13</a:t>
+            </a:r>
+            <a:r>
+              <a:rPr lang="ja-JP" altLang="en-US" sz="1050" dirty="0">
                 <a:solidFill>
                   <a:schemeClr val="bg1"/>
                 </a:solidFill>
@@ -16300,7 +15804,7 @@
               <a:t>] </a:t>
             </a:r>
             <a:r>
-              <a:rPr lang="en-US" altLang="ja-JP" sz="1050" dirty="0" smtClean="0">
+              <a:rPr lang="en-US" altLang="ja-JP" sz="1050" dirty="0">
                 <a:solidFill>
                   <a:schemeClr val="bg1"/>
                 </a:solidFill>
@@ -16308,30 +15812,14 @@
               <a:t>INFO</a:t>
             </a:r>
             <a:r>
-              <a:rPr lang="ja-JP" altLang="en-US" sz="1050" dirty="0" smtClean="0">
+              <a:rPr lang="ja-JP" altLang="en-US" sz="1050" dirty="0">
                 <a:solidFill>
                   <a:schemeClr val="bg1"/>
                 </a:solidFill>
               </a:rPr>
-              <a:t> : </a:t>
-            </a:r>
-            <a:r>
-              <a:rPr lang="ja-JP" altLang="en-US" sz="1050" dirty="0">
-                <a:solidFill>
-                  <a:schemeClr val="bg1"/>
-                </a:solidFill>
-              </a:rPr>
-              <a:t>DB</a:t>
-            </a:r>
-            <a:r>
-              <a:rPr lang="ja-JP" altLang="en-US" sz="1050" dirty="0" smtClean="0">
-                <a:solidFill>
-                  <a:schemeClr val="bg1"/>
-                </a:solidFill>
-              </a:rPr>
-              <a:t>接続</a:t>
-            </a:r>
-            <a:endParaRPr lang="ja-JP" altLang="en-US" sz="1050" dirty="0">
+              <a:t> : DB接続</a:t>
+            </a:r>
+            <a:endParaRPr lang="en-US" altLang="ja-JP" sz="1050" dirty="0">
               <a:solidFill>
                 <a:schemeClr val="bg1"/>
               </a:solidFill>
@@ -16371,7 +15859,7 @@
               <a:t>1</a:t>
             </a:r>
             <a:r>
-              <a:rPr lang="ja-JP" altLang="en-US" sz="1050" dirty="0" smtClean="0">
+              <a:rPr lang="ja-JP" altLang="en-US" sz="1050" dirty="0">
                 <a:solidFill>
                   <a:schemeClr val="bg1"/>
                 </a:solidFill>
@@ -16379,7 +15867,7 @@
               <a:t>-0</a:t>
             </a:r>
             <a:r>
-              <a:rPr lang="en-US" altLang="ja-JP" sz="1050" dirty="0" smtClean="0">
+              <a:rPr lang="en-US" altLang="ja-JP" sz="1050" dirty="0">
                 <a:solidFill>
                   <a:schemeClr val="bg1"/>
                 </a:solidFill>
@@ -16387,12 +15875,20 @@
               <a:t>1</a:t>
             </a:r>
             <a:r>
-              <a:rPr lang="ja-JP" altLang="en-US" sz="1050" dirty="0" smtClean="0">
+              <a:rPr lang="ja-JP" altLang="en-US" sz="1050" dirty="0">
                 <a:solidFill>
                   <a:schemeClr val="bg1"/>
                 </a:solidFill>
               </a:rPr>
-              <a:t> </a:t>
+              <a:t> 0</a:t>
+            </a:r>
+            <a:r>
+              <a:rPr lang="en-US" altLang="ja-JP" sz="1050" dirty="0">
+                <a:solidFill>
+                  <a:schemeClr val="bg1"/>
+                </a:solidFill>
+              </a:rPr>
+              <a:t>1</a:t>
             </a:r>
             <a:r>
               <a:rPr lang="ja-JP" altLang="en-US" sz="1050" dirty="0">
@@ -16400,7 +15896,7 @@
                   <a:schemeClr val="bg1"/>
                 </a:solidFill>
               </a:rPr>
-              <a:t>0</a:t>
+              <a:t>:0</a:t>
             </a:r>
             <a:r>
               <a:rPr lang="en-US" altLang="ja-JP" sz="1050" dirty="0">
@@ -16408,6 +15904,80 @@
                   <a:schemeClr val="bg1"/>
                 </a:solidFill>
               </a:rPr>
+              <a:t>2</a:t>
+            </a:r>
+            <a:r>
+              <a:rPr lang="ja-JP" altLang="en-US" sz="1050" dirty="0">
+                <a:solidFill>
+                  <a:schemeClr val="bg1"/>
+                </a:solidFill>
+              </a:rPr>
+              <a:t>:</a:t>
+            </a:r>
+            <a:r>
+              <a:rPr lang="en-US" altLang="ja-JP" sz="1050" dirty="0">
+                <a:solidFill>
+                  <a:schemeClr val="bg1"/>
+                </a:solidFill>
+              </a:rPr>
+              <a:t>23</a:t>
+            </a:r>
+            <a:r>
+              <a:rPr lang="ja-JP" altLang="en-US" sz="1050" dirty="0">
+                <a:solidFill>
+                  <a:schemeClr val="bg1"/>
+                </a:solidFill>
+              </a:rPr>
+              <a:t>] </a:t>
+            </a:r>
+            <a:r>
+              <a:rPr lang="en-US" altLang="ja-JP" sz="1050" dirty="0">
+                <a:solidFill>
+                  <a:schemeClr val="bg1"/>
+                </a:solidFill>
+              </a:rPr>
+              <a:t>INFO</a:t>
+            </a:r>
+            <a:r>
+              <a:rPr lang="ja-JP" altLang="en-US" sz="1050" dirty="0">
+                <a:solidFill>
+                  <a:schemeClr val="bg1"/>
+                </a:solidFill>
+              </a:rPr>
+              <a:t> : DB接続</a:t>
+            </a:r>
+          </a:p>
+          <a:p>
+            <a:r>
+              <a:rPr lang="ja-JP" altLang="en-US" sz="1050" dirty="0">
+                <a:solidFill>
+                  <a:schemeClr val="bg1"/>
+                </a:solidFill>
+              </a:rPr>
+              <a:t>[20</a:t>
+            </a:r>
+            <a:r>
+              <a:rPr lang="en-US" altLang="ja-JP" sz="1050" dirty="0">
+                <a:solidFill>
+                  <a:schemeClr val="bg1"/>
+                </a:solidFill>
+              </a:rPr>
+              <a:t>20</a:t>
+            </a:r>
+            <a:r>
+              <a:rPr lang="ja-JP" altLang="en-US" sz="1050" dirty="0">
+                <a:solidFill>
+                  <a:schemeClr val="bg1"/>
+                </a:solidFill>
+              </a:rPr>
+              <a:t>-0</a:t>
+            </a:r>
+            <a:r>
+              <a:rPr lang="en-US" altLang="ja-JP" sz="1050" dirty="0">
+                <a:solidFill>
+                  <a:schemeClr val="bg1"/>
+                </a:solidFill>
+              </a:rPr>
               <a:t>1</a:t>
             </a:r>
             <a:r>
@@ -16416,6 +15986,38 @@
                   <a:schemeClr val="bg1"/>
                 </a:solidFill>
               </a:rPr>
+              <a:t>-0</a:t>
+            </a:r>
+            <a:r>
+              <a:rPr lang="en-US" altLang="ja-JP" sz="1050" dirty="0">
+                <a:solidFill>
+                  <a:schemeClr val="bg1"/>
+                </a:solidFill>
+              </a:rPr>
+              <a:t>1</a:t>
+            </a:r>
+            <a:r>
+              <a:rPr lang="ja-JP" altLang="en-US" sz="1050" dirty="0">
+                <a:solidFill>
+                  <a:schemeClr val="bg1"/>
+                </a:solidFill>
+              </a:rPr>
+              <a:t> 0</a:t>
+            </a:r>
+            <a:r>
+              <a:rPr lang="en-US" altLang="ja-JP" sz="1050" dirty="0">
+                <a:solidFill>
+                  <a:schemeClr val="bg1"/>
+                </a:solidFill>
+              </a:rPr>
+              <a:t>1</a:t>
+            </a:r>
+            <a:r>
+              <a:rPr lang="ja-JP" altLang="en-US" sz="1050" dirty="0">
+                <a:solidFill>
+                  <a:schemeClr val="bg1"/>
+                </a:solidFill>
+              </a:rPr>
               <a:t>:0</a:t>
             </a:r>
             <a:r>
@@ -16427,7 +16029,7 @@
               <a:t>2</a:t>
             </a:r>
             <a:r>
-              <a:rPr lang="ja-JP" altLang="en-US" sz="1050" dirty="0" smtClean="0">
+              <a:rPr lang="ja-JP" altLang="en-US" sz="1050" dirty="0">
                 <a:solidFill>
                   <a:schemeClr val="bg1"/>
                 </a:solidFill>
@@ -16435,15 +16037,15 @@
               <a:t>:</a:t>
             </a:r>
             <a:r>
-              <a:rPr lang="en-US" altLang="ja-JP" sz="1050" dirty="0" smtClean="0">
+              <a:rPr lang="en-US" altLang="ja-JP" sz="1050" dirty="0">
                 <a:solidFill>
                   <a:schemeClr val="bg1"/>
                 </a:solidFill>
               </a:rPr>
-              <a:t>13</a:t>
-            </a:r>
-            <a:r>
-              <a:rPr lang="ja-JP" altLang="en-US" sz="1050" dirty="0" smtClean="0">
+              <a:t>33</a:t>
+            </a:r>
+            <a:r>
+              <a:rPr lang="ja-JP" altLang="en-US" sz="1050" dirty="0">
                 <a:solidFill>
                   <a:schemeClr val="bg1"/>
                 </a:solidFill>
@@ -16459,30 +16061,14 @@
               <a:t>INFO</a:t>
             </a:r>
             <a:r>
-              <a:rPr lang="ja-JP" altLang="en-US" sz="1050" dirty="0" smtClean="0">
+              <a:rPr lang="ja-JP" altLang="en-US" sz="1050" dirty="0">
                 <a:solidFill>
                   <a:schemeClr val="bg1"/>
                 </a:solidFill>
               </a:rPr>
-              <a:t> : </a:t>
-            </a:r>
-            <a:r>
-              <a:rPr lang="ja-JP" altLang="en-US" sz="1050" dirty="0">
-                <a:solidFill>
-                  <a:schemeClr val="bg1"/>
-                </a:solidFill>
-              </a:rPr>
-              <a:t>DB</a:t>
-            </a:r>
-            <a:r>
-              <a:rPr lang="ja-JP" altLang="en-US" sz="1050" dirty="0" smtClean="0">
-                <a:solidFill>
-                  <a:schemeClr val="bg1"/>
-                </a:solidFill>
-              </a:rPr>
-              <a:t>接続</a:t>
-            </a:r>
-            <a:endParaRPr lang="en-US" altLang="ja-JP" sz="1050" dirty="0" smtClean="0">
+              <a:t> : DB接続</a:t>
+            </a:r>
+            <a:endParaRPr lang="en-US" altLang="ja-JP" sz="1050" dirty="0">
               <a:solidFill>
                 <a:schemeClr val="bg1"/>
               </a:solidFill>
@@ -16570,7 +16156,7 @@
               <a:t>2</a:t>
             </a:r>
             <a:r>
-              <a:rPr lang="ja-JP" altLang="en-US" sz="1050" dirty="0" smtClean="0">
+              <a:rPr lang="ja-JP" altLang="en-US" sz="1050" dirty="0">
                 <a:solidFill>
                   <a:schemeClr val="bg1"/>
                 </a:solidFill>
@@ -16578,307 +16164,21 @@
               <a:t>:</a:t>
             </a:r>
             <a:r>
-              <a:rPr lang="en-US" altLang="ja-JP" sz="1050" dirty="0" smtClean="0">
+              <a:rPr lang="en-US" altLang="ja-JP" sz="1050" dirty="0">
                 <a:solidFill>
                   <a:schemeClr val="bg1"/>
                 </a:solidFill>
               </a:rPr>
-              <a:t>23</a:t>
-            </a:r>
-            <a:r>
-              <a:rPr lang="ja-JP" altLang="en-US" sz="1050" dirty="0" smtClean="0">
+              <a:t>43</a:t>
+            </a:r>
+            <a:r>
+              <a:rPr lang="ja-JP" altLang="en-US" sz="1050" dirty="0">
                 <a:solidFill>
                   <a:schemeClr val="bg1"/>
                 </a:solidFill>
               </a:rPr>
-              <a:t>] </a:t>
-            </a:r>
-            <a:r>
-              <a:rPr lang="en-US" altLang="ja-JP" sz="1050" dirty="0">
-                <a:solidFill>
-                  <a:schemeClr val="bg1"/>
-                </a:solidFill>
-              </a:rPr>
-              <a:t>INFO</a:t>
-            </a:r>
-            <a:r>
-              <a:rPr lang="ja-JP" altLang="en-US" sz="1050" dirty="0">
-                <a:solidFill>
-                  <a:schemeClr val="bg1"/>
-                </a:solidFill>
-              </a:rPr>
-              <a:t> : DB接続</a:t>
-            </a:r>
-          </a:p>
-          <a:p>
-            <a:r>
-              <a:rPr lang="ja-JP" altLang="en-US" sz="1050" dirty="0">
-                <a:solidFill>
-                  <a:schemeClr val="bg1"/>
-                </a:solidFill>
-              </a:rPr>
-              <a:t>[20</a:t>
-            </a:r>
-            <a:r>
-              <a:rPr lang="en-US" altLang="ja-JP" sz="1050" dirty="0">
-                <a:solidFill>
-                  <a:schemeClr val="bg1"/>
-                </a:solidFill>
-              </a:rPr>
-              <a:t>20</a:t>
-            </a:r>
-            <a:r>
-              <a:rPr lang="ja-JP" altLang="en-US" sz="1050" dirty="0">
-                <a:solidFill>
-                  <a:schemeClr val="bg1"/>
-                </a:solidFill>
-              </a:rPr>
-              <a:t>-0</a:t>
-            </a:r>
-            <a:r>
-              <a:rPr lang="en-US" altLang="ja-JP" sz="1050" dirty="0">
-                <a:solidFill>
-                  <a:schemeClr val="bg1"/>
-                </a:solidFill>
-              </a:rPr>
-              <a:t>1</a:t>
-            </a:r>
-            <a:r>
-              <a:rPr lang="ja-JP" altLang="en-US" sz="1050" dirty="0">
-                <a:solidFill>
-                  <a:schemeClr val="bg1"/>
-                </a:solidFill>
-              </a:rPr>
-              <a:t>-0</a:t>
-            </a:r>
-            <a:r>
-              <a:rPr lang="en-US" altLang="ja-JP" sz="1050" dirty="0">
-                <a:solidFill>
-                  <a:schemeClr val="bg1"/>
-                </a:solidFill>
-              </a:rPr>
-              <a:t>1</a:t>
-            </a:r>
-            <a:r>
-              <a:rPr lang="ja-JP" altLang="en-US" sz="1050" dirty="0">
-                <a:solidFill>
-                  <a:schemeClr val="bg1"/>
-                </a:solidFill>
-              </a:rPr>
-              <a:t> 0</a:t>
-            </a:r>
-            <a:r>
-              <a:rPr lang="en-US" altLang="ja-JP" sz="1050" dirty="0">
-                <a:solidFill>
-                  <a:schemeClr val="bg1"/>
-                </a:solidFill>
-              </a:rPr>
-              <a:t>1</a:t>
-            </a:r>
-            <a:r>
-              <a:rPr lang="ja-JP" altLang="en-US" sz="1050" dirty="0">
-                <a:solidFill>
-                  <a:schemeClr val="bg1"/>
-                </a:solidFill>
-              </a:rPr>
-              <a:t>:0</a:t>
-            </a:r>
-            <a:r>
-              <a:rPr lang="en-US" altLang="ja-JP" sz="1050" dirty="0">
-                <a:solidFill>
-                  <a:schemeClr val="bg1"/>
-                </a:solidFill>
-              </a:rPr>
-              <a:t>2</a:t>
-            </a:r>
-            <a:r>
-              <a:rPr lang="ja-JP" altLang="en-US" sz="1050" dirty="0" smtClean="0">
-                <a:solidFill>
-                  <a:schemeClr val="bg1"/>
-                </a:solidFill>
-              </a:rPr>
-              <a:t>:</a:t>
-            </a:r>
-            <a:r>
-              <a:rPr lang="en-US" altLang="ja-JP" sz="1050" dirty="0" smtClean="0">
-                <a:solidFill>
-                  <a:schemeClr val="bg1"/>
-                </a:solidFill>
-              </a:rPr>
-              <a:t>33</a:t>
-            </a:r>
-            <a:r>
-              <a:rPr lang="ja-JP" altLang="en-US" sz="1050" dirty="0" smtClean="0">
-                <a:solidFill>
-                  <a:schemeClr val="bg1"/>
-                </a:solidFill>
-              </a:rPr>
-              <a:t>] </a:t>
-            </a:r>
-            <a:r>
-              <a:rPr lang="en-US" altLang="ja-JP" sz="1050" dirty="0">
-                <a:solidFill>
-                  <a:schemeClr val="bg1"/>
-                </a:solidFill>
-              </a:rPr>
-              <a:t>INFO</a:t>
-            </a:r>
-            <a:r>
-              <a:rPr lang="ja-JP" altLang="en-US" sz="1050" dirty="0">
-                <a:solidFill>
-                  <a:schemeClr val="bg1"/>
-                </a:solidFill>
-              </a:rPr>
-              <a:t> : DB</a:t>
-            </a:r>
-            <a:r>
-              <a:rPr lang="ja-JP" altLang="en-US" sz="1050" dirty="0" smtClean="0">
-                <a:solidFill>
-                  <a:schemeClr val="bg1"/>
-                </a:solidFill>
-              </a:rPr>
-              <a:t>接続</a:t>
-            </a:r>
-            <a:endParaRPr lang="en-US" altLang="ja-JP" sz="1050" dirty="0" smtClean="0">
-              <a:solidFill>
-                <a:schemeClr val="bg1"/>
-              </a:solidFill>
-            </a:endParaRPr>
-          </a:p>
-          <a:p>
-            <a:r>
-              <a:rPr lang="ja-JP" altLang="en-US" sz="1050" dirty="0" smtClean="0">
-                <a:solidFill>
-                  <a:schemeClr val="bg1"/>
-                </a:solidFill>
-              </a:rPr>
-              <a:t>[</a:t>
-            </a:r>
-            <a:r>
-              <a:rPr lang="ja-JP" altLang="en-US" sz="1050" dirty="0">
-                <a:solidFill>
-                  <a:schemeClr val="bg1"/>
-                </a:solidFill>
-              </a:rPr>
-              <a:t>20</a:t>
-            </a:r>
-            <a:r>
-              <a:rPr lang="en-US" altLang="ja-JP" sz="1050" dirty="0">
-                <a:solidFill>
-                  <a:schemeClr val="bg1"/>
-                </a:solidFill>
-              </a:rPr>
-              <a:t>20</a:t>
-            </a:r>
-            <a:r>
-              <a:rPr lang="ja-JP" altLang="en-US" sz="1050" dirty="0">
-                <a:solidFill>
-                  <a:schemeClr val="bg1"/>
-                </a:solidFill>
-              </a:rPr>
-              <a:t>-0</a:t>
-            </a:r>
-            <a:r>
-              <a:rPr lang="en-US" altLang="ja-JP" sz="1050" dirty="0">
-                <a:solidFill>
-                  <a:schemeClr val="bg1"/>
-                </a:solidFill>
-              </a:rPr>
-              <a:t>1</a:t>
-            </a:r>
-            <a:r>
-              <a:rPr lang="ja-JP" altLang="en-US" sz="1050" dirty="0">
-                <a:solidFill>
-                  <a:schemeClr val="bg1"/>
-                </a:solidFill>
-              </a:rPr>
-              <a:t>-0</a:t>
-            </a:r>
-            <a:r>
-              <a:rPr lang="en-US" altLang="ja-JP" sz="1050" dirty="0">
-                <a:solidFill>
-                  <a:schemeClr val="bg1"/>
-                </a:solidFill>
-              </a:rPr>
-              <a:t>1</a:t>
-            </a:r>
-            <a:r>
-              <a:rPr lang="ja-JP" altLang="en-US" sz="1050" dirty="0">
-                <a:solidFill>
-                  <a:schemeClr val="bg1"/>
-                </a:solidFill>
-              </a:rPr>
-              <a:t> 0</a:t>
-            </a:r>
-            <a:r>
-              <a:rPr lang="en-US" altLang="ja-JP" sz="1050" dirty="0">
-                <a:solidFill>
-                  <a:schemeClr val="bg1"/>
-                </a:solidFill>
-              </a:rPr>
-              <a:t>1</a:t>
-            </a:r>
-            <a:r>
-              <a:rPr lang="ja-JP" altLang="en-US" sz="1050" dirty="0">
-                <a:solidFill>
-                  <a:schemeClr val="bg1"/>
-                </a:solidFill>
-              </a:rPr>
-              <a:t>:0</a:t>
-            </a:r>
-            <a:r>
-              <a:rPr lang="en-US" altLang="ja-JP" sz="1050" dirty="0">
-                <a:solidFill>
-                  <a:schemeClr val="bg1"/>
-                </a:solidFill>
-              </a:rPr>
-              <a:t>2</a:t>
-            </a:r>
-            <a:r>
-              <a:rPr lang="ja-JP" altLang="en-US" sz="1050" dirty="0" smtClean="0">
-                <a:solidFill>
-                  <a:schemeClr val="bg1"/>
-                </a:solidFill>
-              </a:rPr>
-              <a:t>:</a:t>
-            </a:r>
-            <a:r>
-              <a:rPr lang="en-US" altLang="ja-JP" sz="1050" dirty="0" smtClean="0">
-                <a:solidFill>
-                  <a:schemeClr val="bg1"/>
-                </a:solidFill>
-              </a:rPr>
-              <a:t>43</a:t>
-            </a:r>
-            <a:r>
-              <a:rPr lang="ja-JP" altLang="en-US" sz="1050" dirty="0" smtClean="0">
-                <a:solidFill>
-                  <a:schemeClr val="bg1"/>
-                </a:solidFill>
-              </a:rPr>
-              <a:t>] </a:t>
-            </a:r>
-            <a:r>
-              <a:rPr lang="ja-JP" altLang="en-US" sz="1050" dirty="0">
-                <a:solidFill>
-                  <a:schemeClr val="bg1"/>
-                </a:solidFill>
-              </a:rPr>
-              <a:t>WARNING : </a:t>
-            </a:r>
-            <a:r>
-              <a:rPr lang="ja-JP" altLang="en-US" sz="1050" dirty="0" smtClean="0">
-                <a:solidFill>
-                  <a:schemeClr val="bg1"/>
-                </a:solidFill>
-              </a:rPr>
-              <a:t>接続失敗</a:t>
-            </a:r>
-            <a:endParaRPr lang="ja-JP" altLang="en-US" sz="1050" dirty="0">
-              <a:solidFill>
-                <a:schemeClr val="bg1"/>
-              </a:solidFill>
-            </a:endParaRPr>
+              <a:t>] WARNING : 接続失敗</a:t>
+            </a:r>
           </a:p>
         </p:txBody>
       </p:sp>
@@ -16910,7 +16210,6 @@
             </a:solidFill>
           </a:ln>
           <a:effectLst/>
-          <a:extLst/>
         </p:spPr>
         <p:txBody>
           <a:bodyPr rot="0" spcFirstLastPara="0" vertOverflow="overflow" horzOverflow="overflow" vert="horz" wrap="none" lIns="72000" tIns="72000" rIns="72000" bIns="72000" numCol="1" spcCol="0" rtlCol="0" fromWordArt="0" anchor="ctr" anchorCtr="0" forceAA="0" compatLnSpc="1">
@@ -16923,7 +16222,7 @@
           <a:p>
             <a:pPr algn="ctr"/>
             <a:r>
-              <a:rPr kumimoji="1" lang="en-US" altLang="ja-JP" b="1" dirty="0" smtClean="0">
+              <a:rPr kumimoji="1" lang="en-US" altLang="ja-JP" b="1" dirty="0">
                 <a:latin typeface="+mn-ea"/>
               </a:rPr>
               <a:t>Zabbix</a:t>
@@ -16932,7 +16231,7 @@
           <a:p>
             <a:pPr algn="ctr"/>
             <a:r>
-              <a:rPr kumimoji="1" lang="ja-JP" altLang="en-US" b="1" dirty="0" smtClean="0">
+              <a:rPr kumimoji="1" lang="ja-JP" altLang="en-US" b="1" dirty="0">
                 <a:latin typeface="+mn-ea"/>
               </a:rPr>
               <a:t>エージェント</a:t>
@@ -16968,7 +16267,6 @@
             </a:solidFill>
           </a:ln>
           <a:effectLst/>
-          <a:extLst/>
         </p:spPr>
         <p:txBody>
           <a:bodyPr rot="0" spcFirstLastPara="0" vertOverflow="overflow" horzOverflow="overflow" vert="horz" wrap="none" lIns="72000" tIns="72000" rIns="72000" bIns="72000" numCol="1" spcCol="0" rtlCol="0" fromWordArt="0" anchor="t" anchorCtr="0" forceAA="0" compatLnSpc="1">
@@ -16980,7 +16278,7 @@
           <a:lstStyle/>
           <a:p>
             <a:r>
-              <a:rPr kumimoji="1" lang="en-US" altLang="ja-JP" b="1" dirty="0" smtClean="0">
+              <a:rPr kumimoji="1" lang="en-US" altLang="ja-JP" b="1" dirty="0">
                 <a:solidFill>
                   <a:schemeClr val="bg1"/>
                 </a:solidFill>
@@ -16989,7 +16287,7 @@
               <a:t>OASE</a:t>
             </a:r>
             <a:r>
-              <a:rPr kumimoji="1" lang="ja-JP" altLang="en-US" b="1" dirty="0" smtClean="0">
+              <a:rPr kumimoji="1" lang="ja-JP" altLang="en-US" b="1" dirty="0">
                 <a:solidFill>
                   <a:schemeClr val="bg1"/>
                 </a:solidFill>
@@ -16997,7 +16295,7 @@
               </a:rPr>
               <a:t>サーバ</a:t>
             </a:r>
-            <a:endParaRPr kumimoji="1" lang="en-US" altLang="ja-JP" b="1" dirty="0" smtClean="0">
+            <a:endParaRPr kumimoji="1" lang="en-US" altLang="ja-JP" b="1" dirty="0">
               <a:solidFill>
                 <a:schemeClr val="bg1"/>
               </a:solidFill>
@@ -17032,7 +16330,6 @@
             </a:solidFill>
           </a:ln>
           <a:effectLst/>
-          <a:extLst/>
         </p:spPr>
         <p:txBody>
           <a:bodyPr rot="0" spcFirstLastPara="0" vertOverflow="overflow" horzOverflow="overflow" vert="horz" wrap="none" lIns="72000" tIns="72000" rIns="72000" bIns="72000" numCol="1" spcCol="0" rtlCol="0" fromWordArt="0" anchor="t" anchorCtr="0" forceAA="0" compatLnSpc="1">
@@ -17044,7 +16341,7 @@
           <a:lstStyle/>
           <a:p>
             <a:pPr algn="ctr"/>
-            <a:endParaRPr kumimoji="1" lang="en-US" altLang="ja-JP" b="1" dirty="0" smtClean="0">
+            <a:endParaRPr kumimoji="1" lang="en-US" altLang="ja-JP" b="1" dirty="0">
               <a:latin typeface="+mn-ea"/>
             </a:endParaRPr>
           </a:p>
@@ -17078,7 +16375,6 @@
             </a:solidFill>
           </a:ln>
           <a:effectLst/>
-          <a:extLst/>
         </p:spPr>
         <p:txBody>
           <a:bodyPr rot="0" spcFirstLastPara="0" vertOverflow="overflow" horzOverflow="overflow" vert="horz" wrap="none" lIns="72000" tIns="72000" rIns="72000" bIns="72000" numCol="1" spcCol="0" rtlCol="0" fromWordArt="0" anchor="ctr" anchorCtr="0" forceAA="0" compatLnSpc="1">
@@ -17091,25 +16387,25 @@
           <a:p>
             <a:pPr algn="ctr"/>
             <a:r>
-              <a:rPr kumimoji="1" lang="en-US" altLang="ja-JP" b="1" dirty="0" smtClean="0">
+              <a:rPr kumimoji="1" lang="en-US" altLang="ja-JP" b="1" dirty="0">
                 <a:latin typeface="+mn-ea"/>
               </a:rPr>
               <a:t>Zabbix</a:t>
             </a:r>
             <a:r>
-              <a:rPr kumimoji="1" lang="ja-JP" altLang="en-US" b="1" dirty="0" smtClean="0">
+              <a:rPr kumimoji="1" lang="ja-JP" altLang="en-US" b="1" dirty="0">
                 <a:latin typeface="+mn-ea"/>
               </a:rPr>
               <a:t>サーバ</a:t>
             </a:r>
-            <a:endParaRPr kumimoji="1" lang="en-US" altLang="ja-JP" b="1" dirty="0" smtClean="0">
+            <a:endParaRPr kumimoji="1" lang="en-US" altLang="ja-JP" b="1" dirty="0">
               <a:latin typeface="+mn-ea"/>
             </a:endParaRPr>
           </a:p>
           <a:p>
             <a:pPr algn="ctr"/>
             <a:r>
-              <a:rPr kumimoji="1" lang="ja-JP" altLang="en-US" b="1" dirty="0" smtClean="0">
+              <a:rPr kumimoji="1" lang="ja-JP" altLang="en-US" b="1" dirty="0">
                 <a:latin typeface="+mn-ea"/>
               </a:rPr>
               <a:t>プロセス</a:t>
@@ -17146,7 +16442,6 @@
             </a:solidFill>
           </a:ln>
           <a:effectLst/>
-          <a:extLst/>
         </p:spPr>
         <p:txBody>
           <a:bodyPr rot="0" spcFirstLastPara="0" vertOverflow="overflow" horzOverflow="overflow" vert="horz" wrap="none" lIns="72000" tIns="72000" rIns="72000" bIns="72000" numCol="1" spcCol="0" rtlCol="0" fromWordArt="0" anchor="ctr" anchorCtr="0" forceAA="0" compatLnSpc="1">
@@ -17158,7 +16453,7 @@
           <a:lstStyle/>
           <a:p>
             <a:pPr algn="ctr"/>
-            <a:endParaRPr kumimoji="1" lang="ja-JP" altLang="en-US" b="1" dirty="0" smtClean="0">
+            <a:endParaRPr kumimoji="1" lang="ja-JP" altLang="en-US" b="1" dirty="0">
               <a:latin typeface="+mn-ea"/>
             </a:endParaRPr>
           </a:p>
@@ -17192,7 +16487,6 @@
             </a:solidFill>
           </a:ln>
           <a:effectLst/>
-          <a:extLst/>
         </p:spPr>
         <p:txBody>
           <a:bodyPr rot="0" spcFirstLastPara="0" vertOverflow="overflow" horzOverflow="overflow" vert="horz" wrap="none" lIns="72000" tIns="72000" rIns="72000" bIns="72000" numCol="1" spcCol="0" rtlCol="0" fromWordArt="0" anchor="t" anchorCtr="0" forceAA="0" compatLnSpc="1">
@@ -17204,12 +16498,12 @@
           <a:lstStyle/>
           <a:p>
             <a:r>
-              <a:rPr kumimoji="1" lang="en-US" altLang="ja-JP" b="1" dirty="0" smtClean="0">
+              <a:rPr kumimoji="1" lang="en-US" altLang="ja-JP" b="1" dirty="0">
                 <a:latin typeface="+mn-ea"/>
               </a:rPr>
               <a:t>OASE</a:t>
             </a:r>
-            <a:endParaRPr kumimoji="1" lang="ja-JP" altLang="en-US" b="1" dirty="0" smtClean="0">
+            <a:endParaRPr kumimoji="1" lang="ja-JP" altLang="en-US" b="1" dirty="0">
               <a:latin typeface="+mn-ea"/>
             </a:endParaRPr>
           </a:p>
@@ -17241,7 +16535,6 @@
             </a:solidFill>
           </a:ln>
           <a:effectLst/>
-          <a:extLst/>
         </p:spPr>
         <p:txBody>
           <a:bodyPr rot="0" spcFirstLastPara="0" vertOverflow="overflow" horzOverflow="overflow" vert="horz" wrap="none" lIns="72000" tIns="72000" rIns="72000" bIns="72000" numCol="1" spcCol="0" rtlCol="0" fromWordArt="0" anchor="ctr" anchorCtr="0" forceAA="0" compatLnSpc="1">
@@ -17254,7 +16547,7 @@
           <a:p>
             <a:pPr algn="ctr"/>
             <a:r>
-              <a:rPr kumimoji="1" lang="ja-JP" altLang="en-US" b="1" dirty="0" smtClean="0">
+              <a:rPr kumimoji="1" lang="ja-JP" altLang="en-US" b="1" dirty="0">
                 <a:latin typeface="+mn-ea"/>
               </a:rPr>
               <a:t>メールドライバ</a:t>
@@ -17288,7 +16581,6 @@
             </a:solidFill>
           </a:ln>
           <a:effectLst/>
-          <a:extLst/>
         </p:spPr>
         <p:txBody>
           <a:bodyPr rot="0" spcFirstLastPara="0" vertOverflow="overflow" horzOverflow="overflow" vert="horz" wrap="none" lIns="72000" tIns="72000" rIns="72000" bIns="72000" numCol="1" spcCol="0" rtlCol="0" fromWordArt="0" anchor="ctr" anchorCtr="0" forceAA="0" compatLnSpc="1">
@@ -17300,7 +16592,7 @@
           <a:lstStyle/>
           <a:p>
             <a:pPr algn="ctr"/>
-            <a:endParaRPr kumimoji="1" lang="ja-JP" altLang="en-US" b="1" dirty="0" smtClean="0">
+            <a:endParaRPr kumimoji="1" lang="ja-JP" altLang="en-US" b="1" dirty="0">
               <a:latin typeface="+mn-ea"/>
             </a:endParaRPr>
           </a:p>
@@ -17332,7 +16624,6 @@
             </a:solidFill>
           </a:ln>
           <a:effectLst/>
-          <a:extLst/>
         </p:spPr>
         <p:txBody>
           <a:bodyPr rot="0" spcFirstLastPara="0" vertOverflow="overflow" horzOverflow="overflow" vert="horz" wrap="none" lIns="72000" tIns="72000" rIns="72000" bIns="72000" numCol="1" spcCol="0" rtlCol="0" fromWordArt="0" anchor="ctr" anchorCtr="0" forceAA="0" compatLnSpc="1">
@@ -17345,7 +16636,7 @@
           <a:p>
             <a:pPr algn="ctr"/>
             <a:r>
-              <a:rPr kumimoji="1" lang="ja-JP" altLang="en-US" b="1" dirty="0" smtClean="0">
+              <a:rPr kumimoji="1" lang="ja-JP" altLang="en-US" b="1" dirty="0">
                 <a:latin typeface="+mn-ea"/>
               </a:rPr>
               <a:t>ディシジョンテーブル</a:t>
@@ -17379,7 +16670,6 @@
             </a:solidFill>
           </a:ln>
           <a:effectLst/>
-          <a:extLst/>
         </p:spPr>
         <p:txBody>
           <a:bodyPr rot="0" spcFirstLastPara="0" vertOverflow="overflow" horzOverflow="overflow" vert="horz" wrap="none" lIns="72000" tIns="72000" rIns="72000" bIns="72000" numCol="1" spcCol="0" rtlCol="0" fromWordArt="0" anchor="ctr" anchorCtr="0" forceAA="0" compatLnSpc="1">
@@ -17392,13 +16682,13 @@
           <a:p>
             <a:pPr algn="ctr"/>
             <a:r>
-              <a:rPr kumimoji="1" lang="en-US" altLang="ja-JP" b="1" dirty="0" smtClean="0">
+              <a:rPr kumimoji="1" lang="en-US" altLang="ja-JP" b="1" dirty="0">
                 <a:latin typeface="+mn-ea"/>
               </a:rPr>
               <a:t>Zabbix </a:t>
             </a:r>
             <a:r>
-              <a:rPr kumimoji="1" lang="ja-JP" altLang="en-US" b="1" dirty="0" smtClean="0">
+              <a:rPr kumimoji="1" lang="ja-JP" altLang="en-US" b="1" dirty="0">
                 <a:latin typeface="+mn-ea"/>
               </a:rPr>
               <a:t>アダプタ</a:t>
@@ -17435,7 +16725,6 @@
             </a:solidFill>
           </a:ln>
           <a:effectLst/>
-          <a:extLst/>
         </p:spPr>
         <p:txBody>
           <a:bodyPr rot="0" spcFirstLastPara="0" vertOverflow="overflow" horzOverflow="overflow" vert="horz" wrap="none" lIns="72000" tIns="72000" rIns="72000" bIns="72000" numCol="1" spcCol="0" rtlCol="0" fromWordArt="0" anchor="ctr" anchorCtr="0" forceAA="0" compatLnSpc="1">
@@ -17447,7 +16736,7 @@
           <a:lstStyle/>
           <a:p>
             <a:pPr algn="ctr"/>
-            <a:endParaRPr kumimoji="1" lang="ja-JP" altLang="en-US" b="1" dirty="0" smtClean="0">
+            <a:endParaRPr kumimoji="1" lang="ja-JP" altLang="en-US" b="1" dirty="0">
               <a:latin typeface="+mn-ea"/>
             </a:endParaRPr>
           </a:p>
@@ -17500,27 +16789,15 @@
           <a:p>
             <a:r>
               <a:rPr lang="en-US" altLang="ja-JP" dirty="0"/>
-              <a:t>2.1</a:t>
-            </a:r>
-            <a:r>
-              <a:rPr lang="en-US" altLang="ja-JP" dirty="0" smtClean="0"/>
-              <a:t> </a:t>
-            </a:r>
-            <a:r>
-              <a:rPr lang="ja-JP" altLang="en-US" dirty="0" smtClean="0"/>
+              <a:t>2.1 </a:t>
+            </a:r>
+            <a:r>
+              <a:rPr lang="ja-JP" altLang="en-US" dirty="0"/>
               <a:t>フロー全体図</a:t>
             </a:r>
             <a:r>
-              <a:rPr lang="en-US" altLang="ja-JP" dirty="0" smtClean="0"/>
-              <a:t>(2/</a:t>
-            </a:r>
-            <a:r>
               <a:rPr lang="en-US" altLang="ja-JP" dirty="0"/>
-              <a:t>3</a:t>
-            </a:r>
-            <a:r>
-              <a:rPr lang="en-US" altLang="ja-JP" dirty="0" smtClean="0"/>
-              <a:t>)</a:t>
+              <a:t>(2/3)</a:t>
             </a:r>
             <a:endParaRPr kumimoji="1" lang="ja-JP" altLang="en-US" dirty="0"/>
           </a:p>
@@ -17543,14 +16820,10 @@
           <a:p>
             <a:r>
               <a:rPr lang="ja-JP" altLang="en-US" dirty="0"/>
-              <a:t>「監視対象」</a:t>
-            </a:r>
-            <a:r>
-              <a:rPr lang="ja-JP" altLang="en-US" dirty="0" smtClean="0"/>
-              <a:t>「</a:t>
-            </a:r>
-            <a:r>
-              <a:rPr lang="en-US" altLang="ja-JP" dirty="0" smtClean="0"/>
+              <a:t>「監視対象」「</a:t>
+            </a:r>
+            <a:r>
+              <a:rPr lang="en-US" altLang="ja-JP" dirty="0"/>
               <a:t>Zabbix</a:t>
             </a:r>
             <a:r>
@@ -17562,70 +16835,62 @@
               <a:t>OASE</a:t>
             </a:r>
             <a:r>
-              <a:rPr lang="ja-JP" altLang="en-US" dirty="0" smtClean="0"/>
-              <a:t>」を</a:t>
-            </a:r>
-            <a:r>
               <a:rPr lang="ja-JP" altLang="en-US" dirty="0"/>
-              <a:t>連携させることが</a:t>
-            </a:r>
-            <a:r>
-              <a:rPr lang="ja-JP" altLang="en-US" dirty="0" smtClean="0"/>
-              <a:t>可能</a:t>
-            </a:r>
-            <a:endParaRPr lang="en-US" altLang="ja-JP" dirty="0" smtClean="0"/>
+              <a:t>」を連携させることが可能</a:t>
+            </a:r>
+            <a:endParaRPr lang="en-US" altLang="ja-JP" dirty="0"/>
           </a:p>
           <a:p>
             <a:pPr lvl="1"/>
-            <a:endParaRPr lang="en-US" altLang="ja-JP" dirty="0" smtClean="0"/>
+            <a:endParaRPr lang="en-US" altLang="ja-JP" dirty="0"/>
           </a:p>
           <a:p>
             <a:pPr lvl="1"/>
             <a:r>
-              <a:rPr lang="ja-JP" altLang="en-US" dirty="0" smtClean="0"/>
+              <a:rPr lang="ja-JP" altLang="en-US" dirty="0"/>
               <a:t>例として、特定の文字列（</a:t>
             </a:r>
             <a:r>
-              <a:rPr lang="en-US" altLang="ja-JP" dirty="0" smtClean="0"/>
+              <a:rPr lang="en-US" altLang="ja-JP" dirty="0"/>
               <a:t>WARNING</a:t>
             </a:r>
             <a:r>
-              <a:rPr lang="ja-JP" altLang="en-US" dirty="0" smtClean="0"/>
+              <a:rPr lang="ja-JP" altLang="en-US" dirty="0"/>
               <a:t>）を含んだログが出力されたことを</a:t>
             </a:r>
             <a:r>
-              <a:rPr lang="en-US" altLang="ja-JP" dirty="0" smtClean="0"/>
+              <a:rPr lang="en-US" altLang="ja-JP" dirty="0"/>
               <a:t>Zabbix</a:t>
             </a:r>
             <a:r>
-              <a:rPr lang="ja-JP" altLang="en-US" dirty="0" smtClean="0"/>
+              <a:rPr lang="ja-JP" altLang="en-US" dirty="0"/>
               <a:t>エージェントが検知し、</a:t>
             </a:r>
             <a:r>
-              <a:rPr lang="en-US" altLang="ja-JP" dirty="0" smtClean="0"/>
+              <a:rPr lang="en-US" altLang="ja-JP" dirty="0"/>
               <a:t>Zabbix</a:t>
             </a:r>
             <a:r>
-              <a:rPr lang="ja-JP" altLang="en-US" dirty="0" smtClean="0"/>
+              <a:rPr lang="ja-JP" altLang="en-US" dirty="0"/>
               <a:t>サーバプロセスの</a:t>
             </a:r>
             <a:r>
-              <a:rPr lang="en-US" altLang="ja-JP" dirty="0" smtClean="0"/>
+              <a:rPr lang="en-US" altLang="ja-JP" dirty="0"/>
               <a:t>dashboard</a:t>
             </a:r>
             <a:r>
-              <a:rPr lang="ja-JP" altLang="en-US" dirty="0" smtClean="0"/>
+              <a:rPr lang="ja-JP" altLang="en-US" dirty="0"/>
               <a:t>にアラートが表示されたら</a:t>
             </a:r>
             <a:r>
-              <a:rPr lang="en-US" altLang="ja-JP" dirty="0" smtClean="0"/>
+              <a:rPr lang="en-US" altLang="ja-JP" dirty="0"/>
               <a:t>OASE</a:t>
             </a:r>
             <a:r>
-              <a:rPr lang="ja-JP" altLang="en-US" dirty="0" smtClean="0"/>
+              <a:rPr lang="ja-JP" altLang="en-US" dirty="0"/>
               <a:t>がキックされメールが送信される一連の流れを想定する</a:t>
             </a:r>
-            <a:endParaRPr lang="en-US" altLang="ja-JP" b="1" dirty="0" smtClean="0"/>
+            <a:endParaRPr lang="en-US" altLang="ja-JP" b="1" dirty="0"/>
           </a:p>
         </p:txBody>
       </p:sp>
@@ -17698,18 +16963,13 @@
                     <a:p>
                       <a:pPr algn="ctr"/>
                       <a:r>
-                        <a:rPr kumimoji="1" lang="ja-JP" altLang="en-US" sz="1400" b="1" dirty="0" smtClean="0">
+                        <a:rPr kumimoji="1" lang="ja-JP" altLang="en-US" sz="1400" b="1" dirty="0">
                           <a:solidFill>
                             <a:schemeClr val="bg1"/>
                           </a:solidFill>
                         </a:rPr>
                         <a:t>フロー</a:t>
                       </a:r>
-                      <a:endParaRPr kumimoji="1" lang="ja-JP" altLang="en-US" sz="1400" b="1" dirty="0">
-                        <a:solidFill>
-                          <a:schemeClr val="bg1"/>
-                        </a:solidFill>
-                      </a:endParaRPr>
                     </a:p>
                   </a:txBody>
                   <a:tcPr anchor="ctr">
@@ -17725,18 +16985,13 @@
                     <a:p>
                       <a:pPr algn="ctr"/>
                       <a:r>
-                        <a:rPr kumimoji="1" lang="ja-JP" altLang="en-US" sz="1400" b="1" dirty="0" smtClean="0">
+                        <a:rPr kumimoji="1" lang="ja-JP" altLang="en-US" sz="1400" b="1" dirty="0">
                           <a:solidFill>
                             <a:schemeClr val="bg1"/>
                           </a:solidFill>
                         </a:rPr>
                         <a:t>監視対象</a:t>
                       </a:r>
-                      <a:endParaRPr kumimoji="1" lang="ja-JP" altLang="en-US" sz="1400" b="1" dirty="0">
-                        <a:solidFill>
-                          <a:schemeClr val="bg1"/>
-                        </a:solidFill>
-                      </a:endParaRPr>
                     </a:p>
                   </a:txBody>
                   <a:tcPr anchor="ctr">
@@ -17752,18 +17007,13 @@
                     <a:p>
                       <a:pPr algn="ctr"/>
                       <a:r>
-                        <a:rPr kumimoji="1" lang="ja-JP" altLang="en-US" sz="1400" b="1" dirty="0" smtClean="0">
+                        <a:rPr kumimoji="1" lang="ja-JP" altLang="en-US" sz="1400" b="1" dirty="0">
                           <a:solidFill>
                             <a:schemeClr val="bg1"/>
                           </a:solidFill>
                         </a:rPr>
                         <a:t>モニタリング</a:t>
                       </a:r>
-                      <a:endParaRPr kumimoji="1" lang="ja-JP" altLang="en-US" sz="1400" b="1" dirty="0">
-                        <a:solidFill>
-                          <a:schemeClr val="bg1"/>
-                        </a:solidFill>
-                      </a:endParaRPr>
                     </a:p>
                   </a:txBody>
                   <a:tcPr anchor="ctr">
@@ -17779,18 +17029,13 @@
                     <a:p>
                       <a:pPr algn="ctr"/>
                       <a:r>
-                        <a:rPr kumimoji="1" lang="ja-JP" altLang="en-US" sz="1400" b="1" dirty="0" smtClean="0">
+                        <a:rPr kumimoji="1" lang="ja-JP" altLang="en-US" sz="1400" b="1" dirty="0">
                           <a:solidFill>
                             <a:schemeClr val="bg1"/>
                           </a:solidFill>
                         </a:rPr>
                         <a:t>ルールマッチング</a:t>
                       </a:r>
-                      <a:endParaRPr kumimoji="1" lang="ja-JP" altLang="en-US" sz="1400" b="1" dirty="0">
-                        <a:solidFill>
-                          <a:schemeClr val="bg1"/>
-                        </a:solidFill>
-                      </a:endParaRPr>
                     </a:p>
                   </a:txBody>
                   <a:tcPr anchor="ctr">
@@ -17806,18 +17051,13 @@
                     <a:p>
                       <a:pPr algn="ctr"/>
                       <a:r>
-                        <a:rPr kumimoji="1" lang="ja-JP" altLang="en-US" sz="1400" b="1" dirty="0" smtClean="0">
+                        <a:rPr kumimoji="1" lang="ja-JP" altLang="en-US" sz="1400" b="1" dirty="0">
                           <a:solidFill>
                             <a:schemeClr val="bg1"/>
                           </a:solidFill>
                         </a:rPr>
                         <a:t>アクション</a:t>
                       </a:r>
-                      <a:endParaRPr kumimoji="1" lang="ja-JP" altLang="en-US" sz="1400" b="1" dirty="0">
-                        <a:solidFill>
-                          <a:schemeClr val="bg1"/>
-                        </a:solidFill>
-                      </a:endParaRPr>
                     </a:p>
                   </a:txBody>
                   <a:tcPr anchor="ctr">
@@ -17840,18 +17080,13 @@
                     <a:p>
                       <a:pPr algn="ctr"/>
                       <a:r>
-                        <a:rPr kumimoji="1" lang="ja-JP" altLang="en-US" sz="1400" b="1" dirty="0" smtClean="0">
+                        <a:rPr kumimoji="1" lang="ja-JP" altLang="en-US" sz="1400" b="1" dirty="0">
                           <a:solidFill>
                             <a:schemeClr val="bg1"/>
                           </a:solidFill>
                         </a:rPr>
                         <a:t>イメージ</a:t>
                       </a:r>
-                      <a:endParaRPr kumimoji="1" lang="ja-JP" altLang="en-US" sz="1400" b="1" dirty="0">
-                        <a:solidFill>
-                          <a:schemeClr val="bg1"/>
-                        </a:solidFill>
-                      </a:endParaRPr>
                     </a:p>
                   </a:txBody>
                   <a:tcPr anchor="ctr">
@@ -17942,18 +17177,13 @@
                     <a:p>
                       <a:pPr algn="ctr"/>
                       <a:r>
-                        <a:rPr kumimoji="1" lang="ja-JP" altLang="en-US" sz="1400" b="1" dirty="0" smtClean="0">
+                        <a:rPr kumimoji="1" lang="ja-JP" altLang="en-US" sz="1400" b="1" dirty="0">
                           <a:solidFill>
                             <a:schemeClr val="bg1"/>
                           </a:solidFill>
                         </a:rPr>
                         <a:t>説明</a:t>
                       </a:r>
-                      <a:endParaRPr kumimoji="1" lang="ja-JP" altLang="en-US" sz="1400" b="1" dirty="0">
-                        <a:solidFill>
-                          <a:schemeClr val="bg1"/>
-                        </a:solidFill>
-                      </a:endParaRPr>
                     </a:p>
                   </a:txBody>
                   <a:tcPr anchor="ctr">
@@ -17985,27 +17215,27 @@
                         <a:defRPr/>
                       </a:pPr>
                       <a:r>
-                        <a:rPr lang="ja-JP" altLang="en-US" sz="1400" dirty="0" smtClean="0">
+                        <a:rPr lang="ja-JP" altLang="en-US" sz="1400" dirty="0">
                           <a:latin typeface="+mn-ea"/>
                           <a:ea typeface="+mn-ea"/>
                         </a:rPr>
                         <a:t>監視対象として</a:t>
                       </a:r>
                       <a:r>
-                        <a:rPr lang="en-US" altLang="ja-JP" sz="1400" dirty="0" smtClean="0">
+                        <a:rPr lang="en-US" altLang="ja-JP" sz="1400" dirty="0">
                           <a:latin typeface="+mn-ea"/>
                           <a:ea typeface="+mn-ea"/>
                         </a:rPr>
                         <a:t>Zabbix</a:t>
                       </a:r>
                       <a:r>
-                        <a:rPr lang="ja-JP" altLang="en-US" sz="1400" dirty="0" smtClean="0">
+                        <a:rPr lang="ja-JP" altLang="en-US" sz="1400" dirty="0">
                           <a:latin typeface="+mn-ea"/>
                           <a:ea typeface="+mn-ea"/>
                         </a:rPr>
                         <a:t>サーバにログファイルを用意</a:t>
                       </a:r>
-                      <a:endParaRPr lang="en-US" altLang="ja-JP" sz="1400" dirty="0" smtClean="0">
+                      <a:endParaRPr lang="en-US" altLang="ja-JP" sz="1400" dirty="0">
                         <a:latin typeface="+mn-ea"/>
                         <a:ea typeface="+mn-ea"/>
                       </a:endParaRPr>
@@ -18029,21 +17259,21 @@
                         <a:defRPr/>
                       </a:pPr>
                       <a:r>
-                        <a:rPr lang="ja-JP" altLang="en-US" sz="1400" dirty="0" smtClean="0">
+                        <a:rPr lang="ja-JP" altLang="en-US" sz="1400" dirty="0">
                           <a:latin typeface="+mn-ea"/>
                           <a:ea typeface="+mn-ea"/>
                         </a:rPr>
                         <a:t>ログを</a:t>
                       </a:r>
                       <a:r>
-                        <a:rPr lang="en-US" altLang="ja-JP" sz="1400" dirty="0" smtClean="0">
+                        <a:rPr lang="en-US" altLang="ja-JP" sz="1400" dirty="0">
                           <a:latin typeface="+mn-ea"/>
                           <a:ea typeface="+mn-ea"/>
                         </a:rPr>
                         <a:t>echo</a:t>
                       </a:r>
                       <a:r>
-                        <a:rPr lang="ja-JP" altLang="en-US" sz="1400" dirty="0" smtClean="0">
+                        <a:rPr lang="ja-JP" altLang="en-US" sz="1400" dirty="0">
                           <a:latin typeface="+mn-ea"/>
                           <a:ea typeface="+mn-ea"/>
                         </a:rPr>
@@ -18082,55 +17312,55 @@
                         <a:defRPr/>
                       </a:pPr>
                       <a:r>
-                        <a:rPr lang="ja-JP" altLang="en-US" sz="1400" dirty="0" smtClean="0">
+                        <a:rPr lang="ja-JP" altLang="en-US" sz="1400" dirty="0">
                           <a:latin typeface="+mn-ea"/>
                           <a:ea typeface="+mn-ea"/>
                         </a:rPr>
                         <a:t>ログファイルに「</a:t>
                       </a:r>
                       <a:r>
-                        <a:rPr lang="en-US" altLang="ja-JP" sz="1400" dirty="0" smtClean="0">
+                        <a:rPr lang="en-US" altLang="ja-JP" sz="1400" dirty="0">
                           <a:latin typeface="+mn-ea"/>
                           <a:ea typeface="+mn-ea"/>
                         </a:rPr>
                         <a:t>WARNING</a:t>
                       </a:r>
                       <a:r>
-                        <a:rPr lang="ja-JP" altLang="en-US" sz="1400" dirty="0" smtClean="0">
+                        <a:rPr lang="ja-JP" altLang="en-US" sz="1400" dirty="0">
                           <a:latin typeface="+mn-ea"/>
                           <a:ea typeface="+mn-ea"/>
                         </a:rPr>
                         <a:t>」が出力されたことを</a:t>
                       </a:r>
                       <a:r>
-                        <a:rPr lang="en-US" altLang="ja-JP" sz="1400" dirty="0" smtClean="0">
+                        <a:rPr lang="en-US" altLang="ja-JP" sz="1400" dirty="0">
                           <a:latin typeface="+mn-ea"/>
                           <a:ea typeface="+mn-ea"/>
                         </a:rPr>
                         <a:t>Zabbix</a:t>
                       </a:r>
                       <a:r>
-                        <a:rPr lang="ja-JP" altLang="en-US" sz="1400" dirty="0" smtClean="0">
+                        <a:rPr lang="ja-JP" altLang="en-US" sz="1400" dirty="0">
                           <a:latin typeface="+mn-ea"/>
                           <a:ea typeface="+mn-ea"/>
                         </a:rPr>
                         <a:t>エージェントが検知、</a:t>
                       </a:r>
                       <a:r>
-                        <a:rPr lang="en-US" altLang="ja-JP" sz="1400" dirty="0" smtClean="0">
+                        <a:rPr lang="en-US" altLang="ja-JP" sz="1400" dirty="0">
                           <a:latin typeface="+mn-ea"/>
                           <a:ea typeface="+mn-ea"/>
                         </a:rPr>
                         <a:t>Zabbix</a:t>
                       </a:r>
                       <a:r>
-                        <a:rPr lang="ja-JP" altLang="en-US" sz="1400" dirty="0" smtClean="0">
+                        <a:rPr lang="ja-JP" altLang="en-US" sz="1400" dirty="0">
                           <a:latin typeface="+mn-ea"/>
                           <a:ea typeface="+mn-ea"/>
                         </a:rPr>
                         <a:t>サーバプロセスのダッシュボード画面にアラートを表示させる</a:t>
                       </a:r>
-                      <a:endParaRPr lang="en-US" altLang="ja-JP" sz="1400" b="1" dirty="0" smtClean="0">
+                      <a:endParaRPr lang="en-US" altLang="ja-JP" sz="1400" b="1" dirty="0">
                         <a:latin typeface="+mn-ea"/>
                         <a:ea typeface="+mn-ea"/>
                       </a:endParaRPr>
@@ -18167,27 +17397,27 @@
                         <a:defRPr/>
                       </a:pPr>
                       <a:r>
-                        <a:rPr lang="ja-JP" altLang="en-US" sz="1400" dirty="0" smtClean="0">
+                        <a:rPr lang="ja-JP" altLang="en-US" sz="1400" dirty="0">
                           <a:latin typeface="+mn-ea"/>
                           <a:ea typeface="+mn-ea"/>
                         </a:rPr>
                         <a:t>アラートを</a:t>
                       </a:r>
                       <a:r>
-                        <a:rPr lang="en-US" altLang="ja-JP" sz="1400" dirty="0" smtClean="0">
+                        <a:rPr lang="en-US" altLang="ja-JP" sz="1400" dirty="0">
                           <a:latin typeface="+mn-ea"/>
                           <a:ea typeface="+mn-ea"/>
                         </a:rPr>
                         <a:t>OASE</a:t>
                       </a:r>
                       <a:r>
-                        <a:rPr lang="ja-JP" altLang="en-US" sz="1400" dirty="0" smtClean="0">
+                        <a:rPr lang="ja-JP" altLang="en-US" sz="1400" dirty="0">
                           <a:latin typeface="+mn-ea"/>
                           <a:ea typeface="+mn-ea"/>
                         </a:rPr>
                         <a:t>（監視アダプタ）が検知しルールマッチング実施</a:t>
                       </a:r>
-                      <a:endParaRPr lang="en-US" altLang="ja-JP" sz="1400" dirty="0" smtClean="0">
+                      <a:endParaRPr lang="en-US" altLang="ja-JP" sz="1400" dirty="0">
                         <a:latin typeface="+mn-ea"/>
                         <a:ea typeface="+mn-ea"/>
                       </a:endParaRPr>
@@ -18210,7 +17440,7 @@
                         <a:tabLst/>
                         <a:defRPr/>
                       </a:pPr>
-                      <a:endParaRPr lang="en-US" altLang="ja-JP" sz="1400" dirty="0" smtClean="0">
+                      <a:endParaRPr lang="en-US" altLang="ja-JP" sz="1400" dirty="0">
                         <a:latin typeface="+mn-ea"/>
                         <a:ea typeface="+mn-ea"/>
                       </a:endParaRPr>
@@ -18218,7 +17448,7 @@
                     <a:p>
                       <a:pPr algn="l"/>
                       <a:r>
-                        <a:rPr lang="ja-JP" altLang="en-US" sz="1400" dirty="0" smtClean="0">
+                        <a:rPr lang="ja-JP" altLang="en-US" sz="1400" dirty="0">
                           <a:solidFill>
                             <a:sysClr val="windowText" lastClr="000000"/>
                           </a:solidFill>
@@ -18228,7 +17458,7 @@
                         <a:t>アラート名に</a:t>
                       </a:r>
                       <a:r>
-                        <a:rPr lang="en-US" altLang="ja-JP" sz="1400" dirty="0" smtClean="0">
+                        <a:rPr lang="en-US" altLang="ja-JP" sz="1400" dirty="0">
                           <a:solidFill>
                             <a:sysClr val="windowText" lastClr="000000"/>
                           </a:solidFill>
@@ -18238,7 +17468,7 @@
                         <a:t>“WARNING”</a:t>
                       </a:r>
                       <a:r>
-                        <a:rPr lang="ja-JP" altLang="en-US" sz="1400" dirty="0" smtClean="0">
+                        <a:rPr lang="ja-JP" altLang="en-US" sz="1400" dirty="0">
                           <a:solidFill>
                             <a:sysClr val="windowText" lastClr="000000"/>
                           </a:solidFill>
@@ -18248,7 +17478,7 @@
                         <a:t>を含む場合、</a:t>
                       </a:r>
                       <a:r>
-                        <a:rPr kumimoji="1" lang="ja-JP" altLang="en-US" sz="1400" dirty="0" smtClean="0">
+                        <a:rPr kumimoji="1" lang="ja-JP" altLang="en-US" sz="1400" dirty="0">
                           <a:solidFill>
                             <a:sysClr val="windowText" lastClr="000000"/>
                           </a:solidFill>
@@ -18274,7 +17504,7 @@
                     <a:p>
                       <a:pPr algn="l"/>
                       <a:r>
-                        <a:rPr kumimoji="1" lang="ja-JP" altLang="en-US" sz="1400" dirty="0" smtClean="0">
+                        <a:rPr kumimoji="1" lang="ja-JP" altLang="en-US" sz="1400" dirty="0">
                           <a:latin typeface="+mn-ea"/>
                           <a:ea typeface="+mn-ea"/>
                         </a:rPr>
@@ -18321,7 +17551,6 @@
             <a:noFill/>
           </a:ln>
           <a:effectLst/>
-          <a:extLst/>
         </p:spPr>
         <p:txBody>
           <a:bodyPr rot="0" spcFirstLastPara="0" vertOverflow="overflow" horzOverflow="overflow" vert="horz" wrap="none" lIns="72000" tIns="72000" rIns="72000" bIns="72000" numCol="1" spcCol="0" rtlCol="0" fromWordArt="0" anchor="t" anchorCtr="0" forceAA="0" compatLnSpc="1">
@@ -18333,7 +17562,7 @@
           <a:lstStyle/>
           <a:p>
             <a:r>
-              <a:rPr lang="ja-JP" altLang="en-US" sz="1400" b="1" dirty="0" smtClean="0">
+              <a:rPr lang="ja-JP" altLang="en-US" sz="1400" b="1" dirty="0">
                 <a:solidFill>
                   <a:srgbClr val="002060"/>
                 </a:solidFill>
@@ -18341,7 +17570,7 @@
               </a:rPr>
               <a:t>メールドライバ</a:t>
             </a:r>
-            <a:endParaRPr kumimoji="1" lang="ja-JP" altLang="en-US" sz="1400" b="1" dirty="0" smtClean="0">
+            <a:endParaRPr kumimoji="1" lang="ja-JP" altLang="en-US" sz="1400" b="1" dirty="0">
               <a:solidFill>
                 <a:srgbClr val="002060"/>
               </a:solidFill>
@@ -18371,7 +17600,6 @@
             <a:noFill/>
           </a:ln>
           <a:effectLst/>
-          <a:extLst/>
         </p:spPr>
         <p:txBody>
           <a:bodyPr rot="0" spcFirstLastPara="0" vertOverflow="overflow" horzOverflow="overflow" vert="horz" wrap="none" lIns="72000" tIns="72000" rIns="72000" bIns="72000" numCol="1" spcCol="0" rtlCol="0" fromWordArt="0" anchor="t" anchorCtr="0" forceAA="0" compatLnSpc="1">
@@ -18383,7 +17611,7 @@
           <a:lstStyle/>
           <a:p>
             <a:r>
-              <a:rPr lang="ja-JP" altLang="en-US" sz="1400" b="1" dirty="0" smtClean="0">
+              <a:rPr lang="ja-JP" altLang="en-US" sz="1400" b="1" dirty="0">
                 <a:solidFill>
                   <a:srgbClr val="002060"/>
                 </a:solidFill>
@@ -18391,7 +17619,7 @@
               </a:rPr>
               <a:t>ディシジョンテーブルと</a:t>
             </a:r>
-            <a:endParaRPr lang="en-US" altLang="ja-JP" sz="1400" b="1" dirty="0" smtClean="0">
+            <a:endParaRPr lang="en-US" altLang="ja-JP" sz="1400" b="1" dirty="0">
               <a:solidFill>
                 <a:srgbClr val="002060"/>
               </a:solidFill>
@@ -18400,7 +17628,7 @@
           </a:p>
           <a:p>
             <a:r>
-              <a:rPr kumimoji="1" lang="ja-JP" altLang="en-US" sz="1400" b="1" dirty="0" smtClean="0">
+              <a:rPr kumimoji="1" lang="ja-JP" altLang="en-US" sz="1400" b="1" dirty="0">
                 <a:solidFill>
                   <a:srgbClr val="002060"/>
                 </a:solidFill>
@@ -18456,7 +17684,6 @@
             <a:noFill/>
           </a:ln>
           <a:effectLst/>
-          <a:extLst/>
         </p:spPr>
         <p:txBody>
           <a:bodyPr rot="0" spcFirstLastPara="0" vertOverflow="overflow" horzOverflow="overflow" vert="horz" wrap="none" lIns="72000" tIns="72000" rIns="72000" bIns="72000" numCol="1" spcCol="0" rtlCol="0" fromWordArt="0" anchor="t" anchorCtr="0" forceAA="0" compatLnSpc="1">
@@ -18468,7 +17695,7 @@
           <a:lstStyle/>
           <a:p>
             <a:r>
-              <a:rPr lang="en-US" altLang="ja-JP" sz="1400" b="1" dirty="0" smtClean="0">
+              <a:rPr lang="en-US" altLang="ja-JP" sz="1400" b="1" dirty="0">
                 <a:solidFill>
                   <a:srgbClr val="002060"/>
                 </a:solidFill>
@@ -18477,7 +17704,7 @@
               <a:t>Zabbix</a:t>
             </a:r>
             <a:r>
-              <a:rPr lang="ja-JP" altLang="en-US" sz="1400" b="1" dirty="0" smtClean="0">
+              <a:rPr lang="ja-JP" altLang="en-US" sz="1400" b="1" dirty="0">
                 <a:solidFill>
                   <a:srgbClr val="002060"/>
                 </a:solidFill>
@@ -18486,7 +17713,7 @@
               <a:t> </a:t>
             </a:r>
             <a:r>
-              <a:rPr lang="en-US" altLang="ja-JP" sz="1400" b="1" dirty="0" smtClean="0">
+              <a:rPr lang="en-US" altLang="ja-JP" sz="1400" b="1" dirty="0">
                 <a:solidFill>
                   <a:srgbClr val="002060"/>
                 </a:solidFill>
@@ -18494,7 +17721,7 @@
               </a:rPr>
               <a:t>Dashboard</a:t>
             </a:r>
-            <a:endParaRPr kumimoji="1" lang="ja-JP" altLang="en-US" sz="1400" b="1" dirty="0" smtClean="0">
+            <a:endParaRPr kumimoji="1" lang="ja-JP" altLang="en-US" sz="1400" b="1" dirty="0">
               <a:solidFill>
                 <a:srgbClr val="002060"/>
               </a:solidFill>
@@ -18524,7 +17751,6 @@
             <a:noFill/>
           </a:ln>
           <a:effectLst/>
-          <a:extLst/>
         </p:spPr>
         <p:txBody>
           <a:bodyPr rot="0" spcFirstLastPara="0" vertOverflow="overflow" horzOverflow="overflow" vert="horz" wrap="none" lIns="72000" tIns="72000" rIns="72000" bIns="72000" numCol="1" spcCol="0" rtlCol="0" fromWordArt="0" anchor="t" anchorCtr="0" forceAA="0" compatLnSpc="1">
@@ -18536,7 +17762,7 @@
           <a:lstStyle/>
           <a:p>
             <a:r>
-              <a:rPr lang="ja-JP" altLang="en-US" sz="1400" b="1" dirty="0" smtClean="0">
+              <a:rPr lang="ja-JP" altLang="en-US" sz="1400" b="1" dirty="0">
                 <a:solidFill>
                   <a:srgbClr val="002060"/>
                 </a:solidFill>
@@ -18544,7 +17770,7 @@
               </a:rPr>
               <a:t>サーバ　ログファイル</a:t>
             </a:r>
-            <a:endParaRPr kumimoji="1" lang="ja-JP" altLang="en-US" sz="1400" b="1" dirty="0" smtClean="0">
+            <a:endParaRPr kumimoji="1" lang="ja-JP" altLang="en-US" sz="1400" b="1" dirty="0">
               <a:solidFill>
                 <a:srgbClr val="002060"/>
               </a:solidFill>
@@ -18574,7 +17800,6 @@
             </a:solidFill>
           </a:ln>
           <a:effectLst/>
-          <a:extLst/>
         </p:spPr>
         <p:txBody>
           <a:bodyPr rot="0" spcFirstLastPara="0" vertOverflow="overflow" horzOverflow="overflow" vert="horz" wrap="none" lIns="72000" tIns="72000" rIns="72000" bIns="72000" numCol="1" spcCol="0" rtlCol="0" fromWordArt="0" anchor="ctr" anchorCtr="0" forceAA="0" compatLnSpc="1">
@@ -18586,7 +17811,7 @@
           <a:lstStyle/>
           <a:p>
             <a:pPr algn="ctr"/>
-            <a:endParaRPr kumimoji="1" lang="ja-JP" altLang="en-US" b="1" dirty="0" smtClean="0">
+            <a:endParaRPr kumimoji="1" lang="ja-JP" altLang="en-US" b="1" dirty="0">
               <a:latin typeface="+mn-ea"/>
             </a:endParaRPr>
           </a:p>
@@ -18615,7 +17840,6 @@
             </a:solidFill>
           </a:ln>
           <a:effectLst/>
-          <a:extLst/>
         </p:spPr>
         <p:txBody>
           <a:bodyPr rot="0" spcFirstLastPara="0" vertOverflow="overflow" horzOverflow="overflow" vert="horz" wrap="none" lIns="72000" tIns="72000" rIns="72000" bIns="72000" numCol="1" spcCol="0" rtlCol="0" fromWordArt="0" anchor="t" anchorCtr="0" forceAA="0" compatLnSpc="1">
@@ -18627,7 +17851,7 @@
           <a:lstStyle/>
           <a:p>
             <a:r>
-              <a:rPr lang="en-US" altLang="ja-JP" sz="1200" b="1" dirty="0" smtClean="0">
+              <a:rPr lang="en-US" altLang="ja-JP" sz="1200" b="1" dirty="0">
                 <a:solidFill>
                   <a:schemeClr val="bg1"/>
                 </a:solidFill>
@@ -18636,7 +17860,7 @@
               <a:t>01:01:10</a:t>
             </a:r>
             <a:r>
-              <a:rPr lang="ja-JP" altLang="en-US" sz="1200" b="1" dirty="0" smtClean="0">
+              <a:rPr lang="ja-JP" altLang="en-US" sz="1200" b="1" dirty="0">
                 <a:solidFill>
                   <a:schemeClr val="bg1"/>
                 </a:solidFill>
@@ -18645,7 +17869,7 @@
               <a:t> </a:t>
             </a:r>
             <a:r>
-              <a:rPr lang="en-US" altLang="ja-JP" sz="1200" b="1" dirty="0" smtClean="0">
+              <a:rPr lang="en-US" altLang="ja-JP" sz="1200" b="1" dirty="0">
                 <a:solidFill>
                   <a:schemeClr val="bg1"/>
                 </a:solidFill>
@@ -18656,7 +17880,7 @@
           </a:p>
           <a:p>
             <a:r>
-              <a:rPr lang="en-US" altLang="ja-JP" sz="1200" b="1" dirty="0" smtClean="0">
+              <a:rPr lang="en-US" altLang="ja-JP" sz="1200" b="1" dirty="0">
                 <a:solidFill>
                   <a:schemeClr val="bg1"/>
                 </a:solidFill>
@@ -18665,7 +17889,7 @@
               <a:t>01:01:20</a:t>
             </a:r>
             <a:r>
-              <a:rPr lang="ja-JP" altLang="en-US" sz="1200" b="1" dirty="0" smtClean="0">
+              <a:rPr lang="ja-JP" altLang="en-US" sz="1200" b="1" dirty="0">
                 <a:solidFill>
                   <a:schemeClr val="bg1"/>
                 </a:solidFill>
@@ -18685,7 +17909,7 @@
           </a:p>
           <a:p>
             <a:r>
-              <a:rPr lang="en-US" altLang="ja-JP" sz="1200" b="1" dirty="0" smtClean="0">
+              <a:rPr lang="en-US" altLang="ja-JP" sz="1200" b="1" dirty="0">
                 <a:solidFill>
                   <a:schemeClr val="bg1"/>
                 </a:solidFill>
@@ -18694,7 +17918,7 @@
               <a:t>01:01:30</a:t>
             </a:r>
             <a:r>
-              <a:rPr lang="ja-JP" altLang="en-US" sz="1200" b="1" dirty="0" smtClean="0">
+              <a:rPr lang="ja-JP" altLang="en-US" sz="1200" b="1" dirty="0">
                 <a:solidFill>
                   <a:schemeClr val="bg1"/>
                 </a:solidFill>
@@ -18714,7 +17938,7 @@
           </a:p>
           <a:p>
             <a:r>
-              <a:rPr lang="en-US" altLang="ja-JP" sz="1200" b="1" dirty="0" smtClean="0">
+              <a:rPr lang="en-US" altLang="ja-JP" sz="1200" b="1" dirty="0">
                 <a:solidFill>
                   <a:schemeClr val="bg1"/>
                 </a:solidFill>
@@ -18723,7 +17947,7 @@
               <a:t>01:01:40</a:t>
             </a:r>
             <a:r>
-              <a:rPr lang="ja-JP" altLang="en-US" sz="1200" b="1" dirty="0" smtClean="0">
+              <a:rPr lang="ja-JP" altLang="en-US" sz="1200" b="1" dirty="0">
                 <a:solidFill>
                   <a:schemeClr val="bg1"/>
                 </a:solidFill>
@@ -18732,7 +17956,7 @@
               <a:t> </a:t>
             </a:r>
             <a:r>
-              <a:rPr lang="en-US" altLang="ja-JP" sz="1200" b="1" dirty="0" smtClean="0">
+              <a:rPr lang="en-US" altLang="ja-JP" sz="1200" b="1" dirty="0">
                 <a:solidFill>
                   <a:schemeClr val="bg1"/>
                 </a:solidFill>
@@ -18743,7 +17967,7 @@
           </a:p>
           <a:p>
             <a:r>
-              <a:rPr lang="ja-JP" altLang="en-US" sz="1200" b="1" dirty="0" smtClean="0">
+              <a:rPr lang="ja-JP" altLang="en-US" sz="1200" b="1" dirty="0">
                 <a:solidFill>
                   <a:schemeClr val="bg1"/>
                 </a:solidFill>
@@ -18759,7 +17983,7 @@
             </a:endParaRPr>
           </a:p>
           <a:p>
-            <a:endParaRPr lang="en-US" altLang="ja-JP" sz="1200" b="1" dirty="0" smtClean="0">
+            <a:endParaRPr lang="en-US" altLang="ja-JP" sz="1200" b="1" dirty="0">
               <a:solidFill>
                 <a:schemeClr val="bg1"/>
               </a:solidFill>
@@ -18767,7 +17991,7 @@
             </a:endParaRPr>
           </a:p>
           <a:p>
-            <a:endParaRPr lang="en-US" altLang="ja-JP" sz="1200" b="1" dirty="0" smtClean="0">
+            <a:endParaRPr lang="en-US" altLang="ja-JP" sz="1200" b="1" dirty="0">
               <a:solidFill>
                 <a:schemeClr val="bg1"/>
               </a:solidFill>
@@ -19040,15 +18264,15 @@
                     <a:lstStyle/>
                     <a:p>
                       <a:r>
-                        <a:rPr kumimoji="1" lang="en-US" altLang="ja-JP" sz="1050" dirty="0" smtClean="0"/>
+                        <a:rPr kumimoji="1" lang="en-US" altLang="ja-JP" sz="1050" dirty="0"/>
                         <a:t>WARNING</a:t>
                       </a:r>
                       <a:r>
-                        <a:rPr kumimoji="1" lang="ja-JP" altLang="en-US" sz="1050" dirty="0" smtClean="0"/>
+                        <a:rPr kumimoji="1" lang="ja-JP" altLang="en-US" sz="1050" dirty="0"/>
                         <a:t> </a:t>
                       </a:r>
                       <a:r>
-                        <a:rPr kumimoji="1" lang="en-US" altLang="ja-JP" sz="1050" dirty="0" smtClean="0"/>
+                        <a:rPr kumimoji="1" lang="en-US" altLang="ja-JP" sz="1050" dirty="0"/>
                         <a:t>alert</a:t>
                       </a:r>
                       <a:endParaRPr kumimoji="1" lang="ja-JP" altLang="en-US" sz="1050" dirty="0"/>
@@ -19199,15 +18423,15 @@
                     <a:lstStyle/>
                     <a:p>
                       <a:r>
-                        <a:rPr kumimoji="1" lang="en-US" altLang="ja-JP" sz="1050" dirty="0" smtClean="0"/>
+                        <a:rPr kumimoji="1" lang="en-US" altLang="ja-JP" sz="1050" dirty="0"/>
                         <a:t>Error</a:t>
                       </a:r>
                       <a:r>
-                        <a:rPr kumimoji="1" lang="ja-JP" altLang="en-US" sz="1050" dirty="0" smtClean="0"/>
+                        <a:rPr kumimoji="1" lang="ja-JP" altLang="en-US" sz="1050" dirty="0"/>
                         <a:t> </a:t>
                       </a:r>
                       <a:r>
-                        <a:rPr kumimoji="1" lang="en-US" altLang="ja-JP" sz="1050" dirty="0" smtClean="0"/>
+                        <a:rPr kumimoji="1" lang="en-US" altLang="ja-JP" sz="1050" dirty="0"/>
                         <a:t>action</a:t>
                       </a:r>
                       <a:endParaRPr kumimoji="1" lang="ja-JP" altLang="en-US" sz="1050" dirty="0"/>
@@ -19358,7 +18582,7 @@
                     <a:lstStyle/>
                     <a:p>
                       <a:r>
-                        <a:rPr kumimoji="1" lang="en-US" altLang="ja-JP" sz="1050" dirty="0" smtClean="0"/>
+                        <a:rPr kumimoji="1" lang="en-US" altLang="ja-JP" sz="1050" dirty="0"/>
                         <a:t>more than % busy</a:t>
                       </a:r>
                       <a:endParaRPr kumimoji="1" lang="ja-JP" altLang="en-US" sz="1050" dirty="0"/>
@@ -19510,10 +18734,9 @@
                     <a:p>
                       <a:pPr algn="ctr"/>
                       <a:r>
-                        <a:rPr kumimoji="1" lang="ja-JP" altLang="en-US" sz="1050" dirty="0" smtClean="0"/>
+                        <a:rPr kumimoji="1" lang="ja-JP" altLang="en-US" sz="1050" dirty="0"/>
                         <a:t>：</a:t>
                       </a:r>
-                      <a:endParaRPr kumimoji="1" lang="ja-JP" altLang="en-US" sz="1050" dirty="0"/>
                     </a:p>
                   </a:txBody>
                   <a:tcPr anchor="b">
@@ -19611,7 +18834,6 @@
             </a:solidFill>
           </a:ln>
           <a:effectLst/>
-          <a:extLst/>
         </p:spPr>
         <p:txBody>
           <a:bodyPr rot="0" spcFirstLastPara="0" vertOverflow="overflow" horzOverflow="overflow" vert="horz" wrap="none" lIns="72000" tIns="72000" rIns="72000" bIns="72000" numCol="1" spcCol="0" rtlCol="0" fromWordArt="0" anchor="ctr" anchorCtr="0" forceAA="0" compatLnSpc="1">
@@ -19624,7 +18846,7 @@
           <a:p>
             <a:pPr algn="ctr"/>
             <a:r>
-              <a:rPr kumimoji="1" lang="ja-JP" altLang="en-US" sz="1200" b="1" dirty="0" smtClean="0">
+              <a:rPr kumimoji="1" lang="ja-JP" altLang="en-US" sz="1200" b="1" dirty="0">
                 <a:solidFill>
                   <a:srgbClr val="FF0000"/>
                 </a:solidFill>
@@ -19632,7 +18854,7 @@
               </a:rPr>
               <a:t>アラート</a:t>
             </a:r>
-            <a:endParaRPr kumimoji="1" lang="en-US" altLang="ja-JP" sz="1200" b="1" dirty="0" smtClean="0">
+            <a:endParaRPr kumimoji="1" lang="en-US" altLang="ja-JP" sz="1200" b="1" dirty="0">
               <a:solidFill>
                 <a:srgbClr val="FF0000"/>
               </a:solidFill>
@@ -19650,7 +18872,7 @@
               </a:rPr>
               <a:t>発報</a:t>
             </a:r>
-            <a:endParaRPr kumimoji="1" lang="ja-JP" altLang="en-US" sz="1200" b="1" dirty="0" smtClean="0">
+            <a:endParaRPr kumimoji="1" lang="ja-JP" altLang="en-US" sz="1200" b="1" dirty="0">
               <a:solidFill>
                 <a:srgbClr val="FF0000"/>
               </a:solidFill>
@@ -19789,7 +19011,6 @@
             </a:solidFill>
           </a:ln>
           <a:effectLst/>
-          <a:extLst/>
         </p:spPr>
         <p:txBody>
           <a:bodyPr rot="0" spcFirstLastPara="0" vertOverflow="overflow" horzOverflow="overflow" vert="horz" wrap="none" lIns="72000" tIns="72000" rIns="72000" bIns="72000" numCol="1" spcCol="0" rtlCol="0" fromWordArt="0" anchor="ctr" anchorCtr="0" forceAA="0" compatLnSpc="1">
@@ -19801,7 +19022,7 @@
           <a:lstStyle/>
           <a:p>
             <a:pPr algn="ctr"/>
-            <a:endParaRPr kumimoji="1" lang="ja-JP" altLang="en-US" b="1" dirty="0" smtClean="0">
+            <a:endParaRPr kumimoji="1" lang="ja-JP" altLang="en-US" b="1" dirty="0">
               <a:latin typeface="+mn-ea"/>
             </a:endParaRPr>
           </a:p>
@@ -19854,10 +19075,9 @@
                     <a:lstStyle/>
                     <a:p>
                       <a:r>
-                        <a:rPr kumimoji="1" lang="ja-JP" altLang="en-US" sz="1050" dirty="0" smtClean="0"/>
+                        <a:rPr kumimoji="1" lang="ja-JP" altLang="en-US" sz="1050" dirty="0"/>
                         <a:t>条件式</a:t>
                       </a:r>
-                      <a:endParaRPr kumimoji="1" lang="ja-JP" altLang="en-US" sz="1050" dirty="0"/>
                     </a:p>
                   </a:txBody>
                   <a:tcPr anchor="ctr">
@@ -19990,10 +19210,9 @@
                     <a:p>
                       <a:pPr algn="ctr"/>
                       <a:r>
-                        <a:rPr kumimoji="1" lang="ja-JP" altLang="en-US" sz="1050" dirty="0" smtClean="0"/>
+                        <a:rPr kumimoji="1" lang="ja-JP" altLang="en-US" sz="1050" dirty="0"/>
                         <a:t>アラート</a:t>
                       </a:r>
-                      <a:endParaRPr kumimoji="1" lang="ja-JP" altLang="en-US" sz="1050" dirty="0"/>
                     </a:p>
                   </a:txBody>
                   <a:tcPr anchor="ctr">
@@ -20057,10 +19276,9 @@
                     <a:p>
                       <a:pPr algn="ctr"/>
                       <a:r>
-                        <a:rPr kumimoji="1" lang="ja-JP" altLang="en-US" sz="1050" dirty="0" smtClean="0"/>
+                        <a:rPr kumimoji="1" lang="ja-JP" altLang="en-US" sz="1050" dirty="0"/>
                         <a:t>正規表現に一致する</a:t>
                       </a:r>
-                      <a:endParaRPr kumimoji="1" lang="ja-JP" altLang="en-US" sz="1050" dirty="0"/>
                     </a:p>
                   </a:txBody>
                   <a:tcPr anchor="ctr">
@@ -20371,15 +19589,15 @@
                     <a:p>
                       <a:pPr algn="ctr"/>
                       <a:r>
-                        <a:rPr kumimoji="1" lang="en-US" altLang="ja-JP" sz="1100" dirty="0" smtClean="0"/>
+                        <a:rPr kumimoji="1" lang="en-US" altLang="ja-JP" sz="1100" dirty="0"/>
                         <a:t>^.*WARNING.*$</a:t>
                       </a:r>
                       <a:r>
-                        <a:rPr kumimoji="1" lang="ja-JP" altLang="en-US" sz="1100" dirty="0" smtClean="0"/>
+                        <a:rPr kumimoji="1" lang="ja-JP" altLang="en-US" sz="1100" dirty="0"/>
                         <a:t>：</a:t>
                       </a:r>
                       <a:r>
-                        <a:rPr kumimoji="1" lang="en-US" altLang="ja-JP" sz="1100" dirty="0" smtClean="0"/>
+                        <a:rPr kumimoji="1" lang="en-US" altLang="ja-JP" sz="1100" dirty="0"/>
                         <a:t>mail</a:t>
                       </a:r>
                     </a:p>
@@ -20471,7 +19689,6 @@
             </a:solidFill>
           </a:ln>
           <a:effectLst/>
-          <a:extLst/>
         </p:spPr>
         <p:txBody>
           <a:bodyPr rot="0" spcFirstLastPara="0" vertOverflow="overflow" horzOverflow="overflow" vert="horz" wrap="none" lIns="72000" tIns="72000" rIns="72000" bIns="72000" numCol="1" spcCol="0" rtlCol="0" fromWordArt="0" anchor="ctr" anchorCtr="0" forceAA="0" compatLnSpc="1">
@@ -20483,7 +19700,7 @@
           <a:lstStyle/>
           <a:p>
             <a:pPr algn="ctr"/>
-            <a:endParaRPr kumimoji="1" lang="ja-JP" altLang="en-US" b="1" dirty="0" smtClean="0">
+            <a:endParaRPr kumimoji="1" lang="ja-JP" altLang="en-US" b="1" dirty="0">
               <a:latin typeface="+mn-ea"/>
             </a:endParaRPr>
           </a:p>
@@ -20518,7 +19735,6 @@
             </a:solidFill>
           </a:ln>
           <a:effectLst/>
-          <a:extLst/>
         </p:spPr>
         <p:txBody>
           <a:bodyPr rot="0" spcFirstLastPara="0" vertOverflow="overflow" horzOverflow="overflow" vert="horz" wrap="none" lIns="72000" tIns="72000" rIns="72000" bIns="72000" numCol="1" spcCol="0" rtlCol="0" fromWordArt="0" anchor="ctr" anchorCtr="0" forceAA="0" compatLnSpc="1">
@@ -20530,7 +19746,7 @@
           <a:lstStyle/>
           <a:p>
             <a:pPr algn="ctr"/>
-            <a:endParaRPr kumimoji="1" lang="ja-JP" altLang="en-US" b="1" dirty="0" smtClean="0">
+            <a:endParaRPr kumimoji="1" lang="ja-JP" altLang="en-US" b="1" dirty="0">
               <a:latin typeface="+mn-ea"/>
             </a:endParaRPr>
           </a:p>
@@ -20557,7 +19773,6 @@
             </a:solidFill>
           </a:ln>
           <a:effectLst/>
-          <a:extLst/>
         </p:spPr>
         <p:txBody>
           <a:bodyPr rot="0" spcFirstLastPara="0" vertOverflow="overflow" horzOverflow="overflow" vert="horz" wrap="none" lIns="72000" tIns="72000" rIns="72000" bIns="72000" numCol="1" spcCol="0" rtlCol="0" fromWordArt="0" anchor="ctr" anchorCtr="0" forceAA="0" compatLnSpc="1">
@@ -20569,7 +19784,7 @@
           <a:lstStyle/>
           <a:p>
             <a:pPr algn="ctr"/>
-            <a:endParaRPr kumimoji="1" lang="ja-JP" altLang="en-US" sz="1200" b="1" dirty="0" smtClean="0">
+            <a:endParaRPr kumimoji="1" lang="ja-JP" altLang="en-US" sz="1200" b="1" dirty="0">
               <a:solidFill>
                 <a:srgbClr val="FF0000"/>
               </a:solidFill>
@@ -20607,7 +19822,6 @@
             </a:solidFill>
           </a:ln>
           <a:effectLst/>
-          <a:extLst/>
         </p:spPr>
         <p:txBody>
           <a:bodyPr rot="0" spcFirstLastPara="0" vertOverflow="overflow" horzOverflow="overflow" vert="horz" wrap="none" lIns="72000" tIns="72000" rIns="72000" bIns="72000" numCol="1" spcCol="0" rtlCol="0" fromWordArt="0" anchor="ctr" anchorCtr="0" forceAA="0" compatLnSpc="1">
@@ -20619,7 +19833,7 @@
           <a:lstStyle/>
           <a:p>
             <a:pPr algn="ctr"/>
-            <a:endParaRPr kumimoji="1" lang="ja-JP" altLang="en-US" b="1" dirty="0" smtClean="0">
+            <a:endParaRPr kumimoji="1" lang="ja-JP" altLang="en-US" b="1" dirty="0">
               <a:latin typeface="+mn-ea"/>
             </a:endParaRPr>
           </a:p>
@@ -20635,13 +19849,6 @@
   <p:clrMapOvr>
     <a:masterClrMapping/>
   </p:clrMapOvr>
-  <p:timing>
-    <p:tnLst>
-      <p:par>
-        <p:cTn id="1" dur="indefinite" restart="never" nodeType="tmRoot"/>
-      </p:par>
-    </p:tnLst>
-  </p:timing>
 </p:sld>
 </file>
 
@@ -20679,27 +19886,15 @@
           <a:p>
             <a:r>
               <a:rPr lang="en-US" altLang="ja-JP" dirty="0"/>
-              <a:t>2.1</a:t>
-            </a:r>
-            <a:r>
-              <a:rPr lang="en-US" altLang="ja-JP" dirty="0" smtClean="0"/>
-              <a:t> </a:t>
-            </a:r>
-            <a:r>
-              <a:rPr lang="ja-JP" altLang="en-US" dirty="0" smtClean="0"/>
+              <a:t>2.1 </a:t>
+            </a:r>
+            <a:r>
+              <a:rPr lang="ja-JP" altLang="en-US" dirty="0"/>
               <a:t>フロー全体図</a:t>
             </a:r>
             <a:r>
-              <a:rPr lang="en-US" altLang="ja-JP" dirty="0" smtClean="0"/>
-              <a:t>(3/</a:t>
-            </a:r>
-            <a:r>
               <a:rPr lang="en-US" altLang="ja-JP" dirty="0"/>
-              <a:t>3</a:t>
-            </a:r>
-            <a:r>
-              <a:rPr lang="en-US" altLang="ja-JP" dirty="0" smtClean="0"/>
-              <a:t>)</a:t>
+              <a:t>(3/3)</a:t>
             </a:r>
             <a:endParaRPr kumimoji="1" lang="ja-JP" altLang="en-US" dirty="0"/>
           </a:p>
@@ -20723,98 +19918,82 @@
           <a:lstStyle/>
           <a:p>
             <a:r>
-              <a:rPr lang="ja-JP" altLang="en-US" dirty="0" smtClean="0"/>
+              <a:rPr lang="ja-JP" altLang="en-US" dirty="0"/>
               <a:t>監視アダプタを用いた</a:t>
             </a:r>
             <a:r>
-              <a:rPr lang="en-US" altLang="ja-JP" dirty="0" smtClean="0"/>
+              <a:rPr lang="en-US" altLang="ja-JP" dirty="0"/>
               <a:t>OASE</a:t>
             </a:r>
             <a:r>
-              <a:rPr lang="ja-JP" altLang="en-US" dirty="0" smtClean="0"/>
+              <a:rPr lang="ja-JP" altLang="en-US" dirty="0"/>
               <a:t>の実行</a:t>
             </a:r>
-            <a:endParaRPr lang="en-US" altLang="ja-JP" dirty="0" smtClean="0"/>
+            <a:endParaRPr lang="en-US" altLang="ja-JP" dirty="0"/>
           </a:p>
           <a:p>
             <a:pPr lvl="1"/>
-            <a:endParaRPr lang="en-US" altLang="ja-JP" dirty="0" smtClean="0"/>
+            <a:endParaRPr lang="en-US" altLang="ja-JP" dirty="0"/>
           </a:p>
           <a:p>
             <a:pPr lvl="1"/>
             <a:r>
-              <a:rPr lang="ja-JP" altLang="en-US" dirty="0" smtClean="0"/>
+              <a:rPr lang="ja-JP" altLang="en-US" dirty="0"/>
               <a:t>「クイックスタート」および「</a:t>
             </a:r>
             <a:r>
-              <a:rPr lang="en-US" altLang="ja-JP" dirty="0" smtClean="0"/>
+              <a:rPr lang="en-US" altLang="ja-JP" dirty="0"/>
               <a:t>Base</a:t>
             </a:r>
             <a:r>
-              <a:rPr lang="ja-JP" altLang="en-US" dirty="0" smtClean="0"/>
+              <a:rPr lang="ja-JP" altLang="en-US" dirty="0"/>
               <a:t>」では</a:t>
             </a:r>
             <a:r>
-              <a:rPr lang="en-US" altLang="ja-JP" dirty="0" smtClean="0"/>
+              <a:rPr lang="en-US" altLang="ja-JP" dirty="0"/>
               <a:t>push</a:t>
             </a:r>
             <a:r>
               <a:rPr lang="ja-JP" altLang="en-US" dirty="0"/>
-              <a:t>型のリクエスト</a:t>
-            </a:r>
-            <a:r>
-              <a:rPr lang="ja-JP" altLang="en-US" dirty="0" smtClean="0"/>
-              <a:t>送信（</a:t>
+              <a:t>型のリクエスト送信（</a:t>
             </a:r>
             <a:r>
               <a:rPr lang="en-US" altLang="ja-JP" dirty="0"/>
               <a:t>=</a:t>
             </a:r>
             <a:r>
-              <a:rPr lang="en-US" altLang="ja-JP" dirty="0" err="1" smtClean="0"/>
+              <a:rPr lang="en-US" altLang="ja-JP" dirty="0" err="1"/>
               <a:t>cURL</a:t>
             </a:r>
             <a:r>
-              <a:rPr lang="ja-JP" altLang="en-US" dirty="0" smtClean="0"/>
-              <a:t>コマンド）を行っていたが、</a:t>
-            </a:r>
-            <a:r>
-              <a:rPr lang="ja-JP" altLang="en-US" dirty="0" smtClean="0"/>
-              <a:t>「</a:t>
-            </a:r>
-            <a:r>
-              <a:rPr lang="en-US" altLang="ja-JP" dirty="0" err="1" smtClean="0"/>
+              <a:rPr lang="ja-JP" altLang="en-US" dirty="0"/>
+              <a:t>コマンド）を行っていたが、「</a:t>
+            </a:r>
+            <a:r>
+              <a:rPr lang="en-US" altLang="ja-JP" dirty="0" err="1"/>
               <a:t>Zabbix</a:t>
             </a:r>
             <a:r>
-              <a:rPr lang="ja-JP" altLang="en-US" dirty="0" smtClean="0"/>
-              <a:t>連携」</a:t>
-            </a:r>
-            <a:r>
-              <a:rPr lang="ja-JP" altLang="en-US" dirty="0" smtClean="0"/>
-              <a:t>では</a:t>
-            </a:r>
-            <a:r>
-              <a:rPr lang="en-US" altLang="ja-JP" dirty="0" smtClean="0"/>
+              <a:rPr lang="ja-JP" altLang="en-US" dirty="0"/>
+              <a:t>連携」では</a:t>
+            </a:r>
+            <a:r>
+              <a:rPr lang="en-US" altLang="ja-JP" dirty="0"/>
               <a:t>Zabbix</a:t>
             </a:r>
             <a:r>
-              <a:rPr lang="ja-JP" altLang="en-US" dirty="0" smtClean="0"/>
-              <a:t>アダプタを用い</a:t>
-            </a:r>
-            <a:r>
               <a:rPr lang="ja-JP" altLang="en-US" dirty="0"/>
-              <a:t>た</a:t>
-            </a:r>
-            <a:r>
-              <a:rPr lang="en-US" altLang="ja-JP" dirty="0" smtClean="0"/>
+              <a:t>アダプタを用いた</a:t>
+            </a:r>
+            <a:r>
+              <a:rPr lang="en-US" altLang="ja-JP" dirty="0"/>
               <a:t>pull</a:t>
             </a:r>
             <a:r>
-              <a:rPr lang="ja-JP" altLang="en-US" dirty="0" smtClean="0"/>
+              <a:rPr lang="ja-JP" altLang="en-US" dirty="0"/>
               <a:t>型のイベント検知をすることが可能</a:t>
             </a:r>
-            <a:endParaRPr lang="en-US" altLang="ja-JP" dirty="0" smtClean="0"/>
+            <a:endParaRPr lang="en-US" altLang="ja-JP" dirty="0"/>
           </a:p>
           <a:p>
             <a:pPr lvl="1"/>
@@ -20822,7 +20001,7 @@
           </a:p>
           <a:p>
             <a:pPr lvl="1"/>
-            <a:endParaRPr lang="en-US" altLang="ja-JP" dirty="0" smtClean="0"/>
+            <a:endParaRPr lang="en-US" altLang="ja-JP" dirty="0"/>
           </a:p>
           <a:p>
             <a:pPr lvl="1"/>
@@ -20830,7 +20009,7 @@
           </a:p>
           <a:p>
             <a:pPr lvl="1"/>
-            <a:endParaRPr lang="en-US" altLang="ja-JP" dirty="0" smtClean="0"/>
+            <a:endParaRPr lang="en-US" altLang="ja-JP" dirty="0"/>
           </a:p>
           <a:p>
             <a:pPr lvl="1"/>
@@ -20838,7 +20017,7 @@
           </a:p>
           <a:p>
             <a:pPr lvl="1"/>
-            <a:endParaRPr lang="en-US" altLang="ja-JP" dirty="0" smtClean="0"/>
+            <a:endParaRPr lang="en-US" altLang="ja-JP" dirty="0"/>
           </a:p>
           <a:p>
             <a:pPr lvl="1"/>
@@ -20846,7 +20025,7 @@
           </a:p>
           <a:p>
             <a:pPr lvl="1"/>
-            <a:endParaRPr lang="en-US" altLang="ja-JP" dirty="0" smtClean="0"/>
+            <a:endParaRPr lang="en-US" altLang="ja-JP" dirty="0"/>
           </a:p>
           <a:p>
             <a:pPr lvl="1"/>
@@ -20854,7 +20033,7 @@
           </a:p>
           <a:p>
             <a:pPr lvl="1"/>
-            <a:endParaRPr lang="en-US" altLang="ja-JP" dirty="0" smtClean="0"/>
+            <a:endParaRPr lang="en-US" altLang="ja-JP" dirty="0"/>
           </a:p>
           <a:p>
             <a:pPr lvl="1"/>
@@ -20864,7 +20043,7 @@
             <a:pPr marL="180000" lvl="1" indent="0">
               <a:buNone/>
             </a:pPr>
-            <a:endParaRPr lang="en-US" altLang="ja-JP" dirty="0" smtClean="0"/>
+            <a:endParaRPr lang="en-US" altLang="ja-JP" dirty="0"/>
           </a:p>
           <a:p>
             <a:pPr lvl="1">
@@ -20872,46 +20051,38 @@
               <a:buChar char="※"/>
             </a:pPr>
             <a:r>
-              <a:rPr lang="en-US" altLang="ja-JP" dirty="0" smtClean="0"/>
+              <a:rPr lang="en-US" altLang="ja-JP" dirty="0"/>
               <a:t>Zabbix</a:t>
             </a:r>
             <a:r>
-              <a:rPr lang="ja-JP" altLang="en-US" dirty="0" smtClean="0"/>
-              <a:t>サーバ</a:t>
-            </a:r>
-            <a:r>
               <a:rPr lang="ja-JP" altLang="en-US" dirty="0"/>
-              <a:t>プロセス</a:t>
-            </a:r>
-            <a:r>
-              <a:rPr lang="ja-JP" altLang="en-US" dirty="0" smtClean="0"/>
-              <a:t>のアクション設定にて、「実行内容のタイプ」を「リモートコマンド」とすることで</a:t>
-            </a:r>
-            <a:r>
-              <a:rPr lang="en-US" altLang="ja-JP" dirty="0" smtClean="0"/>
+              <a:t>サーバプロセスのアクション設定にて、「実行内容のタイプ」を「リモートコマンド」とすることで</a:t>
+            </a:r>
+            <a:r>
+              <a:rPr lang="en-US" altLang="ja-JP" dirty="0"/>
               <a:t>Zabbix</a:t>
             </a:r>
             <a:r>
-              <a:rPr lang="ja-JP" altLang="en-US" dirty="0" smtClean="0"/>
+              <a:rPr lang="ja-JP" altLang="en-US" dirty="0"/>
               <a:t>から</a:t>
             </a:r>
             <a:r>
-              <a:rPr lang="en-US" altLang="ja-JP" dirty="0" smtClean="0"/>
+              <a:rPr lang="en-US" altLang="ja-JP" dirty="0"/>
               <a:t>OASE</a:t>
             </a:r>
             <a:r>
-              <a:rPr lang="ja-JP" altLang="en-US" dirty="0" smtClean="0"/>
+              <a:rPr lang="ja-JP" altLang="en-US" dirty="0"/>
               <a:t>へ</a:t>
             </a:r>
             <a:r>
-              <a:rPr lang="en-US" altLang="ja-JP" dirty="0" smtClean="0"/>
+              <a:rPr lang="en-US" altLang="ja-JP" dirty="0"/>
               <a:t>push</a:t>
             </a:r>
             <a:r>
-              <a:rPr lang="ja-JP" altLang="en-US" dirty="0" smtClean="0"/>
+              <a:rPr lang="ja-JP" altLang="en-US" dirty="0"/>
               <a:t>型のリクエスト送信（リクエスト用のシェルを実行させること）も可能ではあるが本書では取り扱わない</a:t>
             </a:r>
-            <a:endParaRPr lang="en-US" altLang="ja-JP" dirty="0" smtClean="0"/>
+            <a:endParaRPr lang="en-US" altLang="ja-JP" dirty="0"/>
           </a:p>
         </p:txBody>
       </p:sp>
@@ -21038,7 +20209,6 @@
             </a:solidFill>
           </a:ln>
           <a:effectLst/>
-          <a:extLst/>
         </p:spPr>
         <p:txBody>
           <a:bodyPr rot="0" spcFirstLastPara="0" vertOverflow="overflow" horzOverflow="overflow" vert="horz" wrap="square" lIns="72000" tIns="72000" rIns="72000" bIns="72000" numCol="1" spcCol="0" rtlCol="0" fromWordArt="0" anchor="ctr" anchorCtr="0" forceAA="0" compatLnSpc="1">
@@ -21050,7 +20220,7 @@
           <a:lstStyle/>
           <a:p>
             <a:pPr algn="ctr"/>
-            <a:endParaRPr kumimoji="1" lang="ja-JP" altLang="en-US" b="1" dirty="0" smtClean="0">
+            <a:endParaRPr kumimoji="1" lang="ja-JP" altLang="en-US" b="1" dirty="0">
               <a:latin typeface="+mn-ea"/>
             </a:endParaRPr>
           </a:p>
@@ -21188,7 +20358,6 @@
             </a:solidFill>
           </a:ln>
           <a:effectLst/>
-          <a:extLst/>
         </p:spPr>
         <p:txBody>
           <a:bodyPr rot="0" spcFirstLastPara="0" vertOverflow="overflow" horzOverflow="overflow" vert="horz" wrap="square" lIns="72000" tIns="72000" rIns="72000" bIns="72000" numCol="1" spcCol="0" rtlCol="0" fromWordArt="0" anchor="ctr" anchorCtr="0" forceAA="0" compatLnSpc="1">
@@ -21200,7 +20369,7 @@
           <a:lstStyle/>
           <a:p>
             <a:pPr algn="ctr"/>
-            <a:endParaRPr kumimoji="1" lang="ja-JP" altLang="en-US" b="1" dirty="0" smtClean="0">
+            <a:endParaRPr kumimoji="1" lang="ja-JP" altLang="en-US" b="1" dirty="0">
               <a:latin typeface="+mn-ea"/>
             </a:endParaRPr>
           </a:p>
@@ -21229,7 +20398,6 @@
             </a:solidFill>
           </a:ln>
           <a:effectLst/>
-          <a:extLst/>
         </p:spPr>
         <p:txBody>
           <a:bodyPr rot="0" spcFirstLastPara="0" vertOverflow="overflow" horzOverflow="overflow" vert="horz" wrap="none" lIns="72000" tIns="72000" rIns="72000" bIns="72000" numCol="1" spcCol="0" rtlCol="0" fromWordArt="0" anchor="ctr" anchorCtr="0" forceAA="0" compatLnSpc="1">
@@ -21242,18 +20410,18 @@
           <a:p>
             <a:pPr algn="ctr"/>
             <a:r>
-              <a:rPr kumimoji="1" lang="en-US" altLang="ja-JP" b="1" dirty="0" smtClean="0">
+              <a:rPr kumimoji="1" lang="en-US" altLang="ja-JP" b="1" dirty="0">
                 <a:latin typeface="+mn-ea"/>
               </a:rPr>
               <a:t>Curl</a:t>
             </a:r>
             <a:r>
-              <a:rPr kumimoji="1" lang="ja-JP" altLang="en-US" b="1" dirty="0" smtClean="0">
+              <a:rPr kumimoji="1" lang="ja-JP" altLang="en-US" b="1" dirty="0">
                 <a:latin typeface="+mn-ea"/>
               </a:rPr>
               <a:t>コマンドによる</a:t>
             </a:r>
-            <a:endParaRPr kumimoji="1" lang="en-US" altLang="ja-JP" b="1" dirty="0" smtClean="0">
+            <a:endParaRPr kumimoji="1" lang="en-US" altLang="ja-JP" b="1" dirty="0">
               <a:latin typeface="+mn-ea"/>
             </a:endParaRPr>
           </a:p>
@@ -21265,19 +20433,19 @@
           </a:p>
           <a:p>
             <a:pPr algn="ctr"/>
-            <a:endParaRPr kumimoji="1" lang="en-US" altLang="ja-JP" b="1" dirty="0" smtClean="0">
+            <a:endParaRPr kumimoji="1" lang="en-US" altLang="ja-JP" b="1" dirty="0">
               <a:latin typeface="+mn-ea"/>
             </a:endParaRPr>
           </a:p>
           <a:p>
             <a:pPr algn="ctr"/>
             <a:r>
-              <a:rPr kumimoji="1" lang="ja-JP" altLang="en-US" b="1" dirty="0" smtClean="0">
+              <a:rPr kumimoji="1" lang="ja-JP" altLang="en-US" b="1" dirty="0">
                 <a:latin typeface="+mn-ea"/>
               </a:rPr>
               <a:t>リクエスト送信</a:t>
             </a:r>
-            <a:endParaRPr kumimoji="1" lang="en-US" altLang="ja-JP" b="1" dirty="0" smtClean="0">
+            <a:endParaRPr kumimoji="1" lang="en-US" altLang="ja-JP" b="1" dirty="0">
               <a:latin typeface="+mn-ea"/>
             </a:endParaRPr>
           </a:p>
@@ -21304,7 +20472,6 @@
             <a:noFill/>
           </a:ln>
           <a:effectLst/>
-          <a:extLst/>
         </p:spPr>
         <p:txBody>
           <a:bodyPr rot="0" spcFirstLastPara="0" vertOverflow="overflow" horzOverflow="overflow" vert="horz" wrap="none" lIns="72000" tIns="72000" rIns="72000" bIns="72000" numCol="1" spcCol="0" rtlCol="0" fromWordArt="0" anchor="ctr" anchorCtr="0" forceAA="0" compatLnSpc="1">
@@ -21316,7 +20483,7 @@
           <a:lstStyle/>
           <a:p>
             <a:pPr algn="ctr"/>
-            <a:endParaRPr kumimoji="1" lang="ja-JP" altLang="en-US" b="1" dirty="0" smtClean="0">
+            <a:endParaRPr kumimoji="1" lang="ja-JP" altLang="en-US" b="1" dirty="0">
               <a:solidFill>
                 <a:schemeClr val="bg1"/>
               </a:solidFill>
@@ -21353,7 +20520,6 @@
             </a:solidFill>
           </a:ln>
           <a:effectLst/>
-          <a:extLst/>
         </p:spPr>
         <p:txBody>
           <a:bodyPr rot="0" spcFirstLastPara="0" vertOverflow="overflow" horzOverflow="overflow" vert="horz" wrap="square" lIns="72000" tIns="72000" rIns="72000" bIns="72000" numCol="1" spcCol="0" rtlCol="0" fromWordArt="0" anchor="ctr" anchorCtr="0" forceAA="0" compatLnSpc="1">
@@ -21366,36 +20532,36 @@
           <a:p>
             <a:pPr algn="ctr"/>
             <a:r>
-              <a:rPr kumimoji="1" lang="ja-JP" altLang="en-US" dirty="0" smtClean="0">
+              <a:rPr kumimoji="1" lang="ja-JP" altLang="en-US" dirty="0">
                 <a:latin typeface="+mn-ea"/>
               </a:rPr>
               <a:t>「クイックスタート」および「</a:t>
             </a:r>
             <a:r>
-              <a:rPr kumimoji="1" lang="en-US" altLang="ja-JP" dirty="0" smtClean="0">
+              <a:rPr kumimoji="1" lang="en-US" altLang="ja-JP" dirty="0">
                 <a:latin typeface="+mn-ea"/>
               </a:rPr>
               <a:t>Base</a:t>
             </a:r>
             <a:r>
-              <a:rPr kumimoji="1" lang="ja-JP" altLang="en-US" dirty="0" smtClean="0">
+              <a:rPr kumimoji="1" lang="ja-JP" altLang="en-US" dirty="0">
                 <a:latin typeface="+mn-ea"/>
               </a:rPr>
               <a:t>」での</a:t>
             </a:r>
-            <a:endParaRPr kumimoji="1" lang="en-US" altLang="ja-JP" dirty="0" smtClean="0">
+            <a:endParaRPr kumimoji="1" lang="en-US" altLang="ja-JP" dirty="0">
               <a:latin typeface="+mn-ea"/>
             </a:endParaRPr>
           </a:p>
           <a:p>
             <a:pPr algn="ctr"/>
             <a:r>
-              <a:rPr kumimoji="1" lang="ja-JP" altLang="en-US" dirty="0" smtClean="0">
+              <a:rPr kumimoji="1" lang="ja-JP" altLang="en-US" dirty="0">
                 <a:latin typeface="+mn-ea"/>
               </a:rPr>
               <a:t>実行方法</a:t>
             </a:r>
-            <a:endParaRPr kumimoji="1" lang="en-US" altLang="ja-JP" dirty="0" smtClean="0">
+            <a:endParaRPr kumimoji="1" lang="en-US" altLang="ja-JP" dirty="0">
               <a:latin typeface="+mn-ea"/>
             </a:endParaRPr>
           </a:p>
@@ -21429,7 +20595,6 @@
             </a:solidFill>
           </a:ln>
           <a:effectLst/>
-          <a:extLst/>
         </p:spPr>
         <p:txBody>
           <a:bodyPr rot="0" spcFirstLastPara="0" vertOverflow="overflow" horzOverflow="overflow" vert="horz" wrap="none" lIns="72000" tIns="72000" rIns="72000" bIns="72000" numCol="1" spcCol="0" rtlCol="0" fromWordArt="0" anchor="ctr" anchorCtr="0" forceAA="0" compatLnSpc="1">
@@ -21442,7 +20607,7 @@
           <a:p>
             <a:pPr algn="ctr"/>
             <a:r>
-              <a:rPr kumimoji="1" lang="ja-JP" altLang="en-US" dirty="0" smtClean="0">
+              <a:rPr kumimoji="1" lang="ja-JP" altLang="en-US" dirty="0">
                 <a:latin typeface="+mn-ea"/>
               </a:rPr>
               <a:t>今回の範囲</a:t>
@@ -21460,13 +20625,6 @@
   <p:clrMapOvr>
     <a:masterClrMapping/>
   </p:clrMapOvr>
-  <p:timing>
-    <p:tnLst>
-      <p:par>
-        <p:cTn id="1" dur="indefinite" restart="never" nodeType="tmRoot"/>
-      </p:par>
-    </p:tnLst>
-  </p:timing>
 </p:sld>
 </file>
 
@@ -21700,7 +20858,6 @@
           </a:solidFill>
         </a:ln>
         <a:effectLst/>
-        <a:extLst/>
       </a:spPr>
       <a:bodyPr rot="0" spcFirstLastPara="0" vertOverflow="overflow" horzOverflow="overflow" vert="horz" wrap="none" lIns="72000" tIns="72000" rIns="72000" bIns="72000" numCol="1" spcCol="0" rtlCol="0" fromWordArt="0" anchor="ctr" anchorCtr="0" forceAA="0" compatLnSpc="1">
         <a:prstTxWarp prst="textNoShape">
